--- a/Lessons/G_RF_TimeSeries/RandomForests.pptx
+++ b/Lessons/G_RF_TimeSeries/RandomForests.pptx
@@ -8,8 +8,8 @@
     <p:notesMasterId r:id="rId12"/>
   </p:notesMasterIdLst>
   <p:sldIdLst>
-    <p:sldId id="359" r:id="rId2"/>
-    <p:sldId id="335" r:id="rId3"/>
+    <p:sldId id="335" r:id="rId2"/>
+    <p:sldId id="372" r:id="rId3"/>
     <p:sldId id="336" r:id="rId4"/>
     <p:sldId id="371" r:id="rId5"/>
     <p:sldId id="337" r:id="rId6"/>
@@ -220,7 +220,7 @@
           <a:p>
             <a:fld id="{B0C0A60C-850A-4EA4-9C14-A8FE98B94505}" type="datetimeFigureOut">
               <a:rPr lang="en-US" smtClean="0"/>
-              <a:t>10/26/20</a:t>
+              <a:t>3/22/21</a:t>
             </a:fld>
             <a:endParaRPr lang="en-US"/>
           </a:p>
@@ -506,6 +506,90 @@
       </p:grpSpPr>
       <p:sp>
         <p:nvSpPr>
+          <p:cNvPr id="2" name="Slide Image Placeholder 1"/>
+          <p:cNvSpPr>
+            <a:spLocks noGrp="1" noRot="1" noChangeAspect="1"/>
+          </p:cNvSpPr>
+          <p:nvPr>
+            <p:ph type="sldImg"/>
+          </p:nvPr>
+        </p:nvSpPr>
+        <p:spPr/>
+      </p:sp>
+      <p:sp>
+        <p:nvSpPr>
+          <p:cNvPr id="3" name="Notes Placeholder 2"/>
+          <p:cNvSpPr>
+            <a:spLocks noGrp="1"/>
+          </p:cNvSpPr>
+          <p:nvPr>
+            <p:ph type="body" idx="1"/>
+          </p:nvPr>
+        </p:nvSpPr>
+        <p:spPr/>
+        <p:txBody>
+          <a:bodyPr/>
+          <a:lstStyle/>
+          <a:p>
+            <a:endParaRPr lang="en-US" dirty="0"/>
+          </a:p>
+        </p:txBody>
+      </p:sp>
+      <p:sp>
+        <p:nvSpPr>
+          <p:cNvPr id="4" name="Slide Number Placeholder 3"/>
+          <p:cNvSpPr>
+            <a:spLocks noGrp="1"/>
+          </p:cNvSpPr>
+          <p:nvPr>
+            <p:ph type="sldNum" sz="quarter" idx="5"/>
+          </p:nvPr>
+        </p:nvSpPr>
+        <p:spPr/>
+        <p:txBody>
+          <a:bodyPr/>
+          <a:lstStyle/>
+          <a:p>
+            <a:fld id="{24E9AA13-E3FC-4BB6-B68D-5F0F5803D716}" type="slidenum">
+              <a:rPr lang="en-US" smtClean="0"/>
+              <a:t>5</a:t>
+            </a:fld>
+            <a:endParaRPr lang="en-US"/>
+          </a:p>
+        </p:txBody>
+      </p:sp>
+    </p:spTree>
+    <p:extLst>
+      <p:ext uri="{BB962C8B-B14F-4D97-AF65-F5344CB8AC3E}">
+        <p14:creationId xmlns:p14="http://schemas.microsoft.com/office/powerpoint/2010/main" val="876738265"/>
+      </p:ext>
+    </p:extLst>
+  </p:cSld>
+  <p:clrMapOvr>
+    <a:masterClrMapping/>
+  </p:clrMapOvr>
+</p:notes>
+</file>
+
+<file path=ppt/notesSlides/notesSlide2.xml><?xml version="1.0" encoding="utf-8"?>
+<p:notes xmlns:a="http://schemas.openxmlformats.org/drawingml/2006/main" xmlns:r="http://schemas.openxmlformats.org/officeDocument/2006/relationships" xmlns:p="http://schemas.openxmlformats.org/presentationml/2006/main">
+  <p:cSld>
+    <p:spTree>
+      <p:nvGrpSpPr>
+        <p:cNvPr id="1" name=""/>
+        <p:cNvGrpSpPr/>
+        <p:nvPr/>
+      </p:nvGrpSpPr>
+      <p:grpSpPr>
+        <a:xfrm>
+          <a:off x="0" y="0"/>
+          <a:ext cx="0" cy="0"/>
+          <a:chOff x="0" y="0"/>
+          <a:chExt cx="0" cy="0"/>
+        </a:xfrm>
+      </p:grpSpPr>
+      <p:sp>
+        <p:nvSpPr>
           <p:cNvPr id="79874" name="Slide Image Placeholder 1"/>
           <p:cNvSpPr>
             <a:spLocks noGrp="1" noRot="1" noChangeAspect="1" noTextEdit="1"/>
@@ -726,7 +810,7 @@
           <a:p>
             <a:fld id="{5738B90E-0779-4C36-915C-6F05FCD89456}" type="datetime1">
               <a:rPr lang="en-US" smtClean="0"/>
-              <a:t>10/26/20</a:t>
+              <a:t>3/22/21</a:t>
             </a:fld>
             <a:endParaRPr lang="en-US"/>
           </a:p>
@@ -944,7 +1028,7 @@
           <a:p>
             <a:fld id="{7B9EA29D-D431-42FE-B7B6-AAE4454C77D3}" type="datetime1">
               <a:rPr lang="en-US" smtClean="0"/>
-              <a:t>10/26/20</a:t>
+              <a:t>3/22/21</a:t>
             </a:fld>
             <a:endParaRPr lang="en-US"/>
           </a:p>
@@ -1204,7 +1288,7 @@
           <a:p>
             <a:fld id="{690D8A1E-EA8F-46C1-B891-AE0C00D9C314}" type="datetime1">
               <a:rPr lang="en-US" smtClean="0"/>
-              <a:t>10/26/20</a:t>
+              <a:t>3/22/21</a:t>
             </a:fld>
             <a:endParaRPr lang="en-US"/>
           </a:p>
@@ -1498,7 +1582,7 @@
           <a:p>
             <a:fld id="{D753EFC8-4232-4598-94F6-94C0EBAFC469}" type="datetime1">
               <a:rPr lang="en-US" smtClean="0"/>
-              <a:t>10/26/20</a:t>
+              <a:t>3/22/21</a:t>
             </a:fld>
             <a:endParaRPr lang="en-US"/>
           </a:p>
@@ -1813,7 +1897,7 @@
           <a:p>
             <a:fld id="{F3161074-1C18-4AE7-957D-F18524378C85}" type="datetime1">
               <a:rPr lang="en-US" smtClean="0"/>
-              <a:t>10/26/20</a:t>
+              <a:t>3/22/21</a:t>
             </a:fld>
             <a:endParaRPr lang="en-US"/>
           </a:p>
@@ -2087,7 +2171,7 @@
           <a:p>
             <a:fld id="{69BE256C-8D9A-4404-B47D-41A1AE514425}" type="datetime1">
               <a:rPr lang="en-US" smtClean="0"/>
-              <a:t>10/26/20</a:t>
+              <a:t>3/22/21</a:t>
             </a:fld>
             <a:endParaRPr lang="en-US"/>
           </a:p>
@@ -2521,7 +2605,7 @@
           <a:p>
             <a:fld id="{66CB2154-9035-4012-8189-BAAB61C5A5EE}" type="datetime1">
               <a:rPr lang="en-US" smtClean="0"/>
-              <a:t>10/26/20</a:t>
+              <a:t>3/22/21</a:t>
             </a:fld>
             <a:endParaRPr lang="en-US"/>
           </a:p>
@@ -2695,7 +2779,7 @@
           <a:p>
             <a:fld id="{6700A58B-DD98-43D0-B791-721480A02982}" type="datetime1">
               <a:rPr lang="en-US" smtClean="0"/>
-              <a:t>10/26/20</a:t>
+              <a:t>3/22/21</a:t>
             </a:fld>
             <a:endParaRPr lang="en-US"/>
           </a:p>
@@ -2887,7 +2971,7 @@
           <a:p>
             <a:fld id="{7DB6E382-4F61-4E24-BE1A-377EC83D0E3A}" type="datetime1">
               <a:rPr lang="en-US" smtClean="0"/>
-              <a:t>10/26/20</a:t>
+              <a:t>3/22/21</a:t>
             </a:fld>
             <a:endParaRPr lang="en-US"/>
           </a:p>
@@ -3198,7 +3282,7 @@
           <a:p>
             <a:fld id="{4142EED6-FC16-45B9-B8C4-2BC5DBA88325}" type="datetime1">
               <a:rPr lang="en-US" smtClean="0"/>
-              <a:t>10/26/20</a:t>
+              <a:t>3/22/21</a:t>
             </a:fld>
             <a:endParaRPr lang="en-US"/>
           </a:p>
@@ -3516,7 +3600,7 @@
           <a:p>
             <a:fld id="{DF59512B-4F1D-43D7-8819-2F53FEF69650}" type="datetime1">
               <a:rPr lang="en-US" smtClean="0"/>
-              <a:t>10/26/20</a:t>
+              <a:t>3/22/21</a:t>
             </a:fld>
             <a:endParaRPr lang="en-US"/>
           </a:p>
@@ -3792,7 +3876,7 @@
           <a:p>
             <a:fld id="{08437B94-E2BF-44DC-ADC5-B05FC9934E9D}" type="datetime1">
               <a:rPr lang="en-US" smtClean="0"/>
-              <a:t>10/26/20</a:t>
+              <a:t>3/22/21</a:t>
             </a:fld>
             <a:endParaRPr lang="en-US"/>
           </a:p>
@@ -4238,7 +4322,42 @@
       </p:grpSpPr>
       <p:sp>
         <p:nvSpPr>
-          <p:cNvPr id="2" name="Title 1"/>
+          <p:cNvPr id="2" name="Date Placeholder 1">
+            <a:extLst>
+              <a:ext uri="{FF2B5EF4-FFF2-40B4-BE49-F238E27FC236}">
+                <a16:creationId xmlns:a16="http://schemas.microsoft.com/office/drawing/2014/main" id="{5BA880B5-5AE1-467C-8366-3251D679BDF3}"/>
+              </a:ext>
+            </a:extLst>
+          </p:cNvPr>
+          <p:cNvSpPr>
+            <a:spLocks noGrp="1"/>
+          </p:cNvSpPr>
+          <p:nvPr>
+            <p:ph type="dt" sz="half" idx="10"/>
+          </p:nvPr>
+        </p:nvSpPr>
+        <p:spPr/>
+        <p:txBody>
+          <a:bodyPr/>
+          <a:lstStyle/>
+          <a:p>
+            <a:fld id="{6700A58B-DD98-43D0-B791-721480A02982}" type="datetime1">
+              <a:rPr lang="en-US" smtClean="0"/>
+              <a:t>3/22/21</a:t>
+            </a:fld>
+            <a:endParaRPr lang="en-US"/>
+          </a:p>
+        </p:txBody>
+      </p:sp>
+      <p:sp>
+        <p:nvSpPr>
+          <p:cNvPr id="3" name="Title 2">
+            <a:extLst>
+              <a:ext uri="{FF2B5EF4-FFF2-40B4-BE49-F238E27FC236}">
+                <a16:creationId xmlns:a16="http://schemas.microsoft.com/office/drawing/2014/main" id="{49163186-DB36-4EF5-9068-974F89000C74}"/>
+              </a:ext>
+            </a:extLst>
+          </p:cNvPr>
           <p:cNvSpPr>
             <a:spLocks noGrp="1"/>
           </p:cNvSpPr>
@@ -4253,396 +4372,25 @@
           <a:p>
             <a:r>
               <a:rPr lang="en-US" dirty="0"/>
-              <a:t>Agenda</a:t>
+              <a:t>The Wisdom of the Crowd</a:t>
             </a:r>
           </a:p>
         </p:txBody>
       </p:sp>
-      <p:graphicFrame>
-        <p:nvGraphicFramePr>
-          <p:cNvPr id="4" name="Content Placeholder 3"/>
-          <p:cNvGraphicFramePr>
-            <a:graphicFrameLocks noGrp="1"/>
-          </p:cNvGraphicFramePr>
-          <p:nvPr>
-            <p:ph idx="1"/>
-          </p:nvPr>
-        </p:nvGraphicFramePr>
-        <p:xfrm>
-          <a:off x="614363" y="1111250"/>
-          <a:ext cx="7915275" cy="2377440"/>
-        </p:xfrm>
-        <a:graphic>
-          <a:graphicData uri="http://schemas.openxmlformats.org/drawingml/2006/table">
-            <a:tbl>
-              <a:tblPr firstRow="1" bandRow="1">
-                <a:tableStyleId>{F5AB1C69-6EDB-4FF4-983F-18BD219EF322}</a:tableStyleId>
-              </a:tblPr>
-              <a:tblGrid>
-                <a:gridCol w="1242805">
-                  <a:extLst>
-                    <a:ext uri="{9D8B030D-6E8A-4147-A177-3AD203B41FA5}">
-                      <a16:colId xmlns:a16="http://schemas.microsoft.com/office/drawing/2014/main" val="20000"/>
-                    </a:ext>
-                  </a:extLst>
-                </a:gridCol>
-                <a:gridCol w="861296">
-                  <a:extLst>
-                    <a:ext uri="{9D8B030D-6E8A-4147-A177-3AD203B41FA5}">
-                      <a16:colId xmlns:a16="http://schemas.microsoft.com/office/drawing/2014/main" val="20001"/>
-                    </a:ext>
-                  </a:extLst>
-                </a:gridCol>
-                <a:gridCol w="5811174">
-                  <a:extLst>
-                    <a:ext uri="{9D8B030D-6E8A-4147-A177-3AD203B41FA5}">
-                      <a16:colId xmlns:a16="http://schemas.microsoft.com/office/drawing/2014/main" val="20002"/>
-                    </a:ext>
-                  </a:extLst>
-                </a:gridCol>
-              </a:tblGrid>
-              <a:tr h="370840">
-                <a:tc>
-                  <a:txBody>
-                    <a:bodyPr/>
-                    <a:lstStyle/>
-                    <a:p>
-                      <a:pPr algn="ctr"/>
-                      <a:r>
-                        <a:rPr lang="en-US" sz="2000" b="0" strike="noStrike" dirty="0">
-                          <a:solidFill>
-                            <a:schemeClr val="bg1"/>
-                          </a:solidFill>
-                        </a:rPr>
-                        <a:t>Start</a:t>
-                      </a:r>
-                    </a:p>
-                  </a:txBody>
-                  <a:tcPr/>
-                </a:tc>
-                <a:tc>
-                  <a:txBody>
-                    <a:bodyPr/>
-                    <a:lstStyle/>
-                    <a:p>
-                      <a:pPr algn="ctr"/>
-                      <a:r>
-                        <a:rPr lang="en-US" sz="2000" b="0" strike="noStrike" dirty="0">
-                          <a:solidFill>
-                            <a:schemeClr val="bg1"/>
-                          </a:solidFill>
-                        </a:rPr>
-                        <a:t>End</a:t>
-                      </a:r>
-                    </a:p>
-                  </a:txBody>
-                  <a:tcPr/>
-                </a:tc>
-                <a:tc>
-                  <a:txBody>
-                    <a:bodyPr/>
-                    <a:lstStyle/>
-                    <a:p>
-                      <a:r>
-                        <a:rPr lang="en-US" sz="2000" b="0" strike="noStrike" dirty="0">
-                          <a:solidFill>
-                            <a:schemeClr val="bg1"/>
-                          </a:solidFill>
-                        </a:rPr>
-                        <a:t>Item</a:t>
-                      </a:r>
-                    </a:p>
-                  </a:txBody>
-                  <a:tcPr/>
-                </a:tc>
-                <a:extLst>
-                  <a:ext uri="{0D108BD9-81ED-4DB2-BD59-A6C34878D82A}">
-                    <a16:rowId xmlns:a16="http://schemas.microsoft.com/office/drawing/2014/main" val="10000"/>
-                  </a:ext>
-                </a:extLst>
-              </a:tr>
-              <a:tr h="370840">
-                <a:tc>
-                  <a:txBody>
-                    <a:bodyPr/>
-                    <a:lstStyle/>
-                    <a:p>
-                      <a:pPr algn="ctr"/>
-                      <a:endParaRPr lang="en-US" sz="2000" b="0" strike="noStrike" dirty="0">
-                        <a:solidFill>
-                          <a:schemeClr val="tx1"/>
-                        </a:solidFill>
-                      </a:endParaRPr>
-                    </a:p>
-                  </a:txBody>
-                  <a:tcPr/>
-                </a:tc>
-                <a:tc>
-                  <a:txBody>
-                    <a:bodyPr/>
-                    <a:lstStyle/>
-                    <a:p>
-                      <a:pPr algn="ctr"/>
-                      <a:endParaRPr lang="en-US" sz="2000" b="0" strike="noStrike" dirty="0">
-                        <a:solidFill>
-                          <a:schemeClr val="tx1"/>
-                        </a:solidFill>
-                      </a:endParaRPr>
-                    </a:p>
-                  </a:txBody>
-                  <a:tcPr/>
-                </a:tc>
-                <a:tc>
-                  <a:txBody>
-                    <a:bodyPr/>
-                    <a:lstStyle/>
-                    <a:p>
-                      <a:r>
-                        <a:rPr lang="en-US" sz="2000" b="0" strike="noStrike" dirty="0">
-                          <a:solidFill>
-                            <a:schemeClr val="tx1"/>
-                          </a:solidFill>
-                        </a:rPr>
-                        <a:t>Decision Trees - explanation</a:t>
-                      </a:r>
-                    </a:p>
-                  </a:txBody>
-                  <a:tcPr/>
-                </a:tc>
-                <a:extLst>
-                  <a:ext uri="{0D108BD9-81ED-4DB2-BD59-A6C34878D82A}">
-                    <a16:rowId xmlns:a16="http://schemas.microsoft.com/office/drawing/2014/main" val="3086568558"/>
-                  </a:ext>
-                </a:extLst>
-              </a:tr>
-              <a:tr h="370840">
-                <a:tc>
-                  <a:txBody>
-                    <a:bodyPr/>
-                    <a:lstStyle/>
-                    <a:p>
-                      <a:pPr algn="ctr"/>
-                      <a:endParaRPr lang="en-US" sz="2000" b="0" strike="noStrike" dirty="0">
-                        <a:solidFill>
-                          <a:schemeClr val="tx1"/>
-                        </a:solidFill>
-                      </a:endParaRPr>
-                    </a:p>
-                  </a:txBody>
-                  <a:tcPr/>
-                </a:tc>
-                <a:tc>
-                  <a:txBody>
-                    <a:bodyPr/>
-                    <a:lstStyle/>
-                    <a:p>
-                      <a:pPr algn="ctr"/>
-                      <a:endParaRPr lang="en-US" sz="2000" b="0" strike="noStrike" dirty="0">
-                        <a:solidFill>
-                          <a:schemeClr val="tx1"/>
-                        </a:solidFill>
-                      </a:endParaRPr>
-                    </a:p>
-                  </a:txBody>
-                  <a:tcPr/>
-                </a:tc>
-                <a:tc>
-                  <a:txBody>
-                    <a:bodyPr/>
-                    <a:lstStyle/>
-                    <a:p>
-                      <a:r>
-                        <a:rPr lang="en-US" sz="2000" b="0" strike="noStrike" dirty="0">
-                          <a:solidFill>
-                            <a:schemeClr val="tx1"/>
-                          </a:solidFill>
-                        </a:rPr>
-                        <a:t>Decision Tree Example</a:t>
-                      </a:r>
-                    </a:p>
-                  </a:txBody>
-                  <a:tcPr/>
-                </a:tc>
-                <a:extLst>
-                  <a:ext uri="{0D108BD9-81ED-4DB2-BD59-A6C34878D82A}">
-                    <a16:rowId xmlns:a16="http://schemas.microsoft.com/office/drawing/2014/main" val="1739476882"/>
-                  </a:ext>
-                </a:extLst>
-              </a:tr>
-              <a:tr h="370840">
-                <a:tc>
-                  <a:txBody>
-                    <a:bodyPr/>
-                    <a:lstStyle/>
-                    <a:p>
-                      <a:pPr algn="ctr"/>
-                      <a:endParaRPr lang="en-US" sz="2000" b="0" strike="noStrike" dirty="0">
-                        <a:solidFill>
-                          <a:schemeClr val="tx1"/>
-                        </a:solidFill>
-                      </a:endParaRPr>
-                    </a:p>
-                  </a:txBody>
-                  <a:tcPr/>
-                </a:tc>
-                <a:tc>
-                  <a:txBody>
-                    <a:bodyPr/>
-                    <a:lstStyle/>
-                    <a:p>
-                      <a:pPr algn="ctr"/>
-                      <a:endParaRPr lang="en-US" sz="2000" b="0" strike="noStrike" dirty="0">
-                        <a:solidFill>
-                          <a:schemeClr val="tx1"/>
-                        </a:solidFill>
-                      </a:endParaRPr>
-                    </a:p>
-                  </a:txBody>
-                  <a:tcPr/>
-                </a:tc>
-                <a:tc>
-                  <a:txBody>
-                    <a:bodyPr/>
-                    <a:lstStyle/>
-                    <a:p>
-                      <a:r>
-                        <a:rPr lang="en-US" sz="2000" b="0" strike="noStrike" dirty="0">
-                          <a:solidFill>
-                            <a:schemeClr val="tx1"/>
-                          </a:solidFill>
-                        </a:rPr>
-                        <a:t>A to Z Decision Trees scripting example</a:t>
-                      </a:r>
-                    </a:p>
-                  </a:txBody>
-                  <a:tcPr/>
-                </a:tc>
-                <a:extLst>
-                  <a:ext uri="{0D108BD9-81ED-4DB2-BD59-A6C34878D82A}">
-                    <a16:rowId xmlns:a16="http://schemas.microsoft.com/office/drawing/2014/main" val="4176223156"/>
-                  </a:ext>
-                </a:extLst>
-              </a:tr>
-              <a:tr h="370840">
-                <a:tc>
-                  <a:txBody>
-                    <a:bodyPr/>
-                    <a:lstStyle/>
-                    <a:p>
-                      <a:pPr algn="ctr"/>
-                      <a:endParaRPr lang="en-US" sz="2000" b="0" strike="noStrike" dirty="0">
-                        <a:solidFill>
-                          <a:schemeClr val="tx1"/>
-                        </a:solidFill>
-                      </a:endParaRPr>
-                    </a:p>
-                  </a:txBody>
-                  <a:tcPr/>
-                </a:tc>
-                <a:tc>
-                  <a:txBody>
-                    <a:bodyPr/>
-                    <a:lstStyle/>
-                    <a:p>
-                      <a:pPr algn="ctr"/>
-                      <a:endParaRPr lang="en-US" sz="2000" b="0" strike="noStrike" dirty="0">
-                        <a:solidFill>
-                          <a:schemeClr val="tx1"/>
-                        </a:solidFill>
-                      </a:endParaRPr>
-                    </a:p>
-                  </a:txBody>
-                  <a:tcPr/>
-                </a:tc>
-                <a:tc>
-                  <a:txBody>
-                    <a:bodyPr/>
-                    <a:lstStyle/>
-                    <a:p>
-                      <a:r>
-                        <a:rPr lang="en-US" sz="2000" b="0" strike="noStrike" dirty="0">
-                          <a:solidFill>
-                            <a:schemeClr val="tx1"/>
-                          </a:solidFill>
-                        </a:rPr>
-                        <a:t>Break</a:t>
-                      </a:r>
-                    </a:p>
-                  </a:txBody>
-                  <a:tcPr/>
-                </a:tc>
-                <a:extLst>
-                  <a:ext uri="{0D108BD9-81ED-4DB2-BD59-A6C34878D82A}">
-                    <a16:rowId xmlns:a16="http://schemas.microsoft.com/office/drawing/2014/main" val="375788903"/>
-                  </a:ext>
-                </a:extLst>
-              </a:tr>
-              <a:tr h="370840">
-                <a:tc>
-                  <a:txBody>
-                    <a:bodyPr/>
-                    <a:lstStyle/>
-                    <a:p>
-                      <a:pPr algn="ctr"/>
-                      <a:endParaRPr lang="en-US" sz="2000" b="0" strike="noStrike" dirty="0">
-                        <a:solidFill>
-                          <a:schemeClr val="tx1"/>
-                        </a:solidFill>
-                      </a:endParaRPr>
-                    </a:p>
-                  </a:txBody>
-                  <a:tcPr/>
-                </a:tc>
-                <a:tc>
-                  <a:txBody>
-                    <a:bodyPr/>
-                    <a:lstStyle/>
-                    <a:p>
-                      <a:pPr algn="ctr"/>
-                      <a:endParaRPr lang="en-US" sz="2000" b="0" strike="noStrike" dirty="0">
-                        <a:solidFill>
-                          <a:schemeClr val="tx1"/>
-                        </a:solidFill>
-                      </a:endParaRPr>
-                    </a:p>
-                  </a:txBody>
-                  <a:tcPr/>
-                </a:tc>
-                <a:tc>
-                  <a:txBody>
-                    <a:bodyPr/>
-                    <a:lstStyle/>
-                    <a:p>
-                      <a:r>
-                        <a:rPr lang="en-US" sz="2000" b="0" strike="noStrike" dirty="0">
-                          <a:solidFill>
-                            <a:schemeClr val="tx1"/>
-                          </a:solidFill>
-                        </a:rPr>
-                        <a:t>Random Forests</a:t>
-                      </a:r>
-                    </a:p>
-                  </a:txBody>
-                  <a:tcPr/>
-                </a:tc>
-                <a:extLst>
-                  <a:ext uri="{0D108BD9-81ED-4DB2-BD59-A6C34878D82A}">
-                    <a16:rowId xmlns:a16="http://schemas.microsoft.com/office/drawing/2014/main" val="1479263652"/>
-                  </a:ext>
-                </a:extLst>
-              </a:tr>
-            </a:tbl>
-          </a:graphicData>
-        </a:graphic>
-      </p:graphicFrame>
       <p:sp>
         <p:nvSpPr>
-          <p:cNvPr id="5" name="Date Placeholder 4"/>
+          <p:cNvPr id="4" name="Slide Number Placeholder 3">
+            <a:extLst>
+              <a:ext uri="{FF2B5EF4-FFF2-40B4-BE49-F238E27FC236}">
+                <a16:creationId xmlns:a16="http://schemas.microsoft.com/office/drawing/2014/main" id="{FDD3217C-CD88-432D-8A68-B1DF66C148B8}"/>
+              </a:ext>
+            </a:extLst>
+          </p:cNvPr>
           <p:cNvSpPr>
             <a:spLocks noGrp="1"/>
           </p:cNvSpPr>
           <p:nvPr>
-            <p:ph type="dt" sz="half" idx="10"/>
+            <p:ph type="sldNum" sz="quarter" idx="12"/>
           </p:nvPr>
         </p:nvSpPr>
         <p:spPr/>
@@ -4650,9 +4398,9 @@
           <a:bodyPr/>
           <a:lstStyle/>
           <a:p>
-            <a:fld id="{9B19E99B-5349-415A-8E56-8E989211A366}" type="datetime1">
+            <a:fld id="{37290FF7-652B-4475-AEAB-8B1A5D23AE09}" type="slidenum">
               <a:rPr lang="en-US" smtClean="0"/>
-              <a:t>10/26/20</a:t>
+              <a:t>1</a:t>
             </a:fld>
             <a:endParaRPr lang="en-US"/>
           </a:p>
@@ -4660,7 +4408,13 @@
       </p:sp>
       <p:sp>
         <p:nvSpPr>
-          <p:cNvPr id="6" name="Footer Placeholder 5"/>
+          <p:cNvPr id="5" name="Footer Placeholder 4">
+            <a:extLst>
+              <a:ext uri="{FF2B5EF4-FFF2-40B4-BE49-F238E27FC236}">
+                <a16:creationId xmlns:a16="http://schemas.microsoft.com/office/drawing/2014/main" id="{ABC36FE1-87DF-43B7-B607-7E8223A9BBD7}"/>
+              </a:ext>
+            </a:extLst>
+          </p:cNvPr>
           <p:cNvSpPr>
             <a:spLocks noGrp="1"/>
           </p:cNvSpPr>
@@ -4682,31 +4436,61 @@
       </p:sp>
       <p:sp>
         <p:nvSpPr>
-          <p:cNvPr id="7" name="Slide Number Placeholder 6"/>
-          <p:cNvSpPr>
-            <a:spLocks noGrp="1"/>
-          </p:cNvSpPr>
-          <p:nvPr>
-            <p:ph type="sldNum" sz="quarter" idx="12"/>
-          </p:nvPr>
+          <p:cNvPr id="6" name="Shape 651">
+            <a:extLst>
+              <a:ext uri="{FF2B5EF4-FFF2-40B4-BE49-F238E27FC236}">
+                <a16:creationId xmlns:a16="http://schemas.microsoft.com/office/drawing/2014/main" id="{FD924FEC-E4D2-4DCA-8439-16F154EFDFAE}"/>
+              </a:ext>
+            </a:extLst>
+          </p:cNvPr>
+          <p:cNvSpPr txBox="1"/>
+          <p:nvPr/>
         </p:nvSpPr>
-        <p:spPr/>
+        <p:spPr>
+          <a:xfrm>
+            <a:off x="304799" y="3093720"/>
+            <a:ext cx="8729546" cy="754799"/>
+          </a:xfrm>
+          <a:prstGeom prst="rect">
+            <a:avLst/>
+          </a:prstGeom>
+          <a:solidFill>
+            <a:schemeClr val="accent5"/>
+          </a:solidFill>
+          <a:ln>
+            <a:noFill/>
+          </a:ln>
+        </p:spPr>
         <p:txBody>
-          <a:bodyPr/>
+          <a:bodyPr lIns="91425" tIns="91425" rIns="91425" bIns="91425" anchor="ctr" anchorCtr="0">
+            <a:noAutofit/>
+          </a:bodyPr>
           <a:lstStyle/>
           <a:p>
-            <a:fld id="{37290FF7-652B-4475-AEAB-8B1A5D23AE09}" type="slidenum">
-              <a:rPr lang="en-US" smtClean="0"/>
-              <a:t>1</a:t>
-            </a:fld>
-            <a:endParaRPr lang="en-US"/>
+            <a:pPr algn="ctr">
+              <a:lnSpc>
+                <a:spcPct val="115000"/>
+              </a:lnSpc>
+            </a:pPr>
+            <a:r>
+              <a:rPr lang="en" sz="1600" dirty="0">
+                <a:solidFill>
+                  <a:srgbClr val="FFFFFF"/>
+                </a:solidFill>
+                <a:latin typeface="Open Sans"/>
+                <a:ea typeface="Open Sans"/>
+                <a:cs typeface="Open Sans"/>
+                <a:sym typeface="Open Sans"/>
+              </a:rPr>
+              <a:t>1907 Vox Populi by Sir Francis Galton created the notion of  “wisdom of crowds” as a phenomenon.  It is the basis of modern search engines and crowdsourcing.</a:t>
+            </a:r>
           </a:p>
         </p:txBody>
       </p:sp>
     </p:spTree>
     <p:extLst>
       <p:ext uri="{BB962C8B-B14F-4D97-AF65-F5344CB8AC3E}">
-        <p14:creationId xmlns:p14="http://schemas.microsoft.com/office/powerpoint/2010/main" val="3830336220"/>
+        <p14:creationId xmlns:p14="http://schemas.microsoft.com/office/powerpoint/2010/main" val="3403927038"/>
       </p:ext>
     </p:extLst>
   </p:cSld>
@@ -4750,7 +4534,7 @@
           <a:p>
             <a:fld id="{6700A58B-DD98-43D0-B791-721480A02982}" type="datetime1">
               <a:rPr lang="en-US" smtClean="0"/>
-              <a:t>10/26/20</a:t>
+              <a:t>3/22/21</a:t>
             </a:fld>
             <a:endParaRPr lang="en-US"/>
           </a:p>
@@ -5507,7 +5291,7 @@
           <a:p>
             <a:fld id="{6700A58B-DD98-43D0-B791-721480A02982}" type="datetime1">
               <a:rPr lang="en-US" smtClean="0"/>
-              <a:t>10/26/20</a:t>
+              <a:t>3/22/21</a:t>
             </a:fld>
             <a:endParaRPr lang="en-US"/>
           </a:p>
@@ -5536,7 +5320,7 @@
           <a:p>
             <a:r>
               <a:rPr lang="en-US" dirty="0"/>
-              <a:t>Random Forests…the Wisdom of the Crowd</a:t>
+              <a:t>The Wisdom of the Crowd</a:t>
             </a:r>
           </a:p>
         </p:txBody>
@@ -5594,59 +5378,6 @@
             <a:r>
               <a:rPr lang="en-US" dirty="0"/>
               <a:t>Kwartler CSCI -96</a:t>
-            </a:r>
-          </a:p>
-        </p:txBody>
-      </p:sp>
-      <p:sp>
-        <p:nvSpPr>
-          <p:cNvPr id="6" name="Shape 651">
-            <a:extLst>
-              <a:ext uri="{FF2B5EF4-FFF2-40B4-BE49-F238E27FC236}">
-                <a16:creationId xmlns:a16="http://schemas.microsoft.com/office/drawing/2014/main" id="{FD924FEC-E4D2-4DCA-8439-16F154EFDFAE}"/>
-              </a:ext>
-            </a:extLst>
-          </p:cNvPr>
-          <p:cNvSpPr txBox="1"/>
-          <p:nvPr/>
-        </p:nvSpPr>
-        <p:spPr>
-          <a:xfrm>
-            <a:off x="304799" y="1143000"/>
-            <a:ext cx="8729546" cy="754799"/>
-          </a:xfrm>
-          <a:prstGeom prst="rect">
-            <a:avLst/>
-          </a:prstGeom>
-          <a:solidFill>
-            <a:schemeClr val="accent5"/>
-          </a:solidFill>
-          <a:ln>
-            <a:noFill/>
-          </a:ln>
-        </p:spPr>
-        <p:txBody>
-          <a:bodyPr lIns="91425" tIns="91425" rIns="91425" bIns="91425" anchor="ctr" anchorCtr="0">
-            <a:noAutofit/>
-          </a:bodyPr>
-          <a:lstStyle/>
-          <a:p>
-            <a:pPr algn="ctr">
-              <a:lnSpc>
-                <a:spcPct val="115000"/>
-              </a:lnSpc>
-            </a:pPr>
-            <a:r>
-              <a:rPr lang="en" sz="1600" dirty="0">
-                <a:solidFill>
-                  <a:srgbClr val="FFFFFF"/>
-                </a:solidFill>
-                <a:latin typeface="Open Sans"/>
-                <a:ea typeface="Open Sans"/>
-                <a:cs typeface="Open Sans"/>
-                <a:sym typeface="Open Sans"/>
-              </a:rPr>
-              <a:t>1907 Vox Populi by Sir Francis Galton created the notion of  “wisdom of crowds” as a phenomenon.  It is the basis of modern search engines and crowdsourcing.</a:t>
             </a:r>
           </a:p>
         </p:txBody>
@@ -5794,7 +5525,7 @@
         </p:blipFill>
         <p:spPr>
           <a:xfrm>
-            <a:off x="5638800" y="2096413"/>
+            <a:off x="5562600" y="1716750"/>
             <a:ext cx="3160925" cy="3314575"/>
           </a:xfrm>
           <a:prstGeom prst="rect">
@@ -5822,7 +5553,7 @@
         </p:nvSpPr>
         <p:spPr>
           <a:xfrm>
-            <a:off x="304799" y="2073573"/>
+            <a:off x="228599" y="1716750"/>
             <a:ext cx="4343401" cy="3424499"/>
           </a:xfrm>
           <a:prstGeom prst="rect">
@@ -6000,13 +5731,137 @@
     </p:spTree>
     <p:extLst>
       <p:ext uri="{BB962C8B-B14F-4D97-AF65-F5344CB8AC3E}">
-        <p14:creationId xmlns:p14="http://schemas.microsoft.com/office/powerpoint/2010/main" val="3403927038"/>
+        <p14:creationId xmlns:p14="http://schemas.microsoft.com/office/powerpoint/2010/main" val="2316146822"/>
       </p:ext>
     </p:extLst>
   </p:cSld>
   <p:clrMapOvr>
     <a:masterClrMapping/>
   </p:clrMapOvr>
+  <p:timing>
+    <p:tnLst>
+      <p:par>
+        <p:cTn id="1" dur="indefinite" restart="never" nodeType="tmRoot">
+          <p:childTnLst>
+            <p:seq concurrent="1" nextAc="seek">
+              <p:cTn id="2" dur="indefinite" nodeType="mainSeq">
+                <p:childTnLst>
+                  <p:par>
+                    <p:cTn id="3" fill="hold">
+                      <p:stCondLst>
+                        <p:cond delay="indefinite"/>
+                      </p:stCondLst>
+                      <p:childTnLst>
+                        <p:par>
+                          <p:cTn id="4" fill="hold">
+                            <p:stCondLst>
+                              <p:cond delay="0"/>
+                            </p:stCondLst>
+                            <p:childTnLst>
+                              <p:par>
+                                <p:cTn id="5" presetID="1" presetClass="entr" presetSubtype="0" fill="hold" grpId="0" nodeType="clickEffect">
+                                  <p:stCondLst>
+                                    <p:cond delay="0"/>
+                                  </p:stCondLst>
+                                  <p:childTnLst>
+                                    <p:set>
+                                      <p:cBhvr>
+                                        <p:cTn id="6" dur="1" fill="hold">
+                                          <p:stCondLst>
+                                            <p:cond delay="0"/>
+                                          </p:stCondLst>
+                                        </p:cTn>
+                                        <p:tgtEl>
+                                          <p:spTgt spid="9"/>
+                                        </p:tgtEl>
+                                        <p:attrNameLst>
+                                          <p:attrName>style.visibility</p:attrName>
+                                        </p:attrNameLst>
+                                      </p:cBhvr>
+                                      <p:to>
+                                        <p:strVal val="visible"/>
+                                      </p:to>
+                                    </p:set>
+                                  </p:childTnLst>
+                                </p:cTn>
+                              </p:par>
+                            </p:childTnLst>
+                          </p:cTn>
+                        </p:par>
+                      </p:childTnLst>
+                    </p:cTn>
+                  </p:par>
+                  <p:par>
+                    <p:cTn id="7" fill="hold">
+                      <p:stCondLst>
+                        <p:cond delay="indefinite"/>
+                      </p:stCondLst>
+                      <p:childTnLst>
+                        <p:par>
+                          <p:cTn id="8" fill="hold">
+                            <p:stCondLst>
+                              <p:cond delay="0"/>
+                            </p:stCondLst>
+                            <p:childTnLst>
+                              <p:par>
+                                <p:cTn id="9" presetID="1" presetClass="entr" presetSubtype="0" fill="hold" grpId="0" nodeType="clickEffect">
+                                  <p:stCondLst>
+                                    <p:cond delay="0"/>
+                                  </p:stCondLst>
+                                  <p:childTnLst>
+                                    <p:set>
+                                      <p:cBhvr>
+                                        <p:cTn id="10" dur="1" fill="hold">
+                                          <p:stCondLst>
+                                            <p:cond delay="0"/>
+                                          </p:stCondLst>
+                                        </p:cTn>
+                                        <p:tgtEl>
+                                          <p:spTgt spid="7"/>
+                                        </p:tgtEl>
+                                        <p:attrNameLst>
+                                          <p:attrName>style.visibility</p:attrName>
+                                        </p:attrNameLst>
+                                      </p:cBhvr>
+                                      <p:to>
+                                        <p:strVal val="visible"/>
+                                      </p:to>
+                                    </p:set>
+                                  </p:childTnLst>
+                                </p:cTn>
+                              </p:par>
+                            </p:childTnLst>
+                          </p:cTn>
+                        </p:par>
+                      </p:childTnLst>
+                    </p:cTn>
+                  </p:par>
+                </p:childTnLst>
+              </p:cTn>
+              <p:prevCondLst>
+                <p:cond evt="onPrev" delay="0">
+                  <p:tgtEl>
+                    <p:sldTgt/>
+                  </p:tgtEl>
+                </p:cond>
+              </p:prevCondLst>
+              <p:nextCondLst>
+                <p:cond evt="onNext" delay="0">
+                  <p:tgtEl>
+                    <p:sldTgt/>
+                  </p:tgtEl>
+                </p:cond>
+              </p:nextCondLst>
+            </p:seq>
+          </p:childTnLst>
+        </p:cTn>
+      </p:par>
+    </p:tnLst>
+    <p:bldLst>
+      <p:bldP spid="7" grpId="0" animBg="1"/>
+      <p:bldP spid="9" grpId="0"/>
+    </p:bldLst>
+  </p:timing>
 </p:sld>
 </file>
 
@@ -6050,7 +5905,7 @@
           <a:p>
             <a:fld id="{6700A58B-DD98-43D0-B791-721480A02982}" type="datetime1">
               <a:rPr lang="en-US" smtClean="0"/>
-              <a:t>10/26/20</a:t>
+              <a:t>3/22/21</a:t>
             </a:fld>
             <a:endParaRPr lang="en-US"/>
           </a:p>
@@ -6523,6 +6378,130 @@
   <p:clrMapOvr>
     <a:masterClrMapping/>
   </p:clrMapOvr>
+  <p:timing>
+    <p:tnLst>
+      <p:par>
+        <p:cTn id="1" dur="indefinite" restart="never" nodeType="tmRoot">
+          <p:childTnLst>
+            <p:seq concurrent="1" nextAc="seek">
+              <p:cTn id="2" dur="indefinite" nodeType="mainSeq">
+                <p:childTnLst>
+                  <p:par>
+                    <p:cTn id="3" fill="hold">
+                      <p:stCondLst>
+                        <p:cond delay="indefinite"/>
+                      </p:stCondLst>
+                      <p:childTnLst>
+                        <p:par>
+                          <p:cTn id="4" fill="hold">
+                            <p:stCondLst>
+                              <p:cond delay="0"/>
+                            </p:stCondLst>
+                            <p:childTnLst>
+                              <p:par>
+                                <p:cTn id="5" presetID="1" presetClass="entr" presetSubtype="0" fill="hold" grpId="0" nodeType="clickEffect">
+                                  <p:stCondLst>
+                                    <p:cond delay="0"/>
+                                  </p:stCondLst>
+                                  <p:childTnLst>
+                                    <p:set>
+                                      <p:cBhvr>
+                                        <p:cTn id="6" dur="1" fill="hold">
+                                          <p:stCondLst>
+                                            <p:cond delay="0"/>
+                                          </p:stCondLst>
+                                        </p:cTn>
+                                        <p:tgtEl>
+                                          <p:spTgt spid="10"/>
+                                        </p:tgtEl>
+                                        <p:attrNameLst>
+                                          <p:attrName>style.visibility</p:attrName>
+                                        </p:attrNameLst>
+                                      </p:cBhvr>
+                                      <p:to>
+                                        <p:strVal val="visible"/>
+                                      </p:to>
+                                    </p:set>
+                                  </p:childTnLst>
+                                </p:cTn>
+                              </p:par>
+                            </p:childTnLst>
+                          </p:cTn>
+                        </p:par>
+                      </p:childTnLst>
+                    </p:cTn>
+                  </p:par>
+                  <p:par>
+                    <p:cTn id="7" fill="hold">
+                      <p:stCondLst>
+                        <p:cond delay="indefinite"/>
+                      </p:stCondLst>
+                      <p:childTnLst>
+                        <p:par>
+                          <p:cTn id="8" fill="hold">
+                            <p:stCondLst>
+                              <p:cond delay="0"/>
+                            </p:stCondLst>
+                            <p:childTnLst>
+                              <p:par>
+                                <p:cTn id="9" presetID="1" presetClass="entr" presetSubtype="0" fill="hold" grpId="0" nodeType="clickEffect">
+                                  <p:stCondLst>
+                                    <p:cond delay="0"/>
+                                  </p:stCondLst>
+                                  <p:childTnLst>
+                                    <p:set>
+                                      <p:cBhvr>
+                                        <p:cTn id="10" dur="1" fill="hold">
+                                          <p:stCondLst>
+                                            <p:cond delay="0"/>
+                                          </p:stCondLst>
+                                        </p:cTn>
+                                        <p:tgtEl>
+                                          <p:spTgt spid="11"/>
+                                        </p:tgtEl>
+                                        <p:attrNameLst>
+                                          <p:attrName>style.visibility</p:attrName>
+                                        </p:attrNameLst>
+                                      </p:cBhvr>
+                                      <p:to>
+                                        <p:strVal val="visible"/>
+                                      </p:to>
+                                    </p:set>
+                                  </p:childTnLst>
+                                </p:cTn>
+                              </p:par>
+                            </p:childTnLst>
+                          </p:cTn>
+                        </p:par>
+                      </p:childTnLst>
+                    </p:cTn>
+                  </p:par>
+                </p:childTnLst>
+              </p:cTn>
+              <p:prevCondLst>
+                <p:cond evt="onPrev" delay="0">
+                  <p:tgtEl>
+                    <p:sldTgt/>
+                  </p:tgtEl>
+                </p:cond>
+              </p:prevCondLst>
+              <p:nextCondLst>
+                <p:cond evt="onNext" delay="0">
+                  <p:tgtEl>
+                    <p:sldTgt/>
+                  </p:tgtEl>
+                </p:cond>
+              </p:nextCondLst>
+            </p:seq>
+          </p:childTnLst>
+        </p:cTn>
+      </p:par>
+    </p:tnLst>
+    <p:bldLst>
+      <p:bldP spid="10" grpId="0"/>
+      <p:bldP spid="11" grpId="0"/>
+    </p:bldLst>
+  </p:timing>
 </p:sld>
 </file>
 
@@ -6621,7 +6600,7 @@
           <a:p>
             <a:fld id="{6700A58B-DD98-43D0-B791-721480A02982}" type="datetime1">
               <a:rPr lang="en-US" smtClean="0"/>
-              <a:t>10/26/20</a:t>
+              <a:t>3/22/21</a:t>
             </a:fld>
             <a:endParaRPr lang="en-US"/>
           </a:p>
@@ -9654,6 +9633,111 @@
   <p:clrMapOvr>
     <a:masterClrMapping/>
   </p:clrMapOvr>
+  <p:timing>
+    <p:tnLst>
+      <p:par>
+        <p:cTn id="1" dur="indefinite" restart="never" nodeType="tmRoot">
+          <p:childTnLst>
+            <p:seq concurrent="1" nextAc="seek">
+              <p:cTn id="2" dur="indefinite" nodeType="mainSeq">
+                <p:childTnLst>
+                  <p:par>
+                    <p:cTn id="3" fill="hold">
+                      <p:stCondLst>
+                        <p:cond delay="indefinite"/>
+                      </p:stCondLst>
+                      <p:childTnLst>
+                        <p:par>
+                          <p:cTn id="4" fill="hold">
+                            <p:stCondLst>
+                              <p:cond delay="0"/>
+                            </p:stCondLst>
+                            <p:childTnLst>
+                              <p:par>
+                                <p:cTn id="5" presetID="1" presetClass="entr" presetSubtype="0" fill="hold" grpId="0" nodeType="clickEffect">
+                                  <p:stCondLst>
+                                    <p:cond delay="0"/>
+                                  </p:stCondLst>
+                                  <p:childTnLst>
+                                    <p:set>
+                                      <p:cBhvr>
+                                        <p:cTn id="6" dur="1" fill="hold">
+                                          <p:stCondLst>
+                                            <p:cond delay="0"/>
+                                          </p:stCondLst>
+                                        </p:cTn>
+                                        <p:tgtEl>
+                                          <p:spTgt spid="9"/>
+                                        </p:tgtEl>
+                                        <p:attrNameLst>
+                                          <p:attrName>style.visibility</p:attrName>
+                                        </p:attrNameLst>
+                                      </p:cBhvr>
+                                      <p:to>
+                                        <p:strVal val="visible"/>
+                                      </p:to>
+                                    </p:set>
+                                  </p:childTnLst>
+                                </p:cTn>
+                              </p:par>
+                              <p:par>
+                                <p:cTn id="7" presetID="1" presetClass="entr" presetSubtype="0" fill="hold" nodeType="withEffect">
+                                  <p:stCondLst>
+                                    <p:cond delay="0"/>
+                                  </p:stCondLst>
+                                  <p:childTnLst>
+                                    <p:set>
+                                      <p:cBhvr>
+                                        <p:cTn id="8" dur="1" fill="hold">
+                                          <p:stCondLst>
+                                            <p:cond delay="0"/>
+                                          </p:stCondLst>
+                                        </p:cTn>
+                                        <p:tgtEl>
+                                          <p:spTgt spid="78"/>
+                                        </p:tgtEl>
+                                        <p:attrNameLst>
+                                          <p:attrName>style.visibility</p:attrName>
+                                        </p:attrNameLst>
+                                      </p:cBhvr>
+                                      <p:to>
+                                        <p:strVal val="visible"/>
+                                      </p:to>
+                                    </p:set>
+                                  </p:childTnLst>
+                                </p:cTn>
+                              </p:par>
+                            </p:childTnLst>
+                          </p:cTn>
+                        </p:par>
+                      </p:childTnLst>
+                    </p:cTn>
+                  </p:par>
+                </p:childTnLst>
+              </p:cTn>
+              <p:prevCondLst>
+                <p:cond evt="onPrev" delay="0">
+                  <p:tgtEl>
+                    <p:sldTgt/>
+                  </p:tgtEl>
+                </p:cond>
+              </p:prevCondLst>
+              <p:nextCondLst>
+                <p:cond evt="onNext" delay="0">
+                  <p:tgtEl>
+                    <p:sldTgt/>
+                  </p:tgtEl>
+                </p:cond>
+              </p:nextCondLst>
+            </p:seq>
+          </p:childTnLst>
+        </p:cTn>
+      </p:par>
+    </p:tnLst>
+    <p:bldLst>
+      <p:bldP spid="9" grpId="0" animBg="1"/>
+    </p:bldLst>
+  </p:timing>
 </p:sld>
 </file>
 
@@ -9697,7 +9781,7 @@
           <a:p>
             <a:fld id="{6700A58B-DD98-43D0-B791-721480A02982}" type="datetime1">
               <a:rPr lang="en-US" smtClean="0"/>
-              <a:t>10/26/20</a:t>
+              <a:t>3/22/21</a:t>
             </a:fld>
             <a:endParaRPr lang="en-US"/>
           </a:p>
@@ -10084,25 +10168,7 @@
             </a:r>
           </a:p>
           <a:p>
-            <a:pPr marL="914400" lvl="1" indent="-228600">
-              <a:buFont typeface="Open Sans"/>
-              <a:buChar char="○"/>
-            </a:pPr>
-            <a:r>
-              <a:rPr lang="en" sz="1200" dirty="0">
-                <a:latin typeface="Open Sans"/>
-                <a:ea typeface="Open Sans"/>
-                <a:cs typeface="Open Sans"/>
-                <a:sym typeface="Open Sans"/>
-              </a:rPr>
-              <a:t>Each tree then casts a vote for the unknown value.</a:t>
-            </a:r>
-          </a:p>
-          <a:p>
-            <a:pPr marL="457200" indent="-228600">
-              <a:buFont typeface="Open Sans"/>
-              <a:buChar char="●"/>
-            </a:pPr>
+            <a:pPr marL="685800" lvl="1"/>
             <a:endParaRPr lang="en" sz="1200" dirty="0">
               <a:latin typeface="Open Sans"/>
               <a:ea typeface="Open Sans"/>
@@ -12907,7 +12973,7 @@
           <a:p>
             <a:fld id="{6700A58B-DD98-43D0-B791-721480A02982}" type="datetime1">
               <a:rPr lang="en-US" smtClean="0"/>
-              <a:t>10/26/20</a:t>
+              <a:t>3/22/21</a:t>
             </a:fld>
             <a:endParaRPr lang="en-US"/>
           </a:p>
@@ -13711,7 +13777,7 @@
           <a:p>
             <a:fld id="{6700A58B-DD98-43D0-B791-721480A02982}" type="datetime1">
               <a:rPr lang="en-US" smtClean="0"/>
-              <a:t>10/26/20</a:t>
+              <a:t>3/22/21</a:t>
             </a:fld>
             <a:endParaRPr lang="en-US"/>
           </a:p>
@@ -14123,7 +14189,7 @@
           <a:p>
             <a:fld id="{6700A58B-DD98-43D0-B791-721480A02982}" type="datetime1">
               <a:rPr lang="en-US" smtClean="0"/>
-              <a:t>10/26/20</a:t>
+              <a:t>3/22/21</a:t>
             </a:fld>
             <a:endParaRPr lang="en-US"/>
           </a:p>
@@ -14372,7 +14438,7 @@
           <a:p>
             <a:fld id="{9B19E99B-5349-415A-8E56-8E989211A366}" type="datetime1">
               <a:rPr lang="en-US" smtClean="0"/>
-              <a:t>10/26/20</a:t>
+              <a:t>3/22/21</a:t>
             </a:fld>
             <a:endParaRPr lang="en-US"/>
           </a:p>

--- a/Lessons/G_RF_TimeSeries/RandomForests.pptx
+++ b/Lessons/G_RF_TimeSeries/RandomForests.pptx
@@ -5,7 +5,7 @@
     <p:sldMasterId id="2147483660" r:id="rId1"/>
   </p:sldMasterIdLst>
   <p:notesMasterIdLst>
-    <p:notesMasterId r:id="rId12"/>
+    <p:notesMasterId r:id="rId14"/>
   </p:notesMasterIdLst>
   <p:sldIdLst>
     <p:sldId id="335" r:id="rId2"/>
@@ -14,10 +14,12 @@
     <p:sldId id="371" r:id="rId5"/>
     <p:sldId id="337" r:id="rId6"/>
     <p:sldId id="338" r:id="rId7"/>
-    <p:sldId id="339" r:id="rId8"/>
-    <p:sldId id="346" r:id="rId9"/>
-    <p:sldId id="340" r:id="rId10"/>
-    <p:sldId id="369" r:id="rId11"/>
+    <p:sldId id="373" r:id="rId8"/>
+    <p:sldId id="374" r:id="rId9"/>
+    <p:sldId id="375" r:id="rId10"/>
+    <p:sldId id="339" r:id="rId11"/>
+    <p:sldId id="346" r:id="rId12"/>
+    <p:sldId id="369" r:id="rId13"/>
   </p:sldIdLst>
   <p:sldSz cx="9144000" cy="6858000" type="screen4x3"/>
   <p:notesSz cx="6858000" cy="9144000"/>
@@ -220,7 +222,7 @@
           <a:p>
             <a:fld id="{B0C0A60C-850A-4EA4-9C14-A8FE98B94505}" type="datetimeFigureOut">
               <a:rPr lang="en-US" smtClean="0"/>
-              <a:t>3/22/21</a:t>
+              <a:t>3/21/22</a:t>
             </a:fld>
             <a:endParaRPr lang="en-US"/>
           </a:p>
@@ -571,113 +573,6 @@
 </p:notes>
 </file>
 
-<file path=ppt/notesSlides/notesSlide2.xml><?xml version="1.0" encoding="utf-8"?>
-<p:notes xmlns:a="http://schemas.openxmlformats.org/drawingml/2006/main" xmlns:r="http://schemas.openxmlformats.org/officeDocument/2006/relationships" xmlns:p="http://schemas.openxmlformats.org/presentationml/2006/main">
-  <p:cSld>
-    <p:spTree>
-      <p:nvGrpSpPr>
-        <p:cNvPr id="1" name=""/>
-        <p:cNvGrpSpPr/>
-        <p:nvPr/>
-      </p:nvGrpSpPr>
-      <p:grpSpPr>
-        <a:xfrm>
-          <a:off x="0" y="0"/>
-          <a:ext cx="0" cy="0"/>
-          <a:chOff x="0" y="0"/>
-          <a:chExt cx="0" cy="0"/>
-        </a:xfrm>
-      </p:grpSpPr>
-      <p:sp>
-        <p:nvSpPr>
-          <p:cNvPr id="79874" name="Slide Image Placeholder 1"/>
-          <p:cNvSpPr>
-            <a:spLocks noGrp="1" noRot="1" noChangeAspect="1" noTextEdit="1"/>
-          </p:cNvSpPr>
-          <p:nvPr>
-            <p:ph type="sldImg"/>
-          </p:nvPr>
-        </p:nvSpPr>
-        <p:spPr bwMode="auto">
-          <a:noFill/>
-          <a:ln>
-            <a:solidFill>
-              <a:srgbClr val="000000"/>
-            </a:solidFill>
-            <a:miter lim="800000"/>
-            <a:headEnd/>
-            <a:tailEnd/>
-          </a:ln>
-        </p:spPr>
-      </p:sp>
-      <p:sp>
-        <p:nvSpPr>
-          <p:cNvPr id="79875" name="Notes Placeholder 2"/>
-          <p:cNvSpPr>
-            <a:spLocks noGrp="1"/>
-          </p:cNvSpPr>
-          <p:nvPr>
-            <p:ph type="body" idx="1"/>
-          </p:nvPr>
-        </p:nvSpPr>
-        <p:spPr bwMode="auto">
-          <a:noFill/>
-        </p:spPr>
-        <p:txBody>
-          <a:bodyPr wrap="square" numCol="1" anchor="t" anchorCtr="0" compatLnSpc="1">
-            <a:prstTxWarp prst="textNoShape">
-              <a:avLst/>
-            </a:prstTxWarp>
-          </a:bodyPr>
-          <a:lstStyle/>
-          <a:p>
-            <a:pPr eaLnBrk="1" hangingPunct="1"/>
-            <a:endParaRPr lang="en-US" altLang="en-US"/>
-          </a:p>
-        </p:txBody>
-      </p:sp>
-      <p:sp>
-        <p:nvSpPr>
-          <p:cNvPr id="4" name="Slide Number Placeholder 3"/>
-          <p:cNvSpPr>
-            <a:spLocks noGrp="1"/>
-          </p:cNvSpPr>
-          <p:nvPr>
-            <p:ph type="sldNum" sz="quarter" idx="5"/>
-          </p:nvPr>
-        </p:nvSpPr>
-        <p:spPr/>
-        <p:txBody>
-          <a:bodyPr/>
-          <a:lstStyle/>
-          <a:p>
-            <a:pPr>
-              <a:defRPr/>
-            </a:pPr>
-            <a:fld id="{1045130A-217E-45ED-AA78-FFB6A3B6A917}" type="slidenum">
-              <a:rPr lang="en-US" smtClean="0"/>
-              <a:pPr>
-                <a:defRPr/>
-              </a:pPr>
-              <a:t>9</a:t>
-            </a:fld>
-            <a:endParaRPr lang="en-US"/>
-          </a:p>
-        </p:txBody>
-      </p:sp>
-    </p:spTree>
-    <p:extLst>
-      <p:ext uri="{BB962C8B-B14F-4D97-AF65-F5344CB8AC3E}">
-        <p14:creationId xmlns:p14="http://schemas.microsoft.com/office/powerpoint/2010/main" val="1966772852"/>
-      </p:ext>
-    </p:extLst>
-  </p:cSld>
-  <p:clrMapOvr>
-    <a:masterClrMapping/>
-  </p:clrMapOvr>
-</p:notes>
-</file>
-
 <file path=ppt/slideLayouts/slideLayout1.xml><?xml version="1.0" encoding="utf-8"?>
 <p:sldLayout xmlns:a="http://schemas.openxmlformats.org/drawingml/2006/main" xmlns:r="http://schemas.openxmlformats.org/officeDocument/2006/relationships" xmlns:p="http://schemas.openxmlformats.org/presentationml/2006/main" type="title" preserve="1">
   <p:cSld name="Title Slide">
@@ -810,7 +705,7 @@
           <a:p>
             <a:fld id="{5738B90E-0779-4C36-915C-6F05FCD89456}" type="datetime1">
               <a:rPr lang="en-US" smtClean="0"/>
-              <a:t>3/22/21</a:t>
+              <a:t>3/21/22</a:t>
             </a:fld>
             <a:endParaRPr lang="en-US"/>
           </a:p>
@@ -1028,7 +923,7 @@
           <a:p>
             <a:fld id="{7B9EA29D-D431-42FE-B7B6-AAE4454C77D3}" type="datetime1">
               <a:rPr lang="en-US" smtClean="0"/>
-              <a:t>3/22/21</a:t>
+              <a:t>3/21/22</a:t>
             </a:fld>
             <a:endParaRPr lang="en-US"/>
           </a:p>
@@ -1288,7 +1183,7 @@
           <a:p>
             <a:fld id="{690D8A1E-EA8F-46C1-B891-AE0C00D9C314}" type="datetime1">
               <a:rPr lang="en-US" smtClean="0"/>
-              <a:t>3/22/21</a:t>
+              <a:t>3/21/22</a:t>
             </a:fld>
             <a:endParaRPr lang="en-US"/>
           </a:p>
@@ -1582,7 +1477,7 @@
           <a:p>
             <a:fld id="{D753EFC8-4232-4598-94F6-94C0EBAFC469}" type="datetime1">
               <a:rPr lang="en-US" smtClean="0"/>
-              <a:t>3/22/21</a:t>
+              <a:t>3/21/22</a:t>
             </a:fld>
             <a:endParaRPr lang="en-US"/>
           </a:p>
@@ -1897,7 +1792,7 @@
           <a:p>
             <a:fld id="{F3161074-1C18-4AE7-957D-F18524378C85}" type="datetime1">
               <a:rPr lang="en-US" smtClean="0"/>
-              <a:t>3/22/21</a:t>
+              <a:t>3/21/22</a:t>
             </a:fld>
             <a:endParaRPr lang="en-US"/>
           </a:p>
@@ -2171,7 +2066,7 @@
           <a:p>
             <a:fld id="{69BE256C-8D9A-4404-B47D-41A1AE514425}" type="datetime1">
               <a:rPr lang="en-US" smtClean="0"/>
-              <a:t>3/22/21</a:t>
+              <a:t>3/21/22</a:t>
             </a:fld>
             <a:endParaRPr lang="en-US"/>
           </a:p>
@@ -2605,7 +2500,7 @@
           <a:p>
             <a:fld id="{66CB2154-9035-4012-8189-BAAB61C5A5EE}" type="datetime1">
               <a:rPr lang="en-US" smtClean="0"/>
-              <a:t>3/22/21</a:t>
+              <a:t>3/21/22</a:t>
             </a:fld>
             <a:endParaRPr lang="en-US"/>
           </a:p>
@@ -2779,7 +2674,7 @@
           <a:p>
             <a:fld id="{6700A58B-DD98-43D0-B791-721480A02982}" type="datetime1">
               <a:rPr lang="en-US" smtClean="0"/>
-              <a:t>3/22/21</a:t>
+              <a:t>3/21/22</a:t>
             </a:fld>
             <a:endParaRPr lang="en-US"/>
           </a:p>
@@ -2971,7 +2866,7 @@
           <a:p>
             <a:fld id="{7DB6E382-4F61-4E24-BE1A-377EC83D0E3A}" type="datetime1">
               <a:rPr lang="en-US" smtClean="0"/>
-              <a:t>3/22/21</a:t>
+              <a:t>3/21/22</a:t>
             </a:fld>
             <a:endParaRPr lang="en-US"/>
           </a:p>
@@ -3282,7 +3177,7 @@
           <a:p>
             <a:fld id="{4142EED6-FC16-45B9-B8C4-2BC5DBA88325}" type="datetime1">
               <a:rPr lang="en-US" smtClean="0"/>
-              <a:t>3/22/21</a:t>
+              <a:t>3/21/22</a:t>
             </a:fld>
             <a:endParaRPr lang="en-US"/>
           </a:p>
@@ -3600,7 +3495,7 @@
           <a:p>
             <a:fld id="{DF59512B-4F1D-43D7-8819-2F53FEF69650}" type="datetime1">
               <a:rPr lang="en-US" smtClean="0"/>
-              <a:t>3/22/21</a:t>
+              <a:t>3/21/22</a:t>
             </a:fld>
             <a:endParaRPr lang="en-US"/>
           </a:p>
@@ -3876,7 +3771,7 @@
           <a:p>
             <a:fld id="{08437B94-E2BF-44DC-ADC5-B05FC9934E9D}" type="datetime1">
               <a:rPr lang="en-US" smtClean="0"/>
-              <a:t>3/22/21</a:t>
+              <a:t>3/21/22</a:t>
             </a:fld>
             <a:endParaRPr lang="en-US"/>
           </a:p>
@@ -4343,7 +4238,7 @@
           <a:p>
             <a:fld id="{6700A58B-DD98-43D0-B791-721480A02982}" type="datetime1">
               <a:rPr lang="en-US" smtClean="0"/>
-              <a:t>3/22/21</a:t>
+              <a:t>3/21/22</a:t>
             </a:fld>
             <a:endParaRPr lang="en-US"/>
           </a:p>
@@ -4519,6 +4414,567 @@
       </p:grpSpPr>
       <p:sp>
         <p:nvSpPr>
+          <p:cNvPr id="2" name="Date Placeholder 1">
+            <a:extLst>
+              <a:ext uri="{FF2B5EF4-FFF2-40B4-BE49-F238E27FC236}">
+                <a16:creationId xmlns:a16="http://schemas.microsoft.com/office/drawing/2014/main" id="{7A0A2E1C-7D98-44F2-841A-C0F0F81C3A7D}"/>
+              </a:ext>
+            </a:extLst>
+          </p:cNvPr>
+          <p:cNvSpPr>
+            <a:spLocks noGrp="1"/>
+          </p:cNvSpPr>
+          <p:nvPr>
+            <p:ph type="dt" sz="half" idx="10"/>
+          </p:nvPr>
+        </p:nvSpPr>
+        <p:spPr/>
+        <p:txBody>
+          <a:bodyPr/>
+          <a:lstStyle/>
+          <a:p>
+            <a:fld id="{6700A58B-DD98-43D0-B791-721480A02982}" type="datetime1">
+              <a:rPr lang="en-US" smtClean="0"/>
+              <a:t>3/21/22</a:t>
+            </a:fld>
+            <a:endParaRPr lang="en-US"/>
+          </a:p>
+        </p:txBody>
+      </p:sp>
+      <p:sp>
+        <p:nvSpPr>
+          <p:cNvPr id="3" name="Title 2">
+            <a:extLst>
+              <a:ext uri="{FF2B5EF4-FFF2-40B4-BE49-F238E27FC236}">
+                <a16:creationId xmlns:a16="http://schemas.microsoft.com/office/drawing/2014/main" id="{4BD25374-7532-49B7-86B4-242E3E7601B3}"/>
+              </a:ext>
+            </a:extLst>
+          </p:cNvPr>
+          <p:cNvSpPr>
+            <a:spLocks noGrp="1"/>
+          </p:cNvSpPr>
+          <p:nvPr>
+            <p:ph type="title"/>
+          </p:nvPr>
+        </p:nvSpPr>
+        <p:spPr/>
+        <p:txBody>
+          <a:bodyPr/>
+          <a:lstStyle/>
+          <a:p>
+            <a:r>
+              <a:rPr lang="en-US" dirty="0"/>
+              <a:t>How a random forest is really grown.</a:t>
+            </a:r>
+          </a:p>
+        </p:txBody>
+      </p:sp>
+      <p:sp>
+        <p:nvSpPr>
+          <p:cNvPr id="4" name="Slide Number Placeholder 3">
+            <a:extLst>
+              <a:ext uri="{FF2B5EF4-FFF2-40B4-BE49-F238E27FC236}">
+                <a16:creationId xmlns:a16="http://schemas.microsoft.com/office/drawing/2014/main" id="{DE89F499-AFBF-439F-85DE-D9C7078FD452}"/>
+              </a:ext>
+            </a:extLst>
+          </p:cNvPr>
+          <p:cNvSpPr>
+            <a:spLocks noGrp="1"/>
+          </p:cNvSpPr>
+          <p:nvPr>
+            <p:ph type="sldNum" sz="quarter" idx="12"/>
+          </p:nvPr>
+        </p:nvSpPr>
+        <p:spPr/>
+        <p:txBody>
+          <a:bodyPr/>
+          <a:lstStyle/>
+          <a:p>
+            <a:fld id="{37290FF7-652B-4475-AEAB-8B1A5D23AE09}" type="slidenum">
+              <a:rPr lang="en-US" smtClean="0"/>
+              <a:t>10</a:t>
+            </a:fld>
+            <a:endParaRPr lang="en-US"/>
+          </a:p>
+        </p:txBody>
+      </p:sp>
+      <p:sp>
+        <p:nvSpPr>
+          <p:cNvPr id="5" name="Footer Placeholder 4">
+            <a:extLst>
+              <a:ext uri="{FF2B5EF4-FFF2-40B4-BE49-F238E27FC236}">
+                <a16:creationId xmlns:a16="http://schemas.microsoft.com/office/drawing/2014/main" id="{0C5178DB-3659-421F-907F-CD25EFFF416B}"/>
+              </a:ext>
+            </a:extLst>
+          </p:cNvPr>
+          <p:cNvSpPr>
+            <a:spLocks noGrp="1"/>
+          </p:cNvSpPr>
+          <p:nvPr>
+            <p:ph type="ftr" sz="quarter" idx="3"/>
+          </p:nvPr>
+        </p:nvSpPr>
+        <p:spPr/>
+        <p:txBody>
+          <a:bodyPr/>
+          <a:lstStyle/>
+          <a:p>
+            <a:r>
+              <a:rPr lang="en-US" dirty="0"/>
+              <a:t>Kwartler CSCI -96</a:t>
+            </a:r>
+          </a:p>
+        </p:txBody>
+      </p:sp>
+      <p:sp>
+        <p:nvSpPr>
+          <p:cNvPr id="6" name="Content Placeholder 2">
+            <a:extLst>
+              <a:ext uri="{FF2B5EF4-FFF2-40B4-BE49-F238E27FC236}">
+                <a16:creationId xmlns:a16="http://schemas.microsoft.com/office/drawing/2014/main" id="{99826758-8D3C-4F56-BFC9-9CC876ED9807}"/>
+              </a:ext>
+            </a:extLst>
+          </p:cNvPr>
+          <p:cNvSpPr txBox="1">
+            <a:spLocks/>
+          </p:cNvSpPr>
+          <p:nvPr/>
+        </p:nvSpPr>
+        <p:spPr>
+          <a:xfrm>
+            <a:off x="628650" y="1111347"/>
+            <a:ext cx="7886700" cy="5120640"/>
+          </a:xfrm>
+          <a:prstGeom prst="rect">
+            <a:avLst/>
+          </a:prstGeom>
+        </p:spPr>
+        <p:txBody>
+          <a:bodyPr/>
+          <a:lstStyle>
+            <a:lvl1pPr marL="171450" indent="-171450" algn="l" defTabSz="685800" rtl="0" eaLnBrk="1" latinLnBrk="0" hangingPunct="1">
+              <a:lnSpc>
+                <a:spcPct val="90000"/>
+              </a:lnSpc>
+              <a:spcBef>
+                <a:spcPts val="750"/>
+              </a:spcBef>
+              <a:buFont typeface="Arial" panose="020B0604020202020204" pitchFamily="34" charset="0"/>
+              <a:buChar char="•"/>
+              <a:defRPr sz="2100" kern="1200">
+                <a:solidFill>
+                  <a:schemeClr val="tx1"/>
+                </a:solidFill>
+                <a:latin typeface="+mn-lt"/>
+                <a:ea typeface="+mn-ea"/>
+                <a:cs typeface="+mn-cs"/>
+              </a:defRPr>
+            </a:lvl1pPr>
+            <a:lvl2pPr marL="514350" indent="-171450" algn="l" defTabSz="685800" rtl="0" eaLnBrk="1" latinLnBrk="0" hangingPunct="1">
+              <a:lnSpc>
+                <a:spcPct val="90000"/>
+              </a:lnSpc>
+              <a:spcBef>
+                <a:spcPts val="375"/>
+              </a:spcBef>
+              <a:buFont typeface="Arial" panose="020B0604020202020204" pitchFamily="34" charset="0"/>
+              <a:buChar char="•"/>
+              <a:defRPr sz="1800" kern="1200">
+                <a:solidFill>
+                  <a:schemeClr val="tx1"/>
+                </a:solidFill>
+                <a:latin typeface="+mn-lt"/>
+                <a:ea typeface="+mn-ea"/>
+                <a:cs typeface="+mn-cs"/>
+              </a:defRPr>
+            </a:lvl2pPr>
+            <a:lvl3pPr marL="857250" indent="-171450" algn="l" defTabSz="685800" rtl="0" eaLnBrk="1" latinLnBrk="0" hangingPunct="1">
+              <a:lnSpc>
+                <a:spcPct val="90000"/>
+              </a:lnSpc>
+              <a:spcBef>
+                <a:spcPts val="375"/>
+              </a:spcBef>
+              <a:buFont typeface="Arial" panose="020B0604020202020204" pitchFamily="34" charset="0"/>
+              <a:buChar char="•"/>
+              <a:defRPr sz="1500" kern="1200">
+                <a:solidFill>
+                  <a:schemeClr val="tx1"/>
+                </a:solidFill>
+                <a:latin typeface="+mn-lt"/>
+                <a:ea typeface="+mn-ea"/>
+                <a:cs typeface="+mn-cs"/>
+              </a:defRPr>
+            </a:lvl3pPr>
+            <a:lvl4pPr marL="1200150" indent="-171450" algn="l" defTabSz="685800" rtl="0" eaLnBrk="1" latinLnBrk="0" hangingPunct="1">
+              <a:lnSpc>
+                <a:spcPct val="90000"/>
+              </a:lnSpc>
+              <a:spcBef>
+                <a:spcPts val="375"/>
+              </a:spcBef>
+              <a:buFont typeface="Arial" panose="020B0604020202020204" pitchFamily="34" charset="0"/>
+              <a:buChar char="•"/>
+              <a:defRPr sz="1350" kern="1200">
+                <a:solidFill>
+                  <a:schemeClr val="tx1"/>
+                </a:solidFill>
+                <a:latin typeface="+mn-lt"/>
+                <a:ea typeface="+mn-ea"/>
+                <a:cs typeface="+mn-cs"/>
+              </a:defRPr>
+            </a:lvl4pPr>
+            <a:lvl5pPr marL="1543050" indent="-171450" algn="l" defTabSz="685800" rtl="0" eaLnBrk="1" latinLnBrk="0" hangingPunct="1">
+              <a:lnSpc>
+                <a:spcPct val="90000"/>
+              </a:lnSpc>
+              <a:spcBef>
+                <a:spcPts val="375"/>
+              </a:spcBef>
+              <a:buFont typeface="Arial" panose="020B0604020202020204" pitchFamily="34" charset="0"/>
+              <a:buChar char="•"/>
+              <a:defRPr sz="1350" kern="1200">
+                <a:solidFill>
+                  <a:schemeClr val="tx1"/>
+                </a:solidFill>
+                <a:latin typeface="+mn-lt"/>
+                <a:ea typeface="+mn-ea"/>
+                <a:cs typeface="+mn-cs"/>
+              </a:defRPr>
+            </a:lvl5pPr>
+            <a:lvl6pPr marL="1885950" indent="-171450" algn="l" defTabSz="685800" rtl="0" eaLnBrk="1" latinLnBrk="0" hangingPunct="1">
+              <a:lnSpc>
+                <a:spcPct val="90000"/>
+              </a:lnSpc>
+              <a:spcBef>
+                <a:spcPts val="375"/>
+              </a:spcBef>
+              <a:buFont typeface="Arial" panose="020B0604020202020204" pitchFamily="34" charset="0"/>
+              <a:buChar char="•"/>
+              <a:defRPr sz="1350" kern="1200">
+                <a:solidFill>
+                  <a:schemeClr val="tx1"/>
+                </a:solidFill>
+                <a:latin typeface="+mn-lt"/>
+                <a:ea typeface="+mn-ea"/>
+                <a:cs typeface="+mn-cs"/>
+              </a:defRPr>
+            </a:lvl6pPr>
+            <a:lvl7pPr marL="2228850" indent="-171450" algn="l" defTabSz="685800" rtl="0" eaLnBrk="1" latinLnBrk="0" hangingPunct="1">
+              <a:lnSpc>
+                <a:spcPct val="90000"/>
+              </a:lnSpc>
+              <a:spcBef>
+                <a:spcPts val="375"/>
+              </a:spcBef>
+              <a:buFont typeface="Arial" panose="020B0604020202020204" pitchFamily="34" charset="0"/>
+              <a:buChar char="•"/>
+              <a:defRPr sz="1350" kern="1200">
+                <a:solidFill>
+                  <a:schemeClr val="tx1"/>
+                </a:solidFill>
+                <a:latin typeface="+mn-lt"/>
+                <a:ea typeface="+mn-ea"/>
+                <a:cs typeface="+mn-cs"/>
+              </a:defRPr>
+            </a:lvl7pPr>
+            <a:lvl8pPr marL="2571750" indent="-171450" algn="l" defTabSz="685800" rtl="0" eaLnBrk="1" latinLnBrk="0" hangingPunct="1">
+              <a:lnSpc>
+                <a:spcPct val="90000"/>
+              </a:lnSpc>
+              <a:spcBef>
+                <a:spcPts val="375"/>
+              </a:spcBef>
+              <a:buFont typeface="Arial" panose="020B0604020202020204" pitchFamily="34" charset="0"/>
+              <a:buChar char="•"/>
+              <a:defRPr sz="1350" kern="1200">
+                <a:solidFill>
+                  <a:schemeClr val="tx1"/>
+                </a:solidFill>
+                <a:latin typeface="+mn-lt"/>
+                <a:ea typeface="+mn-ea"/>
+                <a:cs typeface="+mn-cs"/>
+              </a:defRPr>
+            </a:lvl8pPr>
+            <a:lvl9pPr marL="2914650" indent="-171450" algn="l" defTabSz="685800" rtl="0" eaLnBrk="1" latinLnBrk="0" hangingPunct="1">
+              <a:lnSpc>
+                <a:spcPct val="90000"/>
+              </a:lnSpc>
+              <a:spcBef>
+                <a:spcPts val="375"/>
+              </a:spcBef>
+              <a:buFont typeface="Arial" panose="020B0604020202020204" pitchFamily="34" charset="0"/>
+              <a:buChar char="•"/>
+              <a:defRPr sz="1350" kern="1200">
+                <a:solidFill>
+                  <a:schemeClr val="tx1"/>
+                </a:solidFill>
+                <a:latin typeface="+mn-lt"/>
+                <a:ea typeface="+mn-ea"/>
+                <a:cs typeface="+mn-cs"/>
+              </a:defRPr>
+            </a:lvl9pPr>
+          </a:lstStyle>
+          <a:p>
+            <a:r>
+              <a:rPr lang="en-US" altLang="en-US" dirty="0"/>
+              <a:t>Draw many re-samples of cases from the data (bootstrap)</a:t>
+            </a:r>
+          </a:p>
+          <a:p>
+            <a:r>
+              <a:rPr lang="en-US" altLang="en-US" dirty="0"/>
+              <a:t>For each re-sampled set use a random subset of predictor variables to produce a tree.  Some parameters include</a:t>
+            </a:r>
+          </a:p>
+          <a:p>
+            <a:pPr lvl="1"/>
+            <a:r>
+              <a:rPr lang="en-US" altLang="en-US" dirty="0"/>
+              <a:t>Number of trees to grow – dictates the number of re-sampled sets</a:t>
+            </a:r>
+          </a:p>
+          <a:p>
+            <a:pPr lvl="1"/>
+            <a:r>
+              <a:rPr lang="en-US" altLang="en-US" dirty="0"/>
+              <a:t>Number of predictor variables for each tree</a:t>
+            </a:r>
+          </a:p>
+          <a:p>
+            <a:endParaRPr lang="en-US" altLang="en-US" dirty="0"/>
+          </a:p>
+          <a:p>
+            <a:r>
+              <a:rPr lang="en-US" altLang="en-US" dirty="0"/>
+              <a:t>Combine the predictions/classifications from all the trees (the entire forest)</a:t>
+            </a:r>
+          </a:p>
+          <a:p>
+            <a:pPr lvl="1"/>
+            <a:r>
+              <a:rPr lang="en-US" altLang="en-US" dirty="0"/>
+              <a:t>Votes are tallied for classification problems</a:t>
+            </a:r>
+          </a:p>
+          <a:p>
+            <a:pPr lvl="1"/>
+            <a:r>
+              <a:rPr lang="en-US" altLang="en-US" dirty="0"/>
+              <a:t>Predictions are averaged for continuous problems</a:t>
+            </a:r>
+          </a:p>
+          <a:p>
+            <a:pPr lvl="1"/>
+            <a:endParaRPr lang="en-US" altLang="en-US" dirty="0">
+              <a:solidFill>
+                <a:schemeClr val="accent6"/>
+              </a:solidFill>
+            </a:endParaRPr>
+          </a:p>
+          <a:p>
+            <a:r>
+              <a:rPr lang="en-US" altLang="en-US" dirty="0">
+                <a:solidFill>
+                  <a:schemeClr val="accent6"/>
+                </a:solidFill>
+              </a:rPr>
+              <a:t>Since it has many weak learners, overfitting is less of a concern. Some trees will get the unlikely outlier value while most won’t.</a:t>
+            </a:r>
+          </a:p>
+          <a:p>
+            <a:r>
+              <a:rPr lang="en-US" altLang="en-US" dirty="0">
+                <a:solidFill>
+                  <a:schemeClr val="accent6"/>
+                </a:solidFill>
+              </a:rPr>
+              <a:t>Since its fitting many hundreds of trees, it takes some time to train a model.</a:t>
+            </a:r>
+          </a:p>
+        </p:txBody>
+      </p:sp>
+    </p:spTree>
+    <p:extLst>
+      <p:ext uri="{BB962C8B-B14F-4D97-AF65-F5344CB8AC3E}">
+        <p14:creationId xmlns:p14="http://schemas.microsoft.com/office/powerpoint/2010/main" val="4211287906"/>
+      </p:ext>
+    </p:extLst>
+  </p:cSld>
+  <p:clrMapOvr>
+    <a:masterClrMapping/>
+  </p:clrMapOvr>
+</p:sld>
+</file>
+
+<file path=ppt/slides/slide11.xml><?xml version="1.0" encoding="utf-8"?>
+<p:sld xmlns:a="http://schemas.openxmlformats.org/drawingml/2006/main" xmlns:r="http://schemas.openxmlformats.org/officeDocument/2006/relationships" xmlns:p="http://schemas.openxmlformats.org/presentationml/2006/main">
+  <p:cSld>
+    <p:spTree>
+      <p:nvGrpSpPr>
+        <p:cNvPr id="1" name=""/>
+        <p:cNvGrpSpPr/>
+        <p:nvPr/>
+      </p:nvGrpSpPr>
+      <p:grpSpPr>
+        <a:xfrm>
+          <a:off x="0" y="0"/>
+          <a:ext cx="0" cy="0"/>
+          <a:chOff x="0" y="0"/>
+          <a:chExt cx="0" cy="0"/>
+        </a:xfrm>
+      </p:grpSpPr>
+      <p:sp>
+        <p:nvSpPr>
+          <p:cNvPr id="2" name="Date Placeholder 1">
+            <a:extLst>
+              <a:ext uri="{FF2B5EF4-FFF2-40B4-BE49-F238E27FC236}">
+                <a16:creationId xmlns:a16="http://schemas.microsoft.com/office/drawing/2014/main" id="{76270C36-2595-4254-A8D7-F03203F5D96D}"/>
+              </a:ext>
+            </a:extLst>
+          </p:cNvPr>
+          <p:cNvSpPr>
+            <a:spLocks noGrp="1"/>
+          </p:cNvSpPr>
+          <p:nvPr>
+            <p:ph type="dt" sz="half" idx="10"/>
+          </p:nvPr>
+        </p:nvSpPr>
+        <p:spPr/>
+        <p:txBody>
+          <a:bodyPr/>
+          <a:lstStyle/>
+          <a:p>
+            <a:fld id="{6700A58B-DD98-43D0-B791-721480A02982}" type="datetime1">
+              <a:rPr lang="en-US" smtClean="0"/>
+              <a:t>3/21/22</a:t>
+            </a:fld>
+            <a:endParaRPr lang="en-US"/>
+          </a:p>
+        </p:txBody>
+      </p:sp>
+      <p:sp>
+        <p:nvSpPr>
+          <p:cNvPr id="3" name="Title 2">
+            <a:extLst>
+              <a:ext uri="{FF2B5EF4-FFF2-40B4-BE49-F238E27FC236}">
+                <a16:creationId xmlns:a16="http://schemas.microsoft.com/office/drawing/2014/main" id="{AB3C724D-5CD4-4EAD-9D59-CCD8C6E6AABE}"/>
+              </a:ext>
+            </a:extLst>
+          </p:cNvPr>
+          <p:cNvSpPr>
+            <a:spLocks noGrp="1"/>
+          </p:cNvSpPr>
+          <p:nvPr>
+            <p:ph type="title"/>
+          </p:nvPr>
+        </p:nvSpPr>
+        <p:spPr/>
+        <p:txBody>
+          <a:bodyPr/>
+          <a:lstStyle/>
+          <a:p>
+            <a:r>
+              <a:rPr lang="en-US" dirty="0"/>
+              <a:t>Open Bank Loans </a:t>
+            </a:r>
+            <a:r>
+              <a:rPr lang="en-US" dirty="0" err="1"/>
+              <a:t>RandomForest.R</a:t>
+            </a:r>
+            <a:endParaRPr lang="en-US" dirty="0"/>
+          </a:p>
+        </p:txBody>
+      </p:sp>
+      <p:sp>
+        <p:nvSpPr>
+          <p:cNvPr id="4" name="Slide Number Placeholder 3">
+            <a:extLst>
+              <a:ext uri="{FF2B5EF4-FFF2-40B4-BE49-F238E27FC236}">
+                <a16:creationId xmlns:a16="http://schemas.microsoft.com/office/drawing/2014/main" id="{ADE2B0B0-0996-460F-BFC8-9E8ED6743A1D}"/>
+              </a:ext>
+            </a:extLst>
+          </p:cNvPr>
+          <p:cNvSpPr>
+            <a:spLocks noGrp="1"/>
+          </p:cNvSpPr>
+          <p:nvPr>
+            <p:ph type="sldNum" sz="quarter" idx="12"/>
+          </p:nvPr>
+        </p:nvSpPr>
+        <p:spPr/>
+        <p:txBody>
+          <a:bodyPr/>
+          <a:lstStyle/>
+          <a:p>
+            <a:fld id="{37290FF7-652B-4475-AEAB-8B1A5D23AE09}" type="slidenum">
+              <a:rPr lang="en-US" smtClean="0"/>
+              <a:t>11</a:t>
+            </a:fld>
+            <a:endParaRPr lang="en-US"/>
+          </a:p>
+        </p:txBody>
+      </p:sp>
+      <p:sp>
+        <p:nvSpPr>
+          <p:cNvPr id="5" name="Footer Placeholder 4">
+            <a:extLst>
+              <a:ext uri="{FF2B5EF4-FFF2-40B4-BE49-F238E27FC236}">
+                <a16:creationId xmlns:a16="http://schemas.microsoft.com/office/drawing/2014/main" id="{690D06FC-7A8B-4EBC-9B1E-A2C9659E3A38}"/>
+              </a:ext>
+            </a:extLst>
+          </p:cNvPr>
+          <p:cNvSpPr>
+            <a:spLocks noGrp="1"/>
+          </p:cNvSpPr>
+          <p:nvPr>
+            <p:ph type="ftr" sz="quarter" idx="3"/>
+          </p:nvPr>
+        </p:nvSpPr>
+        <p:spPr/>
+        <p:txBody>
+          <a:bodyPr/>
+          <a:lstStyle/>
+          <a:p>
+            <a:r>
+              <a:rPr lang="en-US" dirty="0"/>
+              <a:t>Kwartler CSCI -96</a:t>
+            </a:r>
+          </a:p>
+        </p:txBody>
+      </p:sp>
+    </p:spTree>
+    <p:extLst>
+      <p:ext uri="{BB962C8B-B14F-4D97-AF65-F5344CB8AC3E}">
+        <p14:creationId xmlns:p14="http://schemas.microsoft.com/office/powerpoint/2010/main" val="2095895998"/>
+      </p:ext>
+    </p:extLst>
+  </p:cSld>
+  <p:clrMapOvr>
+    <a:masterClrMapping/>
+  </p:clrMapOvr>
+</p:sld>
+</file>
+
+<file path=ppt/slides/slide12.xml><?xml version="1.0" encoding="utf-8"?>
+<p:sld xmlns:a="http://schemas.openxmlformats.org/drawingml/2006/main" xmlns:r="http://schemas.openxmlformats.org/officeDocument/2006/relationships" xmlns:p="http://schemas.openxmlformats.org/presentationml/2006/main">
+  <p:cSld>
+    <p:spTree>
+      <p:nvGrpSpPr>
+        <p:cNvPr id="1" name=""/>
+        <p:cNvGrpSpPr/>
+        <p:nvPr/>
+      </p:nvGrpSpPr>
+      <p:grpSpPr>
+        <a:xfrm>
+          <a:off x="0" y="0"/>
+          <a:ext cx="0" cy="0"/>
+          <a:chOff x="0" y="0"/>
+          <a:chExt cx="0" cy="0"/>
+        </a:xfrm>
+      </p:grpSpPr>
+      <p:sp>
+        <p:nvSpPr>
           <p:cNvPr id="2" name="Date Placeholder 1"/>
           <p:cNvSpPr>
             <a:spLocks noGrp="1"/>
@@ -4534,7 +4990,7 @@
           <a:p>
             <a:fld id="{6700A58B-DD98-43D0-B791-721480A02982}" type="datetime1">
               <a:rPr lang="en-US" smtClean="0"/>
-              <a:t>3/22/21</a:t>
+              <a:t>3/21/22</a:t>
             </a:fld>
             <a:endParaRPr lang="en-US"/>
           </a:p>
@@ -4579,7 +5035,7 @@
           <a:p>
             <a:fld id="{37290FF7-652B-4475-AEAB-8B1A5D23AE09}" type="slidenum">
               <a:rPr lang="en-US" smtClean="0"/>
-              <a:t>10</a:t>
+              <a:t>12</a:t>
             </a:fld>
             <a:endParaRPr lang="en-US"/>
           </a:p>
@@ -5291,7 +5747,7 @@
           <a:p>
             <a:fld id="{6700A58B-DD98-43D0-B791-721480A02982}" type="datetime1">
               <a:rPr lang="en-US" smtClean="0"/>
-              <a:t>3/22/21</a:t>
+              <a:t>3/21/22</a:t>
             </a:fld>
             <a:endParaRPr lang="en-US"/>
           </a:p>
@@ -5905,7 +6361,7 @@
           <a:p>
             <a:fld id="{6700A58B-DD98-43D0-B791-721480A02982}" type="datetime1">
               <a:rPr lang="en-US" smtClean="0"/>
-              <a:t>3/22/21</a:t>
+              <a:t>3/21/22</a:t>
             </a:fld>
             <a:endParaRPr lang="en-US"/>
           </a:p>
@@ -6600,7 +7056,7 @@
           <a:p>
             <a:fld id="{6700A58B-DD98-43D0-B791-721480A02982}" type="datetime1">
               <a:rPr lang="en-US" smtClean="0"/>
-              <a:t>3/22/21</a:t>
+              <a:t>3/21/22</a:t>
             </a:fld>
             <a:endParaRPr lang="en-US"/>
           </a:p>
@@ -9781,7 +10237,7 @@
           <a:p>
             <a:fld id="{6700A58B-DD98-43D0-B791-721480A02982}" type="datetime1">
               <a:rPr lang="en-US" smtClean="0"/>
-              <a:t>3/22/21</a:t>
+              <a:t>3/21/22</a:t>
             </a:fld>
             <a:endParaRPr lang="en-US"/>
           </a:p>
@@ -10035,7 +10491,7 @@
                 <a:cs typeface="Open Sans"/>
                 <a:sym typeface="Open Sans"/>
               </a:rPr>
-              <a:t>This toy example shows 2 variables were selected for each voter from among beds, baths, </a:t>
+              <a:t>This toy example shows 2 decision points were selected for each voter from among beds, baths, </a:t>
             </a:r>
             <a:r>
               <a:rPr lang="en-US" sz="1200" dirty="0" err="1">
@@ -10053,7 +10509,61 @@
                 <a:cs typeface="Open Sans"/>
                 <a:sym typeface="Open Sans"/>
               </a:rPr>
-              <a:t> and price.  An individual tree may choose beds/baths while another may get beds/</a:t>
+              <a:t> and price.  </a:t>
+            </a:r>
+          </a:p>
+          <a:p>
+            <a:pPr marL="457200" indent="-228600">
+              <a:buFont typeface="Open Sans"/>
+              <a:buChar char="●"/>
+            </a:pPr>
+            <a:endParaRPr lang="en-US" sz="1200" dirty="0">
+              <a:latin typeface="Open Sans"/>
+              <a:ea typeface="Open Sans"/>
+              <a:cs typeface="Open Sans"/>
+              <a:sym typeface="Open Sans"/>
+            </a:endParaRPr>
+          </a:p>
+          <a:p>
+            <a:pPr marL="457200" indent="-228600">
+              <a:buFont typeface="Open Sans"/>
+              <a:buChar char="●"/>
+            </a:pPr>
+            <a:r>
+              <a:rPr lang="en-US" sz="1200" dirty="0">
+                <a:latin typeface="Open Sans"/>
+                <a:ea typeface="Open Sans"/>
+                <a:cs typeface="Open Sans"/>
+                <a:sym typeface="Open Sans"/>
+              </a:rPr>
+              <a:t>The model parameters determine the number of variables used, and decision cutoff values</a:t>
+            </a:r>
+          </a:p>
+          <a:p>
+            <a:pPr marL="457200" indent="-228600">
+              <a:buFont typeface="Open Sans"/>
+              <a:buChar char="●"/>
+            </a:pPr>
+            <a:endParaRPr lang="en-US" sz="1200" dirty="0">
+              <a:latin typeface="Open Sans"/>
+              <a:ea typeface="Open Sans"/>
+              <a:cs typeface="Open Sans"/>
+              <a:sym typeface="Open Sans"/>
+            </a:endParaRPr>
+          </a:p>
+          <a:p>
+            <a:pPr marL="457200" indent="-228600">
+              <a:buFont typeface="Open Sans"/>
+              <a:buChar char="●"/>
+            </a:pPr>
+            <a:r>
+              <a:rPr lang="en-US" sz="1200" dirty="0">
+                <a:latin typeface="Open Sans"/>
+                <a:ea typeface="Open Sans"/>
+                <a:cs typeface="Open Sans"/>
+                <a:sym typeface="Open Sans"/>
+              </a:rPr>
+              <a:t>An individual tree may choose beds/baths while another may get beds/</a:t>
             </a:r>
             <a:r>
               <a:rPr lang="en-US" sz="1200" dirty="0" err="1">
@@ -10164,7 +10674,7 @@
                 <a:cs typeface="Open Sans"/>
                 <a:sym typeface="Open Sans"/>
               </a:rPr>
-              <a:t>Each unknown value is then put through each tree to provide a final classification</a:t>
+              <a:t>Each unknown value is then put through every tree to provide a final classification</a:t>
             </a:r>
           </a:p>
           <a:p>
@@ -12973,7 +13483,7 @@
           <a:p>
             <a:fld id="{6700A58B-DD98-43D0-B791-721480A02982}" type="datetime1">
               <a:rPr lang="en-US" smtClean="0"/>
-              <a:t>3/22/21</a:t>
+              <a:t>3/21/22</a:t>
             </a:fld>
             <a:endParaRPr lang="en-US"/>
           </a:p>
@@ -13759,7 +14269,7 @@
           <p:cNvPr id="2" name="Date Placeholder 1">
             <a:extLst>
               <a:ext uri="{FF2B5EF4-FFF2-40B4-BE49-F238E27FC236}">
-                <a16:creationId xmlns:a16="http://schemas.microsoft.com/office/drawing/2014/main" id="{7A0A2E1C-7D98-44F2-841A-C0F0F81C3A7D}"/>
+                <a16:creationId xmlns:a16="http://schemas.microsoft.com/office/drawing/2014/main" id="{59DFD399-7AB4-FA40-9005-8A97688FCF0B}"/>
               </a:ext>
             </a:extLst>
           </p:cNvPr>
@@ -13777,7 +14287,7 @@
           <a:p>
             <a:fld id="{6700A58B-DD98-43D0-B791-721480A02982}" type="datetime1">
               <a:rPr lang="en-US" smtClean="0"/>
-              <a:t>3/22/21</a:t>
+              <a:t>3/21/22</a:t>
             </a:fld>
             <a:endParaRPr lang="en-US"/>
           </a:p>
@@ -13788,7 +14298,7 @@
           <p:cNvPr id="3" name="Title 2">
             <a:extLst>
               <a:ext uri="{FF2B5EF4-FFF2-40B4-BE49-F238E27FC236}">
-                <a16:creationId xmlns:a16="http://schemas.microsoft.com/office/drawing/2014/main" id="{4BD25374-7532-49B7-86B4-242E3E7601B3}"/>
+                <a16:creationId xmlns:a16="http://schemas.microsoft.com/office/drawing/2014/main" id="{EBD5C2A2-66D8-5F4D-BA8F-A8DB9E5B1DB0}"/>
               </a:ext>
             </a:extLst>
           </p:cNvPr>
@@ -13806,7 +14316,7 @@
           <a:p>
             <a:r>
               <a:rPr lang="en-US" dirty="0"/>
-              <a:t>How a random forest is really grown.</a:t>
+              <a:t>Bootstrapping</a:t>
             </a:r>
           </a:p>
         </p:txBody>
@@ -13816,7 +14326,7 @@
           <p:cNvPr id="4" name="Slide Number Placeholder 3">
             <a:extLst>
               <a:ext uri="{FF2B5EF4-FFF2-40B4-BE49-F238E27FC236}">
-                <a16:creationId xmlns:a16="http://schemas.microsoft.com/office/drawing/2014/main" id="{DE89F499-AFBF-439F-85DE-D9C7078FD452}"/>
+                <a16:creationId xmlns:a16="http://schemas.microsoft.com/office/drawing/2014/main" id="{B1620550-AFA4-FE47-BFA2-E632C498BC0F}"/>
               </a:ext>
             </a:extLst>
           </p:cNvPr>
@@ -13845,7 +14355,7 @@
           <p:cNvPr id="5" name="Footer Placeholder 4">
             <a:extLst>
               <a:ext uri="{FF2B5EF4-FFF2-40B4-BE49-F238E27FC236}">
-                <a16:creationId xmlns:a16="http://schemas.microsoft.com/office/drawing/2014/main" id="{0C5178DB-3659-421F-907F-CD25EFFF416B}"/>
+                <a16:creationId xmlns:a16="http://schemas.microsoft.com/office/drawing/2014/main" id="{21FCA42E-D061-F64E-9D9B-5217E1EDFCF3}"/>
               </a:ext>
             </a:extLst>
           </p:cNvPr>
@@ -13862,284 +14372,1737 @@
           <a:lstStyle/>
           <a:p>
             <a:r>
-              <a:rPr lang="en-US" dirty="0"/>
-              <a:t>Kwartler CSCI -96</a:t>
-            </a:r>
+              <a:rPr lang="en-US"/>
+              <a:t>Kwartler CSCI-96</a:t>
+            </a:r>
+            <a:endParaRPr lang="en-US" dirty="0"/>
           </a:p>
         </p:txBody>
       </p:sp>
-      <p:sp>
-        <p:nvSpPr>
-          <p:cNvPr id="6" name="Content Placeholder 2">
+      <p:pic>
+        <p:nvPicPr>
+          <p:cNvPr id="7" name="Graphic 6" descr="Shopping bag with solid fill">
             <a:extLst>
               <a:ext uri="{FF2B5EF4-FFF2-40B4-BE49-F238E27FC236}">
-                <a16:creationId xmlns:a16="http://schemas.microsoft.com/office/drawing/2014/main" id="{99826758-8D3C-4F56-BFC9-9CC876ED9807}"/>
+                <a16:creationId xmlns:a16="http://schemas.microsoft.com/office/drawing/2014/main" id="{350C2AB7-A423-B042-8B46-78DE3C5525D2}"/>
               </a:ext>
             </a:extLst>
           </p:cNvPr>
-          <p:cNvSpPr txBox="1">
-            <a:spLocks/>
-          </p:cNvSpPr>
+          <p:cNvPicPr>
+            <a:picLocks noChangeAspect="1"/>
+          </p:cNvPicPr>
           <p:nvPr/>
-        </p:nvSpPr>
+        </p:nvPicPr>
+        <p:blipFill>
+          <a:blip r:embed="rId2">
+            <a:extLst>
+              <a:ext uri="{28A0092B-C50C-407E-A947-70E740481C1C}">
+                <a14:useLocalDpi xmlns:a14="http://schemas.microsoft.com/office/drawing/2010/main" val="0"/>
+              </a:ext>
+              <a:ext uri="{96DAC541-7B7A-43D3-8B79-37D633B846F1}">
+                <asvg:svgBlip xmlns:asvg="http://schemas.microsoft.com/office/drawing/2016/SVG/main" r:embed="rId3"/>
+              </a:ext>
+            </a:extLst>
+          </a:blip>
+          <a:stretch>
+            <a:fillRect/>
+          </a:stretch>
+        </p:blipFill>
         <p:spPr>
           <a:xfrm>
-            <a:off x="628650" y="1111347"/>
-            <a:ext cx="7886700" cy="5120640"/>
+            <a:off x="3113315" y="1752603"/>
+            <a:ext cx="2057400" cy="2057400"/>
           </a:xfrm>
           <a:prstGeom prst="rect">
             <a:avLst/>
           </a:prstGeom>
         </p:spPr>
+      </p:pic>
+      <p:grpSp>
+        <p:nvGrpSpPr>
+          <p:cNvPr id="13" name="Graphic 8" descr="Database with solid fill">
+            <a:extLst>
+              <a:ext uri="{FF2B5EF4-FFF2-40B4-BE49-F238E27FC236}">
+                <a16:creationId xmlns:a16="http://schemas.microsoft.com/office/drawing/2014/main" id="{3D1D843D-A9D5-6245-83C1-AC3EC09E7643}"/>
+              </a:ext>
+            </a:extLst>
+          </p:cNvPr>
+          <p:cNvGrpSpPr/>
+          <p:nvPr/>
+        </p:nvGrpSpPr>
+        <p:grpSpPr>
+          <a:xfrm>
+            <a:off x="543379" y="2345418"/>
+            <a:ext cx="2222500" cy="3016250"/>
+            <a:chOff x="543379" y="2345418"/>
+            <a:chExt cx="2222500" cy="3016250"/>
+          </a:xfrm>
+          <a:solidFill>
+            <a:srgbClr val="000000"/>
+          </a:solidFill>
+        </p:grpSpPr>
+        <p:sp>
+          <p:nvSpPr>
+            <p:cNvPr id="14" name="Freeform 13">
+              <a:extLst>
+                <a:ext uri="{FF2B5EF4-FFF2-40B4-BE49-F238E27FC236}">
+                  <a16:creationId xmlns:a16="http://schemas.microsoft.com/office/drawing/2014/main" id="{B4DF44D1-F15D-674D-8FB9-D9FBAAE2AE3C}"/>
+                </a:ext>
+              </a:extLst>
+            </p:cNvPr>
+            <p:cNvSpPr/>
+            <p:nvPr/>
+          </p:nvSpPr>
+          <p:spPr>
+            <a:xfrm>
+              <a:off x="543379" y="2345418"/>
+              <a:ext cx="2222500" cy="635000"/>
+            </a:xfrm>
+            <a:custGeom>
+              <a:avLst/>
+              <a:gdLst>
+                <a:gd name="connsiteX0" fmla="*/ 2222500 w 2222500"/>
+                <a:gd name="connsiteY0" fmla="*/ 317500 h 635000"/>
+                <a:gd name="connsiteX1" fmla="*/ 1111250 w 2222500"/>
+                <a:gd name="connsiteY1" fmla="*/ 635000 h 635000"/>
+                <a:gd name="connsiteX2" fmla="*/ 0 w 2222500"/>
+                <a:gd name="connsiteY2" fmla="*/ 317500 h 635000"/>
+                <a:gd name="connsiteX3" fmla="*/ 1111250 w 2222500"/>
+                <a:gd name="connsiteY3" fmla="*/ 0 h 635000"/>
+                <a:gd name="connsiteX4" fmla="*/ 2222500 w 2222500"/>
+                <a:gd name="connsiteY4" fmla="*/ 317500 h 635000"/>
+              </a:gdLst>
+              <a:ahLst/>
+              <a:cxnLst>
+                <a:cxn ang="0">
+                  <a:pos x="connsiteX0" y="connsiteY0"/>
+                </a:cxn>
+                <a:cxn ang="0">
+                  <a:pos x="connsiteX1" y="connsiteY1"/>
+                </a:cxn>
+                <a:cxn ang="0">
+                  <a:pos x="connsiteX2" y="connsiteY2"/>
+                </a:cxn>
+                <a:cxn ang="0">
+                  <a:pos x="connsiteX3" y="connsiteY3"/>
+                </a:cxn>
+                <a:cxn ang="0">
+                  <a:pos x="connsiteX4" y="connsiteY4"/>
+                </a:cxn>
+              </a:cxnLst>
+              <a:rect l="l" t="t" r="r" b="b"/>
+              <a:pathLst>
+                <a:path w="2222500" h="635000">
+                  <a:moveTo>
+                    <a:pt x="2222500" y="317500"/>
+                  </a:moveTo>
+                  <a:cubicBezTo>
+                    <a:pt x="2222500" y="492850"/>
+                    <a:pt x="1724977" y="635000"/>
+                    <a:pt x="1111250" y="635000"/>
+                  </a:cubicBezTo>
+                  <a:cubicBezTo>
+                    <a:pt x="497524" y="635000"/>
+                    <a:pt x="0" y="492850"/>
+                    <a:pt x="0" y="317500"/>
+                  </a:cubicBezTo>
+                  <a:cubicBezTo>
+                    <a:pt x="0" y="142150"/>
+                    <a:pt x="497524" y="0"/>
+                    <a:pt x="1111250" y="0"/>
+                  </a:cubicBezTo>
+                  <a:cubicBezTo>
+                    <a:pt x="1724977" y="0"/>
+                    <a:pt x="2222500" y="142150"/>
+                    <a:pt x="2222500" y="317500"/>
+                  </a:cubicBezTo>
+                  <a:close/>
+                </a:path>
+              </a:pathLst>
+            </a:custGeom>
+            <a:solidFill>
+              <a:srgbClr val="000000"/>
+            </a:solidFill>
+            <a:ln w="39688" cap="flat">
+              <a:noFill/>
+              <a:prstDash val="solid"/>
+              <a:miter/>
+            </a:ln>
+          </p:spPr>
+          <p:txBody>
+            <a:bodyPr rtlCol="0" anchor="ctr"/>
+            <a:lstStyle/>
+            <a:p>
+              <a:endParaRPr lang="en-US"/>
+            </a:p>
+          </p:txBody>
+        </p:sp>
+        <p:sp>
+          <p:nvSpPr>
+            <p:cNvPr id="15" name="Freeform 14">
+              <a:extLst>
+                <a:ext uri="{FF2B5EF4-FFF2-40B4-BE49-F238E27FC236}">
+                  <a16:creationId xmlns:a16="http://schemas.microsoft.com/office/drawing/2014/main" id="{8FB49E5A-6036-454C-9D3D-A73BC799296D}"/>
+                </a:ext>
+              </a:extLst>
+            </p:cNvPr>
+            <p:cNvSpPr/>
+            <p:nvPr/>
+          </p:nvSpPr>
+          <p:spPr>
+            <a:xfrm>
+              <a:off x="543379" y="2821668"/>
+              <a:ext cx="2222500" cy="952500"/>
+            </a:xfrm>
+            <a:custGeom>
+              <a:avLst/>
+              <a:gdLst>
+                <a:gd name="connsiteX0" fmla="*/ 1905000 w 2222500"/>
+                <a:gd name="connsiteY0" fmla="*/ 635000 h 952500"/>
+                <a:gd name="connsiteX1" fmla="*/ 1825625 w 2222500"/>
+                <a:gd name="connsiteY1" fmla="*/ 555625 h 952500"/>
+                <a:gd name="connsiteX2" fmla="*/ 1905000 w 2222500"/>
+                <a:gd name="connsiteY2" fmla="*/ 476250 h 952500"/>
+                <a:gd name="connsiteX3" fmla="*/ 1984375 w 2222500"/>
+                <a:gd name="connsiteY3" fmla="*/ 555625 h 952500"/>
+                <a:gd name="connsiteX4" fmla="*/ 1905000 w 2222500"/>
+                <a:gd name="connsiteY4" fmla="*/ 635000 h 952500"/>
+                <a:gd name="connsiteX5" fmla="*/ 1111250 w 2222500"/>
+                <a:gd name="connsiteY5" fmla="*/ 317500 h 952500"/>
+                <a:gd name="connsiteX6" fmla="*/ 0 w 2222500"/>
+                <a:gd name="connsiteY6" fmla="*/ 0 h 952500"/>
+                <a:gd name="connsiteX7" fmla="*/ 0 w 2222500"/>
+                <a:gd name="connsiteY7" fmla="*/ 635000 h 952500"/>
+                <a:gd name="connsiteX8" fmla="*/ 1111250 w 2222500"/>
+                <a:gd name="connsiteY8" fmla="*/ 952500 h 952500"/>
+                <a:gd name="connsiteX9" fmla="*/ 2222500 w 2222500"/>
+                <a:gd name="connsiteY9" fmla="*/ 635000 h 952500"/>
+                <a:gd name="connsiteX10" fmla="*/ 2222500 w 2222500"/>
+                <a:gd name="connsiteY10" fmla="*/ 0 h 952500"/>
+                <a:gd name="connsiteX11" fmla="*/ 1111250 w 2222500"/>
+                <a:gd name="connsiteY11" fmla="*/ 317500 h 952500"/>
+              </a:gdLst>
+              <a:ahLst/>
+              <a:cxnLst>
+                <a:cxn ang="0">
+                  <a:pos x="connsiteX0" y="connsiteY0"/>
+                </a:cxn>
+                <a:cxn ang="0">
+                  <a:pos x="connsiteX1" y="connsiteY1"/>
+                </a:cxn>
+                <a:cxn ang="0">
+                  <a:pos x="connsiteX2" y="connsiteY2"/>
+                </a:cxn>
+                <a:cxn ang="0">
+                  <a:pos x="connsiteX3" y="connsiteY3"/>
+                </a:cxn>
+                <a:cxn ang="0">
+                  <a:pos x="connsiteX4" y="connsiteY4"/>
+                </a:cxn>
+                <a:cxn ang="0">
+                  <a:pos x="connsiteX5" y="connsiteY5"/>
+                </a:cxn>
+                <a:cxn ang="0">
+                  <a:pos x="connsiteX6" y="connsiteY6"/>
+                </a:cxn>
+                <a:cxn ang="0">
+                  <a:pos x="connsiteX7" y="connsiteY7"/>
+                </a:cxn>
+                <a:cxn ang="0">
+                  <a:pos x="connsiteX8" y="connsiteY8"/>
+                </a:cxn>
+                <a:cxn ang="0">
+                  <a:pos x="connsiteX9" y="connsiteY9"/>
+                </a:cxn>
+                <a:cxn ang="0">
+                  <a:pos x="connsiteX10" y="connsiteY10"/>
+                </a:cxn>
+                <a:cxn ang="0">
+                  <a:pos x="connsiteX11" y="connsiteY11"/>
+                </a:cxn>
+              </a:cxnLst>
+              <a:rect l="l" t="t" r="r" b="b"/>
+              <a:pathLst>
+                <a:path w="2222500" h="952500">
+                  <a:moveTo>
+                    <a:pt x="1905000" y="635000"/>
+                  </a:moveTo>
+                  <a:cubicBezTo>
+                    <a:pt x="1857375" y="635000"/>
+                    <a:pt x="1825625" y="603250"/>
+                    <a:pt x="1825625" y="555625"/>
+                  </a:cubicBezTo>
+                  <a:cubicBezTo>
+                    <a:pt x="1825625" y="508000"/>
+                    <a:pt x="1857375" y="476250"/>
+                    <a:pt x="1905000" y="476250"/>
+                  </a:cubicBezTo>
+                  <a:cubicBezTo>
+                    <a:pt x="1952625" y="476250"/>
+                    <a:pt x="1984375" y="508000"/>
+                    <a:pt x="1984375" y="555625"/>
+                  </a:cubicBezTo>
+                  <a:cubicBezTo>
+                    <a:pt x="1984375" y="603250"/>
+                    <a:pt x="1952625" y="635000"/>
+                    <a:pt x="1905000" y="635000"/>
+                  </a:cubicBezTo>
+                  <a:close/>
+                  <a:moveTo>
+                    <a:pt x="1111250" y="317500"/>
+                  </a:moveTo>
+                  <a:cubicBezTo>
+                    <a:pt x="500062" y="317500"/>
+                    <a:pt x="0" y="174625"/>
+                    <a:pt x="0" y="0"/>
+                  </a:cubicBezTo>
+                  <a:lnTo>
+                    <a:pt x="0" y="635000"/>
+                  </a:lnTo>
+                  <a:cubicBezTo>
+                    <a:pt x="0" y="809625"/>
+                    <a:pt x="500062" y="952500"/>
+                    <a:pt x="1111250" y="952500"/>
+                  </a:cubicBezTo>
+                  <a:cubicBezTo>
+                    <a:pt x="1722438" y="952500"/>
+                    <a:pt x="2222500" y="809625"/>
+                    <a:pt x="2222500" y="635000"/>
+                  </a:cubicBezTo>
+                  <a:lnTo>
+                    <a:pt x="2222500" y="0"/>
+                  </a:lnTo>
+                  <a:cubicBezTo>
+                    <a:pt x="2222500" y="174625"/>
+                    <a:pt x="1722438" y="317500"/>
+                    <a:pt x="1111250" y="317500"/>
+                  </a:cubicBezTo>
+                  <a:close/>
+                </a:path>
+              </a:pathLst>
+            </a:custGeom>
+            <a:solidFill>
+              <a:schemeClr val="accent2"/>
+            </a:solidFill>
+            <a:ln w="39688" cap="flat">
+              <a:noFill/>
+              <a:prstDash val="solid"/>
+              <a:miter/>
+            </a:ln>
+          </p:spPr>
+          <p:txBody>
+            <a:bodyPr rtlCol="0" anchor="ctr"/>
+            <a:lstStyle/>
+            <a:p>
+              <a:endParaRPr lang="en-US"/>
+            </a:p>
+          </p:txBody>
+        </p:sp>
+        <p:sp>
+          <p:nvSpPr>
+            <p:cNvPr id="16" name="Freeform 15">
+              <a:extLst>
+                <a:ext uri="{FF2B5EF4-FFF2-40B4-BE49-F238E27FC236}">
+                  <a16:creationId xmlns:a16="http://schemas.microsoft.com/office/drawing/2014/main" id="{CA6B04B3-21E4-1F49-B6D7-F901E9BC9920}"/>
+                </a:ext>
+              </a:extLst>
+            </p:cNvPr>
+            <p:cNvSpPr/>
+            <p:nvPr/>
+          </p:nvSpPr>
+          <p:spPr>
+            <a:xfrm>
+              <a:off x="543379" y="3615418"/>
+              <a:ext cx="2222500" cy="952500"/>
+            </a:xfrm>
+            <a:custGeom>
+              <a:avLst/>
+              <a:gdLst>
+                <a:gd name="connsiteX0" fmla="*/ 1905000 w 2222500"/>
+                <a:gd name="connsiteY0" fmla="*/ 635000 h 952500"/>
+                <a:gd name="connsiteX1" fmla="*/ 1825625 w 2222500"/>
+                <a:gd name="connsiteY1" fmla="*/ 555625 h 952500"/>
+                <a:gd name="connsiteX2" fmla="*/ 1905000 w 2222500"/>
+                <a:gd name="connsiteY2" fmla="*/ 476250 h 952500"/>
+                <a:gd name="connsiteX3" fmla="*/ 1984375 w 2222500"/>
+                <a:gd name="connsiteY3" fmla="*/ 555625 h 952500"/>
+                <a:gd name="connsiteX4" fmla="*/ 1905000 w 2222500"/>
+                <a:gd name="connsiteY4" fmla="*/ 635000 h 952500"/>
+                <a:gd name="connsiteX5" fmla="*/ 1111250 w 2222500"/>
+                <a:gd name="connsiteY5" fmla="*/ 317500 h 952500"/>
+                <a:gd name="connsiteX6" fmla="*/ 0 w 2222500"/>
+                <a:gd name="connsiteY6" fmla="*/ 0 h 952500"/>
+                <a:gd name="connsiteX7" fmla="*/ 0 w 2222500"/>
+                <a:gd name="connsiteY7" fmla="*/ 635000 h 952500"/>
+                <a:gd name="connsiteX8" fmla="*/ 1111250 w 2222500"/>
+                <a:gd name="connsiteY8" fmla="*/ 952500 h 952500"/>
+                <a:gd name="connsiteX9" fmla="*/ 2222500 w 2222500"/>
+                <a:gd name="connsiteY9" fmla="*/ 635000 h 952500"/>
+                <a:gd name="connsiteX10" fmla="*/ 2222500 w 2222500"/>
+                <a:gd name="connsiteY10" fmla="*/ 0 h 952500"/>
+                <a:gd name="connsiteX11" fmla="*/ 1111250 w 2222500"/>
+                <a:gd name="connsiteY11" fmla="*/ 317500 h 952500"/>
+              </a:gdLst>
+              <a:ahLst/>
+              <a:cxnLst>
+                <a:cxn ang="0">
+                  <a:pos x="connsiteX0" y="connsiteY0"/>
+                </a:cxn>
+                <a:cxn ang="0">
+                  <a:pos x="connsiteX1" y="connsiteY1"/>
+                </a:cxn>
+                <a:cxn ang="0">
+                  <a:pos x="connsiteX2" y="connsiteY2"/>
+                </a:cxn>
+                <a:cxn ang="0">
+                  <a:pos x="connsiteX3" y="connsiteY3"/>
+                </a:cxn>
+                <a:cxn ang="0">
+                  <a:pos x="connsiteX4" y="connsiteY4"/>
+                </a:cxn>
+                <a:cxn ang="0">
+                  <a:pos x="connsiteX5" y="connsiteY5"/>
+                </a:cxn>
+                <a:cxn ang="0">
+                  <a:pos x="connsiteX6" y="connsiteY6"/>
+                </a:cxn>
+                <a:cxn ang="0">
+                  <a:pos x="connsiteX7" y="connsiteY7"/>
+                </a:cxn>
+                <a:cxn ang="0">
+                  <a:pos x="connsiteX8" y="connsiteY8"/>
+                </a:cxn>
+                <a:cxn ang="0">
+                  <a:pos x="connsiteX9" y="connsiteY9"/>
+                </a:cxn>
+                <a:cxn ang="0">
+                  <a:pos x="connsiteX10" y="connsiteY10"/>
+                </a:cxn>
+                <a:cxn ang="0">
+                  <a:pos x="connsiteX11" y="connsiteY11"/>
+                </a:cxn>
+              </a:cxnLst>
+              <a:rect l="l" t="t" r="r" b="b"/>
+              <a:pathLst>
+                <a:path w="2222500" h="952500">
+                  <a:moveTo>
+                    <a:pt x="1905000" y="635000"/>
+                  </a:moveTo>
+                  <a:cubicBezTo>
+                    <a:pt x="1857375" y="635000"/>
+                    <a:pt x="1825625" y="603250"/>
+                    <a:pt x="1825625" y="555625"/>
+                  </a:cubicBezTo>
+                  <a:cubicBezTo>
+                    <a:pt x="1825625" y="508000"/>
+                    <a:pt x="1857375" y="476250"/>
+                    <a:pt x="1905000" y="476250"/>
+                  </a:cubicBezTo>
+                  <a:cubicBezTo>
+                    <a:pt x="1952625" y="476250"/>
+                    <a:pt x="1984375" y="508000"/>
+                    <a:pt x="1984375" y="555625"/>
+                  </a:cubicBezTo>
+                  <a:cubicBezTo>
+                    <a:pt x="1984375" y="603250"/>
+                    <a:pt x="1952625" y="635000"/>
+                    <a:pt x="1905000" y="635000"/>
+                  </a:cubicBezTo>
+                  <a:close/>
+                  <a:moveTo>
+                    <a:pt x="1111250" y="317500"/>
+                  </a:moveTo>
+                  <a:cubicBezTo>
+                    <a:pt x="500062" y="317500"/>
+                    <a:pt x="0" y="174625"/>
+                    <a:pt x="0" y="0"/>
+                  </a:cubicBezTo>
+                  <a:lnTo>
+                    <a:pt x="0" y="635000"/>
+                  </a:lnTo>
+                  <a:cubicBezTo>
+                    <a:pt x="0" y="809625"/>
+                    <a:pt x="500062" y="952500"/>
+                    <a:pt x="1111250" y="952500"/>
+                  </a:cubicBezTo>
+                  <a:cubicBezTo>
+                    <a:pt x="1722438" y="952500"/>
+                    <a:pt x="2222500" y="809625"/>
+                    <a:pt x="2222500" y="635000"/>
+                  </a:cubicBezTo>
+                  <a:lnTo>
+                    <a:pt x="2222500" y="0"/>
+                  </a:lnTo>
+                  <a:cubicBezTo>
+                    <a:pt x="2222500" y="174625"/>
+                    <a:pt x="1722438" y="317500"/>
+                    <a:pt x="1111250" y="317500"/>
+                  </a:cubicBezTo>
+                  <a:close/>
+                </a:path>
+              </a:pathLst>
+            </a:custGeom>
+            <a:solidFill>
+              <a:schemeClr val="accent1"/>
+            </a:solidFill>
+            <a:ln w="39688" cap="flat">
+              <a:noFill/>
+              <a:prstDash val="solid"/>
+              <a:miter/>
+            </a:ln>
+          </p:spPr>
+          <p:txBody>
+            <a:bodyPr rtlCol="0" anchor="ctr"/>
+            <a:lstStyle/>
+            <a:p>
+              <a:endParaRPr lang="en-US"/>
+            </a:p>
+          </p:txBody>
+        </p:sp>
+        <p:sp>
+          <p:nvSpPr>
+            <p:cNvPr id="17" name="Freeform 16">
+              <a:extLst>
+                <a:ext uri="{FF2B5EF4-FFF2-40B4-BE49-F238E27FC236}">
+                  <a16:creationId xmlns:a16="http://schemas.microsoft.com/office/drawing/2014/main" id="{033177C1-2E6A-F84D-9BC5-CF761BDB97B7}"/>
+                </a:ext>
+              </a:extLst>
+            </p:cNvPr>
+            <p:cNvSpPr/>
+            <p:nvPr/>
+          </p:nvSpPr>
+          <p:spPr>
+            <a:xfrm>
+              <a:off x="543379" y="4409168"/>
+              <a:ext cx="2222500" cy="952500"/>
+            </a:xfrm>
+            <a:custGeom>
+              <a:avLst/>
+              <a:gdLst>
+                <a:gd name="connsiteX0" fmla="*/ 1905000 w 2222500"/>
+                <a:gd name="connsiteY0" fmla="*/ 635000 h 952500"/>
+                <a:gd name="connsiteX1" fmla="*/ 1825625 w 2222500"/>
+                <a:gd name="connsiteY1" fmla="*/ 555625 h 952500"/>
+                <a:gd name="connsiteX2" fmla="*/ 1905000 w 2222500"/>
+                <a:gd name="connsiteY2" fmla="*/ 476250 h 952500"/>
+                <a:gd name="connsiteX3" fmla="*/ 1984375 w 2222500"/>
+                <a:gd name="connsiteY3" fmla="*/ 555625 h 952500"/>
+                <a:gd name="connsiteX4" fmla="*/ 1905000 w 2222500"/>
+                <a:gd name="connsiteY4" fmla="*/ 635000 h 952500"/>
+                <a:gd name="connsiteX5" fmla="*/ 1111250 w 2222500"/>
+                <a:gd name="connsiteY5" fmla="*/ 317500 h 952500"/>
+                <a:gd name="connsiteX6" fmla="*/ 0 w 2222500"/>
+                <a:gd name="connsiteY6" fmla="*/ 0 h 952500"/>
+                <a:gd name="connsiteX7" fmla="*/ 0 w 2222500"/>
+                <a:gd name="connsiteY7" fmla="*/ 635000 h 952500"/>
+                <a:gd name="connsiteX8" fmla="*/ 1111250 w 2222500"/>
+                <a:gd name="connsiteY8" fmla="*/ 952500 h 952500"/>
+                <a:gd name="connsiteX9" fmla="*/ 2222500 w 2222500"/>
+                <a:gd name="connsiteY9" fmla="*/ 635000 h 952500"/>
+                <a:gd name="connsiteX10" fmla="*/ 2222500 w 2222500"/>
+                <a:gd name="connsiteY10" fmla="*/ 0 h 952500"/>
+                <a:gd name="connsiteX11" fmla="*/ 1111250 w 2222500"/>
+                <a:gd name="connsiteY11" fmla="*/ 317500 h 952500"/>
+              </a:gdLst>
+              <a:ahLst/>
+              <a:cxnLst>
+                <a:cxn ang="0">
+                  <a:pos x="connsiteX0" y="connsiteY0"/>
+                </a:cxn>
+                <a:cxn ang="0">
+                  <a:pos x="connsiteX1" y="connsiteY1"/>
+                </a:cxn>
+                <a:cxn ang="0">
+                  <a:pos x="connsiteX2" y="connsiteY2"/>
+                </a:cxn>
+                <a:cxn ang="0">
+                  <a:pos x="connsiteX3" y="connsiteY3"/>
+                </a:cxn>
+                <a:cxn ang="0">
+                  <a:pos x="connsiteX4" y="connsiteY4"/>
+                </a:cxn>
+                <a:cxn ang="0">
+                  <a:pos x="connsiteX5" y="connsiteY5"/>
+                </a:cxn>
+                <a:cxn ang="0">
+                  <a:pos x="connsiteX6" y="connsiteY6"/>
+                </a:cxn>
+                <a:cxn ang="0">
+                  <a:pos x="connsiteX7" y="connsiteY7"/>
+                </a:cxn>
+                <a:cxn ang="0">
+                  <a:pos x="connsiteX8" y="connsiteY8"/>
+                </a:cxn>
+                <a:cxn ang="0">
+                  <a:pos x="connsiteX9" y="connsiteY9"/>
+                </a:cxn>
+                <a:cxn ang="0">
+                  <a:pos x="connsiteX10" y="connsiteY10"/>
+                </a:cxn>
+                <a:cxn ang="0">
+                  <a:pos x="connsiteX11" y="connsiteY11"/>
+                </a:cxn>
+              </a:cxnLst>
+              <a:rect l="l" t="t" r="r" b="b"/>
+              <a:pathLst>
+                <a:path w="2222500" h="952500">
+                  <a:moveTo>
+                    <a:pt x="1905000" y="635000"/>
+                  </a:moveTo>
+                  <a:cubicBezTo>
+                    <a:pt x="1857375" y="635000"/>
+                    <a:pt x="1825625" y="603250"/>
+                    <a:pt x="1825625" y="555625"/>
+                  </a:cubicBezTo>
+                  <a:cubicBezTo>
+                    <a:pt x="1825625" y="508000"/>
+                    <a:pt x="1857375" y="476250"/>
+                    <a:pt x="1905000" y="476250"/>
+                  </a:cubicBezTo>
+                  <a:cubicBezTo>
+                    <a:pt x="1952625" y="476250"/>
+                    <a:pt x="1984375" y="508000"/>
+                    <a:pt x="1984375" y="555625"/>
+                  </a:cubicBezTo>
+                  <a:cubicBezTo>
+                    <a:pt x="1984375" y="603250"/>
+                    <a:pt x="1952625" y="635000"/>
+                    <a:pt x="1905000" y="635000"/>
+                  </a:cubicBezTo>
+                  <a:close/>
+                  <a:moveTo>
+                    <a:pt x="1111250" y="317500"/>
+                  </a:moveTo>
+                  <a:cubicBezTo>
+                    <a:pt x="500062" y="317500"/>
+                    <a:pt x="0" y="174625"/>
+                    <a:pt x="0" y="0"/>
+                  </a:cubicBezTo>
+                  <a:lnTo>
+                    <a:pt x="0" y="635000"/>
+                  </a:lnTo>
+                  <a:cubicBezTo>
+                    <a:pt x="0" y="809625"/>
+                    <a:pt x="500062" y="952500"/>
+                    <a:pt x="1111250" y="952500"/>
+                  </a:cubicBezTo>
+                  <a:cubicBezTo>
+                    <a:pt x="1722438" y="952500"/>
+                    <a:pt x="2222500" y="809625"/>
+                    <a:pt x="2222500" y="635000"/>
+                  </a:cubicBezTo>
+                  <a:lnTo>
+                    <a:pt x="2222500" y="0"/>
+                  </a:lnTo>
+                  <a:cubicBezTo>
+                    <a:pt x="2222500" y="174625"/>
+                    <a:pt x="1722438" y="317500"/>
+                    <a:pt x="1111250" y="317500"/>
+                  </a:cubicBezTo>
+                  <a:close/>
+                </a:path>
+              </a:pathLst>
+            </a:custGeom>
+            <a:solidFill>
+              <a:srgbClr val="000000"/>
+            </a:solidFill>
+            <a:ln w="39688" cap="flat">
+              <a:noFill/>
+              <a:prstDash val="solid"/>
+              <a:miter/>
+            </a:ln>
+          </p:spPr>
+          <p:txBody>
+            <a:bodyPr rtlCol="0" anchor="ctr"/>
+            <a:lstStyle/>
+            <a:p>
+              <a:endParaRPr lang="en-US"/>
+            </a:p>
+          </p:txBody>
+        </p:sp>
+      </p:grpSp>
+      <p:pic>
+        <p:nvPicPr>
+          <p:cNvPr id="10" name="Graphic 9" descr="Shopping bag with solid fill">
+            <a:extLst>
+              <a:ext uri="{FF2B5EF4-FFF2-40B4-BE49-F238E27FC236}">
+                <a16:creationId xmlns:a16="http://schemas.microsoft.com/office/drawing/2014/main" id="{77FAA80D-4027-694E-99FB-4C042AE5E7C1}"/>
+              </a:ext>
+            </a:extLst>
+          </p:cNvPr>
+          <p:cNvPicPr>
+            <a:picLocks noChangeAspect="1"/>
+          </p:cNvPicPr>
+          <p:nvPr/>
+        </p:nvPicPr>
+        <p:blipFill>
+          <a:blip r:embed="rId2">
+            <a:extLst>
+              <a:ext uri="{28A0092B-C50C-407E-A947-70E740481C1C}">
+                <a14:useLocalDpi xmlns:a14="http://schemas.microsoft.com/office/drawing/2010/main" val="0"/>
+              </a:ext>
+              <a:ext uri="{96DAC541-7B7A-43D3-8B79-37D633B846F1}">
+                <asvg:svgBlip xmlns:asvg="http://schemas.microsoft.com/office/drawing/2016/SVG/main" r:embed="rId3"/>
+              </a:ext>
+            </a:extLst>
+          </a:blip>
+          <a:stretch>
+            <a:fillRect/>
+          </a:stretch>
+        </p:blipFill>
+        <p:spPr>
+          <a:xfrm>
+            <a:off x="3069772" y="3701146"/>
+            <a:ext cx="2057400" cy="2057400"/>
+          </a:xfrm>
+          <a:prstGeom prst="rect">
+            <a:avLst/>
+          </a:prstGeom>
+        </p:spPr>
+      </p:pic>
+      <p:pic>
+        <p:nvPicPr>
+          <p:cNvPr id="11" name="Graphic 10" descr="Shopping bag with solid fill">
+            <a:extLst>
+              <a:ext uri="{FF2B5EF4-FFF2-40B4-BE49-F238E27FC236}">
+                <a16:creationId xmlns:a16="http://schemas.microsoft.com/office/drawing/2014/main" id="{33C5F69B-2A04-7441-A1ED-B1DE1DD80444}"/>
+              </a:ext>
+            </a:extLst>
+          </p:cNvPr>
+          <p:cNvPicPr>
+            <a:picLocks noChangeAspect="1"/>
+          </p:cNvPicPr>
+          <p:nvPr/>
+        </p:nvPicPr>
+        <p:blipFill>
+          <a:blip r:embed="rId2">
+            <a:extLst>
+              <a:ext uri="{28A0092B-C50C-407E-A947-70E740481C1C}">
+                <a14:useLocalDpi xmlns:a14="http://schemas.microsoft.com/office/drawing/2010/main" val="0"/>
+              </a:ext>
+              <a:ext uri="{96DAC541-7B7A-43D3-8B79-37D633B846F1}">
+                <asvg:svgBlip xmlns:asvg="http://schemas.microsoft.com/office/drawing/2016/SVG/main" r:embed="rId3"/>
+              </a:ext>
+            </a:extLst>
+          </a:blip>
+          <a:stretch>
+            <a:fillRect/>
+          </a:stretch>
+        </p:blipFill>
+        <p:spPr>
+          <a:xfrm>
+            <a:off x="4985658" y="1741717"/>
+            <a:ext cx="2057400" cy="2057400"/>
+          </a:xfrm>
+          <a:prstGeom prst="rect">
+            <a:avLst/>
+          </a:prstGeom>
+        </p:spPr>
+      </p:pic>
+      <p:pic>
+        <p:nvPicPr>
+          <p:cNvPr id="12" name="Graphic 11" descr="Shopping bag with solid fill">
+            <a:extLst>
+              <a:ext uri="{FF2B5EF4-FFF2-40B4-BE49-F238E27FC236}">
+                <a16:creationId xmlns:a16="http://schemas.microsoft.com/office/drawing/2014/main" id="{E5283F3B-9197-864C-A86E-FF179F824234}"/>
+              </a:ext>
+            </a:extLst>
+          </p:cNvPr>
+          <p:cNvPicPr>
+            <a:picLocks noChangeAspect="1"/>
+          </p:cNvPicPr>
+          <p:nvPr/>
+        </p:nvPicPr>
+        <p:blipFill>
+          <a:blip r:embed="rId2">
+            <a:extLst>
+              <a:ext uri="{28A0092B-C50C-407E-A947-70E740481C1C}">
+                <a14:useLocalDpi xmlns:a14="http://schemas.microsoft.com/office/drawing/2010/main" val="0"/>
+              </a:ext>
+              <a:ext uri="{96DAC541-7B7A-43D3-8B79-37D633B846F1}">
+                <asvg:svgBlip xmlns:asvg="http://schemas.microsoft.com/office/drawing/2016/SVG/main" r:embed="rId3"/>
+              </a:ext>
+            </a:extLst>
+          </a:blip>
+          <a:stretch>
+            <a:fillRect/>
+          </a:stretch>
+        </p:blipFill>
+        <p:spPr>
+          <a:xfrm>
+            <a:off x="5040087" y="3831775"/>
+            <a:ext cx="2057400" cy="2057400"/>
+          </a:xfrm>
+          <a:prstGeom prst="rect">
+            <a:avLst/>
+          </a:prstGeom>
+        </p:spPr>
+      </p:pic>
+      <p:sp>
+        <p:nvSpPr>
+          <p:cNvPr id="18" name="Freeform 17">
+            <a:extLst>
+              <a:ext uri="{FF2B5EF4-FFF2-40B4-BE49-F238E27FC236}">
+                <a16:creationId xmlns:a16="http://schemas.microsoft.com/office/drawing/2014/main" id="{E6035A93-E0AD-7140-94BC-B473DCD04E99}"/>
+              </a:ext>
+            </a:extLst>
+          </p:cNvPr>
+          <p:cNvSpPr/>
+          <p:nvPr/>
+        </p:nvSpPr>
+        <p:spPr>
+          <a:xfrm>
+            <a:off x="3722913" y="2854328"/>
+            <a:ext cx="686707" cy="280761"/>
+          </a:xfrm>
+          <a:custGeom>
+            <a:avLst/>
+            <a:gdLst>
+              <a:gd name="connsiteX0" fmla="*/ 1905000 w 2222500"/>
+              <a:gd name="connsiteY0" fmla="*/ 635000 h 952500"/>
+              <a:gd name="connsiteX1" fmla="*/ 1825625 w 2222500"/>
+              <a:gd name="connsiteY1" fmla="*/ 555625 h 952500"/>
+              <a:gd name="connsiteX2" fmla="*/ 1905000 w 2222500"/>
+              <a:gd name="connsiteY2" fmla="*/ 476250 h 952500"/>
+              <a:gd name="connsiteX3" fmla="*/ 1984375 w 2222500"/>
+              <a:gd name="connsiteY3" fmla="*/ 555625 h 952500"/>
+              <a:gd name="connsiteX4" fmla="*/ 1905000 w 2222500"/>
+              <a:gd name="connsiteY4" fmla="*/ 635000 h 952500"/>
+              <a:gd name="connsiteX5" fmla="*/ 1111250 w 2222500"/>
+              <a:gd name="connsiteY5" fmla="*/ 317500 h 952500"/>
+              <a:gd name="connsiteX6" fmla="*/ 0 w 2222500"/>
+              <a:gd name="connsiteY6" fmla="*/ 0 h 952500"/>
+              <a:gd name="connsiteX7" fmla="*/ 0 w 2222500"/>
+              <a:gd name="connsiteY7" fmla="*/ 635000 h 952500"/>
+              <a:gd name="connsiteX8" fmla="*/ 1111250 w 2222500"/>
+              <a:gd name="connsiteY8" fmla="*/ 952500 h 952500"/>
+              <a:gd name="connsiteX9" fmla="*/ 2222500 w 2222500"/>
+              <a:gd name="connsiteY9" fmla="*/ 635000 h 952500"/>
+              <a:gd name="connsiteX10" fmla="*/ 2222500 w 2222500"/>
+              <a:gd name="connsiteY10" fmla="*/ 0 h 952500"/>
+              <a:gd name="connsiteX11" fmla="*/ 1111250 w 2222500"/>
+              <a:gd name="connsiteY11" fmla="*/ 317500 h 952500"/>
+            </a:gdLst>
+            <a:ahLst/>
+            <a:cxnLst>
+              <a:cxn ang="0">
+                <a:pos x="connsiteX0" y="connsiteY0"/>
+              </a:cxn>
+              <a:cxn ang="0">
+                <a:pos x="connsiteX1" y="connsiteY1"/>
+              </a:cxn>
+              <a:cxn ang="0">
+                <a:pos x="connsiteX2" y="connsiteY2"/>
+              </a:cxn>
+              <a:cxn ang="0">
+                <a:pos x="connsiteX3" y="connsiteY3"/>
+              </a:cxn>
+              <a:cxn ang="0">
+                <a:pos x="connsiteX4" y="connsiteY4"/>
+              </a:cxn>
+              <a:cxn ang="0">
+                <a:pos x="connsiteX5" y="connsiteY5"/>
+              </a:cxn>
+              <a:cxn ang="0">
+                <a:pos x="connsiteX6" y="connsiteY6"/>
+              </a:cxn>
+              <a:cxn ang="0">
+                <a:pos x="connsiteX7" y="connsiteY7"/>
+              </a:cxn>
+              <a:cxn ang="0">
+                <a:pos x="connsiteX8" y="connsiteY8"/>
+              </a:cxn>
+              <a:cxn ang="0">
+                <a:pos x="connsiteX9" y="connsiteY9"/>
+              </a:cxn>
+              <a:cxn ang="0">
+                <a:pos x="connsiteX10" y="connsiteY10"/>
+              </a:cxn>
+              <a:cxn ang="0">
+                <a:pos x="connsiteX11" y="connsiteY11"/>
+              </a:cxn>
+            </a:cxnLst>
+            <a:rect l="l" t="t" r="r" b="b"/>
+            <a:pathLst>
+              <a:path w="2222500" h="952500">
+                <a:moveTo>
+                  <a:pt x="1905000" y="635000"/>
+                </a:moveTo>
+                <a:cubicBezTo>
+                  <a:pt x="1857375" y="635000"/>
+                  <a:pt x="1825625" y="603250"/>
+                  <a:pt x="1825625" y="555625"/>
+                </a:cubicBezTo>
+                <a:cubicBezTo>
+                  <a:pt x="1825625" y="508000"/>
+                  <a:pt x="1857375" y="476250"/>
+                  <a:pt x="1905000" y="476250"/>
+                </a:cubicBezTo>
+                <a:cubicBezTo>
+                  <a:pt x="1952625" y="476250"/>
+                  <a:pt x="1984375" y="508000"/>
+                  <a:pt x="1984375" y="555625"/>
+                </a:cubicBezTo>
+                <a:cubicBezTo>
+                  <a:pt x="1984375" y="603250"/>
+                  <a:pt x="1952625" y="635000"/>
+                  <a:pt x="1905000" y="635000"/>
+                </a:cubicBezTo>
+                <a:close/>
+                <a:moveTo>
+                  <a:pt x="1111250" y="317500"/>
+                </a:moveTo>
+                <a:cubicBezTo>
+                  <a:pt x="500062" y="317500"/>
+                  <a:pt x="0" y="174625"/>
+                  <a:pt x="0" y="0"/>
+                </a:cubicBezTo>
+                <a:lnTo>
+                  <a:pt x="0" y="635000"/>
+                </a:lnTo>
+                <a:cubicBezTo>
+                  <a:pt x="0" y="809625"/>
+                  <a:pt x="500062" y="952500"/>
+                  <a:pt x="1111250" y="952500"/>
+                </a:cubicBezTo>
+                <a:cubicBezTo>
+                  <a:pt x="1722438" y="952500"/>
+                  <a:pt x="2222500" y="809625"/>
+                  <a:pt x="2222500" y="635000"/>
+                </a:cubicBezTo>
+                <a:lnTo>
+                  <a:pt x="2222500" y="0"/>
+                </a:lnTo>
+                <a:cubicBezTo>
+                  <a:pt x="2222500" y="174625"/>
+                  <a:pt x="1722438" y="317500"/>
+                  <a:pt x="1111250" y="317500"/>
+                </a:cubicBezTo>
+                <a:close/>
+              </a:path>
+            </a:pathLst>
+          </a:custGeom>
+          <a:solidFill>
+            <a:schemeClr val="accent2"/>
+          </a:solidFill>
+          <a:ln w="39688" cap="flat">
+            <a:noFill/>
+            <a:prstDash val="solid"/>
+            <a:miter/>
+          </a:ln>
+        </p:spPr>
         <p:txBody>
-          <a:bodyPr/>
-          <a:lstStyle>
-            <a:lvl1pPr marL="171450" indent="-171450" algn="l" defTabSz="685800" rtl="0" eaLnBrk="1" latinLnBrk="0" hangingPunct="1">
-              <a:lnSpc>
-                <a:spcPct val="90000"/>
-              </a:lnSpc>
-              <a:spcBef>
-                <a:spcPts val="750"/>
-              </a:spcBef>
-              <a:buFont typeface="Arial" panose="020B0604020202020204" pitchFamily="34" charset="0"/>
-              <a:buChar char="•"/>
-              <a:defRPr sz="2100" kern="1200">
-                <a:solidFill>
-                  <a:schemeClr val="tx1"/>
-                </a:solidFill>
-                <a:latin typeface="+mn-lt"/>
-                <a:ea typeface="+mn-ea"/>
-                <a:cs typeface="+mn-cs"/>
-              </a:defRPr>
-            </a:lvl1pPr>
-            <a:lvl2pPr marL="514350" indent="-171450" algn="l" defTabSz="685800" rtl="0" eaLnBrk="1" latinLnBrk="0" hangingPunct="1">
-              <a:lnSpc>
-                <a:spcPct val="90000"/>
-              </a:lnSpc>
-              <a:spcBef>
-                <a:spcPts val="375"/>
-              </a:spcBef>
-              <a:buFont typeface="Arial" panose="020B0604020202020204" pitchFamily="34" charset="0"/>
-              <a:buChar char="•"/>
-              <a:defRPr sz="1800" kern="1200">
-                <a:solidFill>
-                  <a:schemeClr val="tx1"/>
-                </a:solidFill>
-                <a:latin typeface="+mn-lt"/>
-                <a:ea typeface="+mn-ea"/>
-                <a:cs typeface="+mn-cs"/>
-              </a:defRPr>
-            </a:lvl2pPr>
-            <a:lvl3pPr marL="857250" indent="-171450" algn="l" defTabSz="685800" rtl="0" eaLnBrk="1" latinLnBrk="0" hangingPunct="1">
-              <a:lnSpc>
-                <a:spcPct val="90000"/>
-              </a:lnSpc>
-              <a:spcBef>
-                <a:spcPts val="375"/>
-              </a:spcBef>
-              <a:buFont typeface="Arial" panose="020B0604020202020204" pitchFamily="34" charset="0"/>
-              <a:buChar char="•"/>
-              <a:defRPr sz="1500" kern="1200">
-                <a:solidFill>
-                  <a:schemeClr val="tx1"/>
-                </a:solidFill>
-                <a:latin typeface="+mn-lt"/>
-                <a:ea typeface="+mn-ea"/>
-                <a:cs typeface="+mn-cs"/>
-              </a:defRPr>
-            </a:lvl3pPr>
-            <a:lvl4pPr marL="1200150" indent="-171450" algn="l" defTabSz="685800" rtl="0" eaLnBrk="1" latinLnBrk="0" hangingPunct="1">
-              <a:lnSpc>
-                <a:spcPct val="90000"/>
-              </a:lnSpc>
-              <a:spcBef>
-                <a:spcPts val="375"/>
-              </a:spcBef>
-              <a:buFont typeface="Arial" panose="020B0604020202020204" pitchFamily="34" charset="0"/>
-              <a:buChar char="•"/>
-              <a:defRPr sz="1350" kern="1200">
-                <a:solidFill>
-                  <a:schemeClr val="tx1"/>
-                </a:solidFill>
-                <a:latin typeface="+mn-lt"/>
-                <a:ea typeface="+mn-ea"/>
-                <a:cs typeface="+mn-cs"/>
-              </a:defRPr>
-            </a:lvl4pPr>
-            <a:lvl5pPr marL="1543050" indent="-171450" algn="l" defTabSz="685800" rtl="0" eaLnBrk="1" latinLnBrk="0" hangingPunct="1">
-              <a:lnSpc>
-                <a:spcPct val="90000"/>
-              </a:lnSpc>
-              <a:spcBef>
-                <a:spcPts val="375"/>
-              </a:spcBef>
-              <a:buFont typeface="Arial" panose="020B0604020202020204" pitchFamily="34" charset="0"/>
-              <a:buChar char="•"/>
-              <a:defRPr sz="1350" kern="1200">
-                <a:solidFill>
-                  <a:schemeClr val="tx1"/>
-                </a:solidFill>
-                <a:latin typeface="+mn-lt"/>
-                <a:ea typeface="+mn-ea"/>
-                <a:cs typeface="+mn-cs"/>
-              </a:defRPr>
-            </a:lvl5pPr>
-            <a:lvl6pPr marL="1885950" indent="-171450" algn="l" defTabSz="685800" rtl="0" eaLnBrk="1" latinLnBrk="0" hangingPunct="1">
-              <a:lnSpc>
-                <a:spcPct val="90000"/>
-              </a:lnSpc>
-              <a:spcBef>
-                <a:spcPts val="375"/>
-              </a:spcBef>
-              <a:buFont typeface="Arial" panose="020B0604020202020204" pitchFamily="34" charset="0"/>
-              <a:buChar char="•"/>
-              <a:defRPr sz="1350" kern="1200">
-                <a:solidFill>
-                  <a:schemeClr val="tx1"/>
-                </a:solidFill>
-                <a:latin typeface="+mn-lt"/>
-                <a:ea typeface="+mn-ea"/>
-                <a:cs typeface="+mn-cs"/>
-              </a:defRPr>
-            </a:lvl6pPr>
-            <a:lvl7pPr marL="2228850" indent="-171450" algn="l" defTabSz="685800" rtl="0" eaLnBrk="1" latinLnBrk="0" hangingPunct="1">
-              <a:lnSpc>
-                <a:spcPct val="90000"/>
-              </a:lnSpc>
-              <a:spcBef>
-                <a:spcPts val="375"/>
-              </a:spcBef>
-              <a:buFont typeface="Arial" panose="020B0604020202020204" pitchFamily="34" charset="0"/>
-              <a:buChar char="•"/>
-              <a:defRPr sz="1350" kern="1200">
-                <a:solidFill>
-                  <a:schemeClr val="tx1"/>
-                </a:solidFill>
-                <a:latin typeface="+mn-lt"/>
-                <a:ea typeface="+mn-ea"/>
-                <a:cs typeface="+mn-cs"/>
-              </a:defRPr>
-            </a:lvl7pPr>
-            <a:lvl8pPr marL="2571750" indent="-171450" algn="l" defTabSz="685800" rtl="0" eaLnBrk="1" latinLnBrk="0" hangingPunct="1">
-              <a:lnSpc>
-                <a:spcPct val="90000"/>
-              </a:lnSpc>
-              <a:spcBef>
-                <a:spcPts val="375"/>
-              </a:spcBef>
-              <a:buFont typeface="Arial" panose="020B0604020202020204" pitchFamily="34" charset="0"/>
-              <a:buChar char="•"/>
-              <a:defRPr sz="1350" kern="1200">
-                <a:solidFill>
-                  <a:schemeClr val="tx1"/>
-                </a:solidFill>
-                <a:latin typeface="+mn-lt"/>
-                <a:ea typeface="+mn-ea"/>
-                <a:cs typeface="+mn-cs"/>
-              </a:defRPr>
-            </a:lvl8pPr>
-            <a:lvl9pPr marL="2914650" indent="-171450" algn="l" defTabSz="685800" rtl="0" eaLnBrk="1" latinLnBrk="0" hangingPunct="1">
-              <a:lnSpc>
-                <a:spcPct val="90000"/>
-              </a:lnSpc>
-              <a:spcBef>
-                <a:spcPts val="375"/>
-              </a:spcBef>
-              <a:buFont typeface="Arial" panose="020B0604020202020204" pitchFamily="34" charset="0"/>
-              <a:buChar char="•"/>
-              <a:defRPr sz="1350" kern="1200">
-                <a:solidFill>
-                  <a:schemeClr val="tx1"/>
-                </a:solidFill>
-                <a:latin typeface="+mn-lt"/>
-                <a:ea typeface="+mn-ea"/>
-                <a:cs typeface="+mn-cs"/>
-              </a:defRPr>
-            </a:lvl9pPr>
-          </a:lstStyle>
-          <a:p>
-            <a:r>
-              <a:rPr lang="en-US" altLang="en-US" dirty="0"/>
-              <a:t>Draw many re-samples of cases from the data (bootstrap)</a:t>
-            </a:r>
-          </a:p>
-          <a:p>
-            <a:r>
-              <a:rPr lang="en-US" altLang="en-US" dirty="0"/>
-              <a:t>For each re-sampled set use a random subset of predictor variables to produce a tree.  Some parameters include</a:t>
-            </a:r>
-          </a:p>
-          <a:p>
-            <a:pPr lvl="1"/>
-            <a:r>
-              <a:rPr lang="en-US" altLang="en-US" dirty="0"/>
-              <a:t>Number of trees to grow – dictates the number of re-sampled sets</a:t>
-            </a:r>
-          </a:p>
-          <a:p>
-            <a:pPr lvl="1"/>
-            <a:r>
-              <a:rPr lang="en-US" altLang="en-US" dirty="0"/>
-              <a:t>Number of predictor variables for each tree</a:t>
-            </a:r>
-          </a:p>
-          <a:p>
-            <a:endParaRPr lang="en-US" altLang="en-US" dirty="0"/>
-          </a:p>
-          <a:p>
-            <a:r>
-              <a:rPr lang="en-US" altLang="en-US" dirty="0"/>
-              <a:t>Combine the predictions/classifications from all the trees (the entire forest)</a:t>
-            </a:r>
-          </a:p>
-          <a:p>
-            <a:pPr lvl="1"/>
-            <a:r>
-              <a:rPr lang="en-US" altLang="en-US" dirty="0"/>
-              <a:t>Votes are tallied for classification problems</a:t>
-            </a:r>
-          </a:p>
-          <a:p>
-            <a:pPr lvl="1"/>
-            <a:r>
-              <a:rPr lang="en-US" altLang="en-US" dirty="0"/>
-              <a:t>Predictions are averaged for continuous problems</a:t>
-            </a:r>
-          </a:p>
-          <a:p>
-            <a:pPr lvl="1"/>
-            <a:endParaRPr lang="en-US" altLang="en-US" dirty="0">
-              <a:solidFill>
-                <a:schemeClr val="accent6"/>
-              </a:solidFill>
+          <a:bodyPr rtlCol="0" anchor="ctr"/>
+          <a:lstStyle/>
+          <a:p>
+            <a:endParaRPr lang="en-US"/>
+          </a:p>
+        </p:txBody>
+      </p:sp>
+      <p:sp>
+        <p:nvSpPr>
+          <p:cNvPr id="19" name="Freeform 18">
+            <a:extLst>
+              <a:ext uri="{FF2B5EF4-FFF2-40B4-BE49-F238E27FC236}">
+                <a16:creationId xmlns:a16="http://schemas.microsoft.com/office/drawing/2014/main" id="{9F213759-DA6B-4843-897E-572550E6038D}"/>
+              </a:ext>
+            </a:extLst>
+          </p:cNvPr>
+          <p:cNvSpPr/>
+          <p:nvPr/>
+        </p:nvSpPr>
+        <p:spPr>
+          <a:xfrm>
+            <a:off x="5617027" y="2832556"/>
+            <a:ext cx="686707" cy="280761"/>
+          </a:xfrm>
+          <a:custGeom>
+            <a:avLst/>
+            <a:gdLst>
+              <a:gd name="connsiteX0" fmla="*/ 1905000 w 2222500"/>
+              <a:gd name="connsiteY0" fmla="*/ 635000 h 952500"/>
+              <a:gd name="connsiteX1" fmla="*/ 1825625 w 2222500"/>
+              <a:gd name="connsiteY1" fmla="*/ 555625 h 952500"/>
+              <a:gd name="connsiteX2" fmla="*/ 1905000 w 2222500"/>
+              <a:gd name="connsiteY2" fmla="*/ 476250 h 952500"/>
+              <a:gd name="connsiteX3" fmla="*/ 1984375 w 2222500"/>
+              <a:gd name="connsiteY3" fmla="*/ 555625 h 952500"/>
+              <a:gd name="connsiteX4" fmla="*/ 1905000 w 2222500"/>
+              <a:gd name="connsiteY4" fmla="*/ 635000 h 952500"/>
+              <a:gd name="connsiteX5" fmla="*/ 1111250 w 2222500"/>
+              <a:gd name="connsiteY5" fmla="*/ 317500 h 952500"/>
+              <a:gd name="connsiteX6" fmla="*/ 0 w 2222500"/>
+              <a:gd name="connsiteY6" fmla="*/ 0 h 952500"/>
+              <a:gd name="connsiteX7" fmla="*/ 0 w 2222500"/>
+              <a:gd name="connsiteY7" fmla="*/ 635000 h 952500"/>
+              <a:gd name="connsiteX8" fmla="*/ 1111250 w 2222500"/>
+              <a:gd name="connsiteY8" fmla="*/ 952500 h 952500"/>
+              <a:gd name="connsiteX9" fmla="*/ 2222500 w 2222500"/>
+              <a:gd name="connsiteY9" fmla="*/ 635000 h 952500"/>
+              <a:gd name="connsiteX10" fmla="*/ 2222500 w 2222500"/>
+              <a:gd name="connsiteY10" fmla="*/ 0 h 952500"/>
+              <a:gd name="connsiteX11" fmla="*/ 1111250 w 2222500"/>
+              <a:gd name="connsiteY11" fmla="*/ 317500 h 952500"/>
+            </a:gdLst>
+            <a:ahLst/>
+            <a:cxnLst>
+              <a:cxn ang="0">
+                <a:pos x="connsiteX0" y="connsiteY0"/>
+              </a:cxn>
+              <a:cxn ang="0">
+                <a:pos x="connsiteX1" y="connsiteY1"/>
+              </a:cxn>
+              <a:cxn ang="0">
+                <a:pos x="connsiteX2" y="connsiteY2"/>
+              </a:cxn>
+              <a:cxn ang="0">
+                <a:pos x="connsiteX3" y="connsiteY3"/>
+              </a:cxn>
+              <a:cxn ang="0">
+                <a:pos x="connsiteX4" y="connsiteY4"/>
+              </a:cxn>
+              <a:cxn ang="0">
+                <a:pos x="connsiteX5" y="connsiteY5"/>
+              </a:cxn>
+              <a:cxn ang="0">
+                <a:pos x="connsiteX6" y="connsiteY6"/>
+              </a:cxn>
+              <a:cxn ang="0">
+                <a:pos x="connsiteX7" y="connsiteY7"/>
+              </a:cxn>
+              <a:cxn ang="0">
+                <a:pos x="connsiteX8" y="connsiteY8"/>
+              </a:cxn>
+              <a:cxn ang="0">
+                <a:pos x="connsiteX9" y="connsiteY9"/>
+              </a:cxn>
+              <a:cxn ang="0">
+                <a:pos x="connsiteX10" y="connsiteY10"/>
+              </a:cxn>
+              <a:cxn ang="0">
+                <a:pos x="connsiteX11" y="connsiteY11"/>
+              </a:cxn>
+            </a:cxnLst>
+            <a:rect l="l" t="t" r="r" b="b"/>
+            <a:pathLst>
+              <a:path w="2222500" h="952500">
+                <a:moveTo>
+                  <a:pt x="1905000" y="635000"/>
+                </a:moveTo>
+                <a:cubicBezTo>
+                  <a:pt x="1857375" y="635000"/>
+                  <a:pt x="1825625" y="603250"/>
+                  <a:pt x="1825625" y="555625"/>
+                </a:cubicBezTo>
+                <a:cubicBezTo>
+                  <a:pt x="1825625" y="508000"/>
+                  <a:pt x="1857375" y="476250"/>
+                  <a:pt x="1905000" y="476250"/>
+                </a:cubicBezTo>
+                <a:cubicBezTo>
+                  <a:pt x="1952625" y="476250"/>
+                  <a:pt x="1984375" y="508000"/>
+                  <a:pt x="1984375" y="555625"/>
+                </a:cubicBezTo>
+                <a:cubicBezTo>
+                  <a:pt x="1984375" y="603250"/>
+                  <a:pt x="1952625" y="635000"/>
+                  <a:pt x="1905000" y="635000"/>
+                </a:cubicBezTo>
+                <a:close/>
+                <a:moveTo>
+                  <a:pt x="1111250" y="317500"/>
+                </a:moveTo>
+                <a:cubicBezTo>
+                  <a:pt x="500062" y="317500"/>
+                  <a:pt x="0" y="174625"/>
+                  <a:pt x="0" y="0"/>
+                </a:cubicBezTo>
+                <a:lnTo>
+                  <a:pt x="0" y="635000"/>
+                </a:lnTo>
+                <a:cubicBezTo>
+                  <a:pt x="0" y="809625"/>
+                  <a:pt x="500062" y="952500"/>
+                  <a:pt x="1111250" y="952500"/>
+                </a:cubicBezTo>
+                <a:cubicBezTo>
+                  <a:pt x="1722438" y="952500"/>
+                  <a:pt x="2222500" y="809625"/>
+                  <a:pt x="2222500" y="635000"/>
+                </a:cubicBezTo>
+                <a:lnTo>
+                  <a:pt x="2222500" y="0"/>
+                </a:lnTo>
+                <a:cubicBezTo>
+                  <a:pt x="2222500" y="174625"/>
+                  <a:pt x="1722438" y="317500"/>
+                  <a:pt x="1111250" y="317500"/>
+                </a:cubicBezTo>
+                <a:close/>
+              </a:path>
+            </a:pathLst>
+          </a:custGeom>
+          <a:solidFill>
+            <a:schemeClr val="accent1"/>
+          </a:solidFill>
+          <a:ln w="39688" cap="flat">
+            <a:noFill/>
+            <a:prstDash val="solid"/>
+            <a:miter/>
+          </a:ln>
+        </p:spPr>
+        <p:txBody>
+          <a:bodyPr rtlCol="0" anchor="ctr"/>
+          <a:lstStyle/>
+          <a:p>
+            <a:endParaRPr lang="en-US"/>
+          </a:p>
+        </p:txBody>
+      </p:sp>
+      <p:sp>
+        <p:nvSpPr>
+          <p:cNvPr id="20" name="Freeform 19">
+            <a:extLst>
+              <a:ext uri="{FF2B5EF4-FFF2-40B4-BE49-F238E27FC236}">
+                <a16:creationId xmlns:a16="http://schemas.microsoft.com/office/drawing/2014/main" id="{A87CD2D0-D3AC-954D-9CA1-038B44761AA5}"/>
+              </a:ext>
+            </a:extLst>
+          </p:cNvPr>
+          <p:cNvSpPr/>
+          <p:nvPr/>
+        </p:nvSpPr>
+        <p:spPr>
+          <a:xfrm>
+            <a:off x="3679370" y="4868185"/>
+            <a:ext cx="686707" cy="280761"/>
+          </a:xfrm>
+          <a:custGeom>
+            <a:avLst/>
+            <a:gdLst>
+              <a:gd name="connsiteX0" fmla="*/ 1905000 w 2222500"/>
+              <a:gd name="connsiteY0" fmla="*/ 635000 h 952500"/>
+              <a:gd name="connsiteX1" fmla="*/ 1825625 w 2222500"/>
+              <a:gd name="connsiteY1" fmla="*/ 555625 h 952500"/>
+              <a:gd name="connsiteX2" fmla="*/ 1905000 w 2222500"/>
+              <a:gd name="connsiteY2" fmla="*/ 476250 h 952500"/>
+              <a:gd name="connsiteX3" fmla="*/ 1984375 w 2222500"/>
+              <a:gd name="connsiteY3" fmla="*/ 555625 h 952500"/>
+              <a:gd name="connsiteX4" fmla="*/ 1905000 w 2222500"/>
+              <a:gd name="connsiteY4" fmla="*/ 635000 h 952500"/>
+              <a:gd name="connsiteX5" fmla="*/ 1111250 w 2222500"/>
+              <a:gd name="connsiteY5" fmla="*/ 317500 h 952500"/>
+              <a:gd name="connsiteX6" fmla="*/ 0 w 2222500"/>
+              <a:gd name="connsiteY6" fmla="*/ 0 h 952500"/>
+              <a:gd name="connsiteX7" fmla="*/ 0 w 2222500"/>
+              <a:gd name="connsiteY7" fmla="*/ 635000 h 952500"/>
+              <a:gd name="connsiteX8" fmla="*/ 1111250 w 2222500"/>
+              <a:gd name="connsiteY8" fmla="*/ 952500 h 952500"/>
+              <a:gd name="connsiteX9" fmla="*/ 2222500 w 2222500"/>
+              <a:gd name="connsiteY9" fmla="*/ 635000 h 952500"/>
+              <a:gd name="connsiteX10" fmla="*/ 2222500 w 2222500"/>
+              <a:gd name="connsiteY10" fmla="*/ 0 h 952500"/>
+              <a:gd name="connsiteX11" fmla="*/ 1111250 w 2222500"/>
+              <a:gd name="connsiteY11" fmla="*/ 317500 h 952500"/>
+            </a:gdLst>
+            <a:ahLst/>
+            <a:cxnLst>
+              <a:cxn ang="0">
+                <a:pos x="connsiteX0" y="connsiteY0"/>
+              </a:cxn>
+              <a:cxn ang="0">
+                <a:pos x="connsiteX1" y="connsiteY1"/>
+              </a:cxn>
+              <a:cxn ang="0">
+                <a:pos x="connsiteX2" y="connsiteY2"/>
+              </a:cxn>
+              <a:cxn ang="0">
+                <a:pos x="connsiteX3" y="connsiteY3"/>
+              </a:cxn>
+              <a:cxn ang="0">
+                <a:pos x="connsiteX4" y="connsiteY4"/>
+              </a:cxn>
+              <a:cxn ang="0">
+                <a:pos x="connsiteX5" y="connsiteY5"/>
+              </a:cxn>
+              <a:cxn ang="0">
+                <a:pos x="connsiteX6" y="connsiteY6"/>
+              </a:cxn>
+              <a:cxn ang="0">
+                <a:pos x="connsiteX7" y="connsiteY7"/>
+              </a:cxn>
+              <a:cxn ang="0">
+                <a:pos x="connsiteX8" y="connsiteY8"/>
+              </a:cxn>
+              <a:cxn ang="0">
+                <a:pos x="connsiteX9" y="connsiteY9"/>
+              </a:cxn>
+              <a:cxn ang="0">
+                <a:pos x="connsiteX10" y="connsiteY10"/>
+              </a:cxn>
+              <a:cxn ang="0">
+                <a:pos x="connsiteX11" y="connsiteY11"/>
+              </a:cxn>
+            </a:cxnLst>
+            <a:rect l="l" t="t" r="r" b="b"/>
+            <a:pathLst>
+              <a:path w="2222500" h="952500">
+                <a:moveTo>
+                  <a:pt x="1905000" y="635000"/>
+                </a:moveTo>
+                <a:cubicBezTo>
+                  <a:pt x="1857375" y="635000"/>
+                  <a:pt x="1825625" y="603250"/>
+                  <a:pt x="1825625" y="555625"/>
+                </a:cubicBezTo>
+                <a:cubicBezTo>
+                  <a:pt x="1825625" y="508000"/>
+                  <a:pt x="1857375" y="476250"/>
+                  <a:pt x="1905000" y="476250"/>
+                </a:cubicBezTo>
+                <a:cubicBezTo>
+                  <a:pt x="1952625" y="476250"/>
+                  <a:pt x="1984375" y="508000"/>
+                  <a:pt x="1984375" y="555625"/>
+                </a:cubicBezTo>
+                <a:cubicBezTo>
+                  <a:pt x="1984375" y="603250"/>
+                  <a:pt x="1952625" y="635000"/>
+                  <a:pt x="1905000" y="635000"/>
+                </a:cubicBezTo>
+                <a:close/>
+                <a:moveTo>
+                  <a:pt x="1111250" y="317500"/>
+                </a:moveTo>
+                <a:cubicBezTo>
+                  <a:pt x="500062" y="317500"/>
+                  <a:pt x="0" y="174625"/>
+                  <a:pt x="0" y="0"/>
+                </a:cubicBezTo>
+                <a:lnTo>
+                  <a:pt x="0" y="635000"/>
+                </a:lnTo>
+                <a:cubicBezTo>
+                  <a:pt x="0" y="809625"/>
+                  <a:pt x="500062" y="952500"/>
+                  <a:pt x="1111250" y="952500"/>
+                </a:cubicBezTo>
+                <a:cubicBezTo>
+                  <a:pt x="1722438" y="952500"/>
+                  <a:pt x="2222500" y="809625"/>
+                  <a:pt x="2222500" y="635000"/>
+                </a:cubicBezTo>
+                <a:lnTo>
+                  <a:pt x="2222500" y="0"/>
+                </a:lnTo>
+                <a:cubicBezTo>
+                  <a:pt x="2222500" y="174625"/>
+                  <a:pt x="1722438" y="317500"/>
+                  <a:pt x="1111250" y="317500"/>
+                </a:cubicBezTo>
+                <a:close/>
+              </a:path>
+            </a:pathLst>
+          </a:custGeom>
+          <a:solidFill>
+            <a:srgbClr val="000000"/>
+          </a:solidFill>
+          <a:ln w="39688" cap="flat">
+            <a:noFill/>
+            <a:prstDash val="solid"/>
+            <a:miter/>
+          </a:ln>
+        </p:spPr>
+        <p:txBody>
+          <a:bodyPr rtlCol="0" anchor="ctr"/>
+          <a:lstStyle/>
+          <a:p>
+            <a:endParaRPr lang="en-US"/>
+          </a:p>
+        </p:txBody>
+      </p:sp>
+      <p:sp>
+        <p:nvSpPr>
+          <p:cNvPr id="21" name="Freeform 20">
+            <a:extLst>
+              <a:ext uri="{FF2B5EF4-FFF2-40B4-BE49-F238E27FC236}">
+                <a16:creationId xmlns:a16="http://schemas.microsoft.com/office/drawing/2014/main" id="{D2CEED91-7D48-1C48-B697-49B124B255F5}"/>
+              </a:ext>
+            </a:extLst>
+          </p:cNvPr>
+          <p:cNvSpPr/>
+          <p:nvPr/>
+        </p:nvSpPr>
+        <p:spPr>
+          <a:xfrm>
+            <a:off x="5638799" y="5042358"/>
+            <a:ext cx="686707" cy="283464"/>
+          </a:xfrm>
+          <a:custGeom>
+            <a:avLst/>
+            <a:gdLst>
+              <a:gd name="connsiteX0" fmla="*/ 1905000 w 2222500"/>
+              <a:gd name="connsiteY0" fmla="*/ 635000 h 952500"/>
+              <a:gd name="connsiteX1" fmla="*/ 1825625 w 2222500"/>
+              <a:gd name="connsiteY1" fmla="*/ 555625 h 952500"/>
+              <a:gd name="connsiteX2" fmla="*/ 1905000 w 2222500"/>
+              <a:gd name="connsiteY2" fmla="*/ 476250 h 952500"/>
+              <a:gd name="connsiteX3" fmla="*/ 1984375 w 2222500"/>
+              <a:gd name="connsiteY3" fmla="*/ 555625 h 952500"/>
+              <a:gd name="connsiteX4" fmla="*/ 1905000 w 2222500"/>
+              <a:gd name="connsiteY4" fmla="*/ 635000 h 952500"/>
+              <a:gd name="connsiteX5" fmla="*/ 1111250 w 2222500"/>
+              <a:gd name="connsiteY5" fmla="*/ 317500 h 952500"/>
+              <a:gd name="connsiteX6" fmla="*/ 0 w 2222500"/>
+              <a:gd name="connsiteY6" fmla="*/ 0 h 952500"/>
+              <a:gd name="connsiteX7" fmla="*/ 0 w 2222500"/>
+              <a:gd name="connsiteY7" fmla="*/ 635000 h 952500"/>
+              <a:gd name="connsiteX8" fmla="*/ 1111250 w 2222500"/>
+              <a:gd name="connsiteY8" fmla="*/ 952500 h 952500"/>
+              <a:gd name="connsiteX9" fmla="*/ 2222500 w 2222500"/>
+              <a:gd name="connsiteY9" fmla="*/ 635000 h 952500"/>
+              <a:gd name="connsiteX10" fmla="*/ 2222500 w 2222500"/>
+              <a:gd name="connsiteY10" fmla="*/ 0 h 952500"/>
+              <a:gd name="connsiteX11" fmla="*/ 1111250 w 2222500"/>
+              <a:gd name="connsiteY11" fmla="*/ 317500 h 952500"/>
+            </a:gdLst>
+            <a:ahLst/>
+            <a:cxnLst>
+              <a:cxn ang="0">
+                <a:pos x="connsiteX0" y="connsiteY0"/>
+              </a:cxn>
+              <a:cxn ang="0">
+                <a:pos x="connsiteX1" y="connsiteY1"/>
+              </a:cxn>
+              <a:cxn ang="0">
+                <a:pos x="connsiteX2" y="connsiteY2"/>
+              </a:cxn>
+              <a:cxn ang="0">
+                <a:pos x="connsiteX3" y="connsiteY3"/>
+              </a:cxn>
+              <a:cxn ang="0">
+                <a:pos x="connsiteX4" y="connsiteY4"/>
+              </a:cxn>
+              <a:cxn ang="0">
+                <a:pos x="connsiteX5" y="connsiteY5"/>
+              </a:cxn>
+              <a:cxn ang="0">
+                <a:pos x="connsiteX6" y="connsiteY6"/>
+              </a:cxn>
+              <a:cxn ang="0">
+                <a:pos x="connsiteX7" y="connsiteY7"/>
+              </a:cxn>
+              <a:cxn ang="0">
+                <a:pos x="connsiteX8" y="connsiteY8"/>
+              </a:cxn>
+              <a:cxn ang="0">
+                <a:pos x="connsiteX9" y="connsiteY9"/>
+              </a:cxn>
+              <a:cxn ang="0">
+                <a:pos x="connsiteX10" y="connsiteY10"/>
+              </a:cxn>
+              <a:cxn ang="0">
+                <a:pos x="connsiteX11" y="connsiteY11"/>
+              </a:cxn>
+            </a:cxnLst>
+            <a:rect l="l" t="t" r="r" b="b"/>
+            <a:pathLst>
+              <a:path w="2222500" h="952500">
+                <a:moveTo>
+                  <a:pt x="1905000" y="635000"/>
+                </a:moveTo>
+                <a:cubicBezTo>
+                  <a:pt x="1857375" y="635000"/>
+                  <a:pt x="1825625" y="603250"/>
+                  <a:pt x="1825625" y="555625"/>
+                </a:cubicBezTo>
+                <a:cubicBezTo>
+                  <a:pt x="1825625" y="508000"/>
+                  <a:pt x="1857375" y="476250"/>
+                  <a:pt x="1905000" y="476250"/>
+                </a:cubicBezTo>
+                <a:cubicBezTo>
+                  <a:pt x="1952625" y="476250"/>
+                  <a:pt x="1984375" y="508000"/>
+                  <a:pt x="1984375" y="555625"/>
+                </a:cubicBezTo>
+                <a:cubicBezTo>
+                  <a:pt x="1984375" y="603250"/>
+                  <a:pt x="1952625" y="635000"/>
+                  <a:pt x="1905000" y="635000"/>
+                </a:cubicBezTo>
+                <a:close/>
+                <a:moveTo>
+                  <a:pt x="1111250" y="317500"/>
+                </a:moveTo>
+                <a:cubicBezTo>
+                  <a:pt x="500062" y="317500"/>
+                  <a:pt x="0" y="174625"/>
+                  <a:pt x="0" y="0"/>
+                </a:cubicBezTo>
+                <a:lnTo>
+                  <a:pt x="0" y="635000"/>
+                </a:lnTo>
+                <a:cubicBezTo>
+                  <a:pt x="0" y="809625"/>
+                  <a:pt x="500062" y="952500"/>
+                  <a:pt x="1111250" y="952500"/>
+                </a:cubicBezTo>
+                <a:cubicBezTo>
+                  <a:pt x="1722438" y="952500"/>
+                  <a:pt x="2222500" y="809625"/>
+                  <a:pt x="2222500" y="635000"/>
+                </a:cubicBezTo>
+                <a:lnTo>
+                  <a:pt x="2222500" y="0"/>
+                </a:lnTo>
+                <a:cubicBezTo>
+                  <a:pt x="2222500" y="174625"/>
+                  <a:pt x="1722438" y="317500"/>
+                  <a:pt x="1111250" y="317500"/>
+                </a:cubicBezTo>
+                <a:close/>
+              </a:path>
+            </a:pathLst>
+          </a:custGeom>
+          <a:solidFill>
+            <a:schemeClr val="accent1"/>
+          </a:solidFill>
+          <a:ln w="39688" cap="flat">
+            <a:noFill/>
+            <a:prstDash val="solid"/>
+            <a:miter/>
+          </a:ln>
+        </p:spPr>
+        <p:txBody>
+          <a:bodyPr rtlCol="0" anchor="ctr"/>
+          <a:lstStyle/>
+          <a:p>
+            <a:endParaRPr lang="en-US" dirty="0"/>
+          </a:p>
+        </p:txBody>
+      </p:sp>
+      <p:sp>
+        <p:nvSpPr>
+          <p:cNvPr id="22" name="Freeform 21">
+            <a:extLst>
+              <a:ext uri="{FF2B5EF4-FFF2-40B4-BE49-F238E27FC236}">
+                <a16:creationId xmlns:a16="http://schemas.microsoft.com/office/drawing/2014/main" id="{B2EDBFB7-0C2A-FC4A-A0F5-97BCBCAEE406}"/>
+              </a:ext>
+            </a:extLst>
+          </p:cNvPr>
+          <p:cNvSpPr/>
+          <p:nvPr/>
+        </p:nvSpPr>
+        <p:spPr>
+          <a:xfrm>
+            <a:off x="5649685" y="4715785"/>
+            <a:ext cx="686707" cy="280761"/>
+          </a:xfrm>
+          <a:custGeom>
+            <a:avLst/>
+            <a:gdLst>
+              <a:gd name="connsiteX0" fmla="*/ 1905000 w 2222500"/>
+              <a:gd name="connsiteY0" fmla="*/ 635000 h 952500"/>
+              <a:gd name="connsiteX1" fmla="*/ 1825625 w 2222500"/>
+              <a:gd name="connsiteY1" fmla="*/ 555625 h 952500"/>
+              <a:gd name="connsiteX2" fmla="*/ 1905000 w 2222500"/>
+              <a:gd name="connsiteY2" fmla="*/ 476250 h 952500"/>
+              <a:gd name="connsiteX3" fmla="*/ 1984375 w 2222500"/>
+              <a:gd name="connsiteY3" fmla="*/ 555625 h 952500"/>
+              <a:gd name="connsiteX4" fmla="*/ 1905000 w 2222500"/>
+              <a:gd name="connsiteY4" fmla="*/ 635000 h 952500"/>
+              <a:gd name="connsiteX5" fmla="*/ 1111250 w 2222500"/>
+              <a:gd name="connsiteY5" fmla="*/ 317500 h 952500"/>
+              <a:gd name="connsiteX6" fmla="*/ 0 w 2222500"/>
+              <a:gd name="connsiteY6" fmla="*/ 0 h 952500"/>
+              <a:gd name="connsiteX7" fmla="*/ 0 w 2222500"/>
+              <a:gd name="connsiteY7" fmla="*/ 635000 h 952500"/>
+              <a:gd name="connsiteX8" fmla="*/ 1111250 w 2222500"/>
+              <a:gd name="connsiteY8" fmla="*/ 952500 h 952500"/>
+              <a:gd name="connsiteX9" fmla="*/ 2222500 w 2222500"/>
+              <a:gd name="connsiteY9" fmla="*/ 635000 h 952500"/>
+              <a:gd name="connsiteX10" fmla="*/ 2222500 w 2222500"/>
+              <a:gd name="connsiteY10" fmla="*/ 0 h 952500"/>
+              <a:gd name="connsiteX11" fmla="*/ 1111250 w 2222500"/>
+              <a:gd name="connsiteY11" fmla="*/ 317500 h 952500"/>
+            </a:gdLst>
+            <a:ahLst/>
+            <a:cxnLst>
+              <a:cxn ang="0">
+                <a:pos x="connsiteX0" y="connsiteY0"/>
+              </a:cxn>
+              <a:cxn ang="0">
+                <a:pos x="connsiteX1" y="connsiteY1"/>
+              </a:cxn>
+              <a:cxn ang="0">
+                <a:pos x="connsiteX2" y="connsiteY2"/>
+              </a:cxn>
+              <a:cxn ang="0">
+                <a:pos x="connsiteX3" y="connsiteY3"/>
+              </a:cxn>
+              <a:cxn ang="0">
+                <a:pos x="connsiteX4" y="connsiteY4"/>
+              </a:cxn>
+              <a:cxn ang="0">
+                <a:pos x="connsiteX5" y="connsiteY5"/>
+              </a:cxn>
+              <a:cxn ang="0">
+                <a:pos x="connsiteX6" y="connsiteY6"/>
+              </a:cxn>
+              <a:cxn ang="0">
+                <a:pos x="connsiteX7" y="connsiteY7"/>
+              </a:cxn>
+              <a:cxn ang="0">
+                <a:pos x="connsiteX8" y="connsiteY8"/>
+              </a:cxn>
+              <a:cxn ang="0">
+                <a:pos x="connsiteX9" y="connsiteY9"/>
+              </a:cxn>
+              <a:cxn ang="0">
+                <a:pos x="connsiteX10" y="connsiteY10"/>
+              </a:cxn>
+              <a:cxn ang="0">
+                <a:pos x="connsiteX11" y="connsiteY11"/>
+              </a:cxn>
+            </a:cxnLst>
+            <a:rect l="l" t="t" r="r" b="b"/>
+            <a:pathLst>
+              <a:path w="2222500" h="952500">
+                <a:moveTo>
+                  <a:pt x="1905000" y="635000"/>
+                </a:moveTo>
+                <a:cubicBezTo>
+                  <a:pt x="1857375" y="635000"/>
+                  <a:pt x="1825625" y="603250"/>
+                  <a:pt x="1825625" y="555625"/>
+                </a:cubicBezTo>
+                <a:cubicBezTo>
+                  <a:pt x="1825625" y="508000"/>
+                  <a:pt x="1857375" y="476250"/>
+                  <a:pt x="1905000" y="476250"/>
+                </a:cubicBezTo>
+                <a:cubicBezTo>
+                  <a:pt x="1952625" y="476250"/>
+                  <a:pt x="1984375" y="508000"/>
+                  <a:pt x="1984375" y="555625"/>
+                </a:cubicBezTo>
+                <a:cubicBezTo>
+                  <a:pt x="1984375" y="603250"/>
+                  <a:pt x="1952625" y="635000"/>
+                  <a:pt x="1905000" y="635000"/>
+                </a:cubicBezTo>
+                <a:close/>
+                <a:moveTo>
+                  <a:pt x="1111250" y="317500"/>
+                </a:moveTo>
+                <a:cubicBezTo>
+                  <a:pt x="500062" y="317500"/>
+                  <a:pt x="0" y="174625"/>
+                  <a:pt x="0" y="0"/>
+                </a:cubicBezTo>
+                <a:lnTo>
+                  <a:pt x="0" y="635000"/>
+                </a:lnTo>
+                <a:cubicBezTo>
+                  <a:pt x="0" y="809625"/>
+                  <a:pt x="500062" y="952500"/>
+                  <a:pt x="1111250" y="952500"/>
+                </a:cubicBezTo>
+                <a:cubicBezTo>
+                  <a:pt x="1722438" y="952500"/>
+                  <a:pt x="2222500" y="809625"/>
+                  <a:pt x="2222500" y="635000"/>
+                </a:cubicBezTo>
+                <a:lnTo>
+                  <a:pt x="2222500" y="0"/>
+                </a:lnTo>
+                <a:cubicBezTo>
+                  <a:pt x="2222500" y="174625"/>
+                  <a:pt x="1722438" y="317500"/>
+                  <a:pt x="1111250" y="317500"/>
+                </a:cubicBezTo>
+                <a:close/>
+              </a:path>
+            </a:pathLst>
+          </a:custGeom>
+          <a:solidFill>
+            <a:schemeClr val="accent2"/>
+          </a:solidFill>
+          <a:ln w="39688" cap="flat">
+            <a:noFill/>
+            <a:prstDash val="solid"/>
+            <a:miter/>
+          </a:ln>
+        </p:spPr>
+        <p:txBody>
+          <a:bodyPr rtlCol="0" anchor="ctr"/>
+          <a:lstStyle/>
+          <a:p>
+            <a:endParaRPr lang="en-US" dirty="0"/>
+          </a:p>
+        </p:txBody>
+      </p:sp>
+      <p:sp>
+        <p:nvSpPr>
+          <p:cNvPr id="23" name="Rectangle 22">
+            <a:extLst>
+              <a:ext uri="{FF2B5EF4-FFF2-40B4-BE49-F238E27FC236}">
+                <a16:creationId xmlns:a16="http://schemas.microsoft.com/office/drawing/2014/main" id="{9C2C7002-BA06-0648-97F7-43EE8559371C}"/>
+              </a:ext>
+            </a:extLst>
+          </p:cNvPr>
+          <p:cNvSpPr/>
+          <p:nvPr/>
+        </p:nvSpPr>
+        <p:spPr>
+          <a:xfrm>
+            <a:off x="5943600" y="4735290"/>
+            <a:ext cx="413657" cy="315684"/>
+          </a:xfrm>
+          <a:prstGeom prst="rect">
+            <a:avLst/>
+          </a:prstGeom>
+          <a:solidFill>
+            <a:schemeClr val="bg1"/>
+          </a:solidFill>
+          <a:ln>
+            <a:noFill/>
+          </a:ln>
+        </p:spPr>
+        <p:style>
+          <a:lnRef idx="2">
+            <a:schemeClr val="accent1">
+              <a:shade val="50000"/>
+            </a:schemeClr>
+          </a:lnRef>
+          <a:fillRef idx="1">
+            <a:schemeClr val="accent1"/>
+          </a:fillRef>
+          <a:effectRef idx="0">
+            <a:schemeClr val="accent1"/>
+          </a:effectRef>
+          <a:fontRef idx="minor">
+            <a:schemeClr val="lt1"/>
+          </a:fontRef>
+        </p:style>
+        <p:txBody>
+          <a:bodyPr rtlCol="0" anchor="ctr"/>
+          <a:lstStyle/>
+          <a:p>
+            <a:pPr algn="ctr"/>
+            <a:endParaRPr lang="en-US"/>
+          </a:p>
+        </p:txBody>
+      </p:sp>
+      <p:sp>
+        <p:nvSpPr>
+          <p:cNvPr id="24" name="Rectangle 23">
+            <a:extLst>
+              <a:ext uri="{FF2B5EF4-FFF2-40B4-BE49-F238E27FC236}">
+                <a16:creationId xmlns:a16="http://schemas.microsoft.com/office/drawing/2014/main" id="{3BB64F5C-7CB2-304C-9680-7566198A5BC4}"/>
+              </a:ext>
+            </a:extLst>
+          </p:cNvPr>
+          <p:cNvSpPr/>
+          <p:nvPr/>
+        </p:nvSpPr>
+        <p:spPr>
+          <a:xfrm>
+            <a:off x="5584371" y="5072747"/>
+            <a:ext cx="413657" cy="250372"/>
+          </a:xfrm>
+          <a:prstGeom prst="rect">
+            <a:avLst/>
+          </a:prstGeom>
+          <a:solidFill>
+            <a:schemeClr val="bg1"/>
+          </a:solidFill>
+          <a:ln>
+            <a:noFill/>
+          </a:ln>
+        </p:spPr>
+        <p:style>
+          <a:lnRef idx="2">
+            <a:schemeClr val="accent1">
+              <a:shade val="50000"/>
+            </a:schemeClr>
+          </a:lnRef>
+          <a:fillRef idx="1">
+            <a:schemeClr val="accent1"/>
+          </a:fillRef>
+          <a:effectRef idx="0">
+            <a:schemeClr val="accent1"/>
+          </a:effectRef>
+          <a:fontRef idx="minor">
+            <a:schemeClr val="lt1"/>
+          </a:fontRef>
+        </p:style>
+        <p:txBody>
+          <a:bodyPr rtlCol="0" anchor="ctr"/>
+          <a:lstStyle/>
+          <a:p>
+            <a:pPr algn="ctr"/>
+            <a:endParaRPr lang="en-US"/>
+          </a:p>
+        </p:txBody>
+      </p:sp>
+      <p:sp>
+        <p:nvSpPr>
+          <p:cNvPr id="25" name="TextBox 24">
+            <a:extLst>
+              <a:ext uri="{FF2B5EF4-FFF2-40B4-BE49-F238E27FC236}">
+                <a16:creationId xmlns:a16="http://schemas.microsoft.com/office/drawing/2014/main" id="{E49E171A-36E2-8C4B-81D0-F6C473C6F816}"/>
+              </a:ext>
+            </a:extLst>
+          </p:cNvPr>
+          <p:cNvSpPr txBox="1"/>
+          <p:nvPr/>
+        </p:nvSpPr>
+        <p:spPr>
+          <a:xfrm>
+            <a:off x="3722914" y="1360715"/>
+            <a:ext cx="2515047" cy="369332"/>
+          </a:xfrm>
+          <a:prstGeom prst="rect">
+            <a:avLst/>
+          </a:prstGeom>
+          <a:noFill/>
+        </p:spPr>
+        <p:txBody>
+          <a:bodyPr wrap="none" rtlCol="0">
+            <a:spAutoFit/>
+          </a:bodyPr>
+          <a:lstStyle/>
+          <a:p>
+            <a:r>
+              <a:rPr lang="en-US" dirty="0"/>
+              <a:t>How many bags?  </a:t>
+            </a:r>
+            <a:r>
+              <a:rPr lang="en-US" dirty="0" err="1">
+                <a:highlight>
+                  <a:srgbClr val="C0C0C0"/>
+                </a:highlight>
+                <a:latin typeface="Consolas" panose="020B0609020204030204" pitchFamily="49" charset="0"/>
+                <a:cs typeface="Consolas" panose="020B0609020204030204" pitchFamily="49" charset="0"/>
+              </a:rPr>
+              <a:t>ntree</a:t>
+            </a:r>
+            <a:endParaRPr lang="en-US" dirty="0">
+              <a:highlight>
+                <a:srgbClr val="C0C0C0"/>
+              </a:highlight>
+              <a:latin typeface="Consolas" panose="020B0609020204030204" pitchFamily="49" charset="0"/>
+              <a:cs typeface="Consolas" panose="020B0609020204030204" pitchFamily="49" charset="0"/>
             </a:endParaRPr>
-          </a:p>
-          <a:p>
-            <a:r>
-              <a:rPr lang="en-US" altLang="en-US" dirty="0">
-                <a:solidFill>
-                  <a:schemeClr val="accent6"/>
-                </a:solidFill>
-              </a:rPr>
-              <a:t>Since it has many weak learners, overfitting is less of a concern. Some trees will get the unlikely outlier value while most won’t.</a:t>
-            </a:r>
-          </a:p>
-          <a:p>
-            <a:r>
-              <a:rPr lang="en-US" altLang="en-US" dirty="0">
-                <a:solidFill>
-                  <a:schemeClr val="accent6"/>
-                </a:solidFill>
-              </a:rPr>
-              <a:t>Since its fitting many hundreds of trees, it takes some time to train a model.</a:t>
-            </a:r>
           </a:p>
         </p:txBody>
       </p:sp>
     </p:spTree>
     <p:extLst>
       <p:ext uri="{BB962C8B-B14F-4D97-AF65-F5344CB8AC3E}">
-        <p14:creationId xmlns:p14="http://schemas.microsoft.com/office/powerpoint/2010/main" val="4211287906"/>
+        <p14:creationId xmlns:p14="http://schemas.microsoft.com/office/powerpoint/2010/main" val="1746778825"/>
       </p:ext>
     </p:extLst>
   </p:cSld>
@@ -14171,7 +16134,7 @@
           <p:cNvPr id="2" name="Date Placeholder 1">
             <a:extLst>
               <a:ext uri="{FF2B5EF4-FFF2-40B4-BE49-F238E27FC236}">
-                <a16:creationId xmlns:a16="http://schemas.microsoft.com/office/drawing/2014/main" id="{76270C36-2595-4254-A8D7-F03203F5D96D}"/>
+                <a16:creationId xmlns:a16="http://schemas.microsoft.com/office/drawing/2014/main" id="{59DFD399-7AB4-FA40-9005-8A97688FCF0B}"/>
               </a:ext>
             </a:extLst>
           </p:cNvPr>
@@ -14189,7 +16152,7 @@
           <a:p>
             <a:fld id="{6700A58B-DD98-43D0-B791-721480A02982}" type="datetime1">
               <a:rPr lang="en-US" smtClean="0"/>
-              <a:t>3/22/21</a:t>
+              <a:t>3/21/22</a:t>
             </a:fld>
             <a:endParaRPr lang="en-US"/>
           </a:p>
@@ -14200,7 +16163,7 @@
           <p:cNvPr id="3" name="Title 2">
             <a:extLst>
               <a:ext uri="{FF2B5EF4-FFF2-40B4-BE49-F238E27FC236}">
-                <a16:creationId xmlns:a16="http://schemas.microsoft.com/office/drawing/2014/main" id="{AB3C724D-5CD4-4EAD-9D59-CCD8C6E6AABE}"/>
+                <a16:creationId xmlns:a16="http://schemas.microsoft.com/office/drawing/2014/main" id="{EBD5C2A2-66D8-5F4D-BA8F-A8DB9E5B1DB0}"/>
               </a:ext>
             </a:extLst>
           </p:cNvPr>
@@ -14218,15 +16181,7 @@
           <a:p>
             <a:r>
               <a:rPr lang="en-US" dirty="0"/>
-              <a:t>Open Bank Loans </a:t>
-            </a:r>
-            <a:r>
-              <a:rPr lang="en-US" dirty="0" err="1"/>
-              <a:t>RandomForest</a:t>
-            </a:r>
-            <a:r>
-              <a:rPr lang="en-US" dirty="0"/>
-              <a:t> REVISED.R</a:t>
+              <a:t>Bootstrapping &gt; A tree is grown</a:t>
             </a:r>
           </a:p>
         </p:txBody>
@@ -14236,7 +16191,7 @@
           <p:cNvPr id="4" name="Slide Number Placeholder 3">
             <a:extLst>
               <a:ext uri="{FF2B5EF4-FFF2-40B4-BE49-F238E27FC236}">
-                <a16:creationId xmlns:a16="http://schemas.microsoft.com/office/drawing/2014/main" id="{ADE2B0B0-0996-460F-BFC8-9E8ED6743A1D}"/>
+                <a16:creationId xmlns:a16="http://schemas.microsoft.com/office/drawing/2014/main" id="{B1620550-AFA4-FE47-BFA2-E632C498BC0F}"/>
               </a:ext>
             </a:extLst>
           </p:cNvPr>
@@ -14265,7 +16220,7 @@
           <p:cNvPr id="5" name="Footer Placeholder 4">
             <a:extLst>
               <a:ext uri="{FF2B5EF4-FFF2-40B4-BE49-F238E27FC236}">
-                <a16:creationId xmlns:a16="http://schemas.microsoft.com/office/drawing/2014/main" id="{690D06FC-7A8B-4EBC-9B1E-A2C9659E3A38}"/>
+                <a16:creationId xmlns:a16="http://schemas.microsoft.com/office/drawing/2014/main" id="{21FCA42E-D061-F64E-9D9B-5217E1EDFCF3}"/>
               </a:ext>
             </a:extLst>
           </p:cNvPr>
@@ -14282,8 +16237,1486 @@
           <a:lstStyle/>
           <a:p>
             <a:r>
+              <a:rPr lang="en-US"/>
+              <a:t>Kwartler CSCI-96</a:t>
+            </a:r>
+            <a:endParaRPr lang="en-US" dirty="0"/>
+          </a:p>
+        </p:txBody>
+      </p:sp>
+      <p:pic>
+        <p:nvPicPr>
+          <p:cNvPr id="7" name="Graphic 6" descr="Shopping bag with solid fill">
+            <a:extLst>
+              <a:ext uri="{FF2B5EF4-FFF2-40B4-BE49-F238E27FC236}">
+                <a16:creationId xmlns:a16="http://schemas.microsoft.com/office/drawing/2014/main" id="{350C2AB7-A423-B042-8B46-78DE3C5525D2}"/>
+              </a:ext>
+            </a:extLst>
+          </p:cNvPr>
+          <p:cNvPicPr>
+            <a:picLocks noChangeAspect="1"/>
+          </p:cNvPicPr>
+          <p:nvPr/>
+        </p:nvPicPr>
+        <p:blipFill>
+          <a:blip r:embed="rId2">
+            <a:extLst>
+              <a:ext uri="{28A0092B-C50C-407E-A947-70E740481C1C}">
+                <a14:useLocalDpi xmlns:a14="http://schemas.microsoft.com/office/drawing/2010/main" val="0"/>
+              </a:ext>
+              <a:ext uri="{96DAC541-7B7A-43D3-8B79-37D633B846F1}">
+                <asvg:svgBlip xmlns:asvg="http://schemas.microsoft.com/office/drawing/2016/SVG/main" r:embed="rId3"/>
+              </a:ext>
+            </a:extLst>
+          </a:blip>
+          <a:stretch>
+            <a:fillRect/>
+          </a:stretch>
+        </p:blipFill>
+        <p:spPr>
+          <a:xfrm>
+            <a:off x="1219200" y="1741714"/>
+            <a:ext cx="2993571" cy="2993571"/>
+          </a:xfrm>
+          <a:prstGeom prst="rect">
+            <a:avLst/>
+          </a:prstGeom>
+        </p:spPr>
+      </p:pic>
+      <p:grpSp>
+        <p:nvGrpSpPr>
+          <p:cNvPr id="13" name="Graphic 8" descr="Database with solid fill">
+            <a:extLst>
+              <a:ext uri="{FF2B5EF4-FFF2-40B4-BE49-F238E27FC236}">
+                <a16:creationId xmlns:a16="http://schemas.microsoft.com/office/drawing/2014/main" id="{3D1D843D-A9D5-6245-83C1-AC3EC09E7643}"/>
+              </a:ext>
+            </a:extLst>
+          </p:cNvPr>
+          <p:cNvGrpSpPr/>
+          <p:nvPr/>
+        </p:nvGrpSpPr>
+        <p:grpSpPr>
+          <a:xfrm>
+            <a:off x="227694" y="2849109"/>
+            <a:ext cx="854576" cy="1159782"/>
+            <a:chOff x="543379" y="2345418"/>
+            <a:chExt cx="2222500" cy="3016250"/>
+          </a:xfrm>
+          <a:solidFill>
+            <a:srgbClr val="000000"/>
+          </a:solidFill>
+        </p:grpSpPr>
+        <p:sp>
+          <p:nvSpPr>
+            <p:cNvPr id="14" name="Freeform 13">
+              <a:extLst>
+                <a:ext uri="{FF2B5EF4-FFF2-40B4-BE49-F238E27FC236}">
+                  <a16:creationId xmlns:a16="http://schemas.microsoft.com/office/drawing/2014/main" id="{B4DF44D1-F15D-674D-8FB9-D9FBAAE2AE3C}"/>
+                </a:ext>
+              </a:extLst>
+            </p:cNvPr>
+            <p:cNvSpPr/>
+            <p:nvPr/>
+          </p:nvSpPr>
+          <p:spPr>
+            <a:xfrm>
+              <a:off x="543379" y="2345418"/>
+              <a:ext cx="2222500" cy="635000"/>
+            </a:xfrm>
+            <a:custGeom>
+              <a:avLst/>
+              <a:gdLst>
+                <a:gd name="connsiteX0" fmla="*/ 2222500 w 2222500"/>
+                <a:gd name="connsiteY0" fmla="*/ 317500 h 635000"/>
+                <a:gd name="connsiteX1" fmla="*/ 1111250 w 2222500"/>
+                <a:gd name="connsiteY1" fmla="*/ 635000 h 635000"/>
+                <a:gd name="connsiteX2" fmla="*/ 0 w 2222500"/>
+                <a:gd name="connsiteY2" fmla="*/ 317500 h 635000"/>
+                <a:gd name="connsiteX3" fmla="*/ 1111250 w 2222500"/>
+                <a:gd name="connsiteY3" fmla="*/ 0 h 635000"/>
+                <a:gd name="connsiteX4" fmla="*/ 2222500 w 2222500"/>
+                <a:gd name="connsiteY4" fmla="*/ 317500 h 635000"/>
+              </a:gdLst>
+              <a:ahLst/>
+              <a:cxnLst>
+                <a:cxn ang="0">
+                  <a:pos x="connsiteX0" y="connsiteY0"/>
+                </a:cxn>
+                <a:cxn ang="0">
+                  <a:pos x="connsiteX1" y="connsiteY1"/>
+                </a:cxn>
+                <a:cxn ang="0">
+                  <a:pos x="connsiteX2" y="connsiteY2"/>
+                </a:cxn>
+                <a:cxn ang="0">
+                  <a:pos x="connsiteX3" y="connsiteY3"/>
+                </a:cxn>
+                <a:cxn ang="0">
+                  <a:pos x="connsiteX4" y="connsiteY4"/>
+                </a:cxn>
+              </a:cxnLst>
+              <a:rect l="l" t="t" r="r" b="b"/>
+              <a:pathLst>
+                <a:path w="2222500" h="635000">
+                  <a:moveTo>
+                    <a:pt x="2222500" y="317500"/>
+                  </a:moveTo>
+                  <a:cubicBezTo>
+                    <a:pt x="2222500" y="492850"/>
+                    <a:pt x="1724977" y="635000"/>
+                    <a:pt x="1111250" y="635000"/>
+                  </a:cubicBezTo>
+                  <a:cubicBezTo>
+                    <a:pt x="497524" y="635000"/>
+                    <a:pt x="0" y="492850"/>
+                    <a:pt x="0" y="317500"/>
+                  </a:cubicBezTo>
+                  <a:cubicBezTo>
+                    <a:pt x="0" y="142150"/>
+                    <a:pt x="497524" y="0"/>
+                    <a:pt x="1111250" y="0"/>
+                  </a:cubicBezTo>
+                  <a:cubicBezTo>
+                    <a:pt x="1724977" y="0"/>
+                    <a:pt x="2222500" y="142150"/>
+                    <a:pt x="2222500" y="317500"/>
+                  </a:cubicBezTo>
+                  <a:close/>
+                </a:path>
+              </a:pathLst>
+            </a:custGeom>
+            <a:solidFill>
+              <a:srgbClr val="000000"/>
+            </a:solidFill>
+            <a:ln w="39688" cap="flat">
+              <a:noFill/>
+              <a:prstDash val="solid"/>
+              <a:miter/>
+            </a:ln>
+          </p:spPr>
+          <p:txBody>
+            <a:bodyPr rtlCol="0" anchor="ctr"/>
+            <a:lstStyle/>
+            <a:p>
+              <a:endParaRPr lang="en-US"/>
+            </a:p>
+          </p:txBody>
+        </p:sp>
+        <p:sp>
+          <p:nvSpPr>
+            <p:cNvPr id="15" name="Freeform 14">
+              <a:extLst>
+                <a:ext uri="{FF2B5EF4-FFF2-40B4-BE49-F238E27FC236}">
+                  <a16:creationId xmlns:a16="http://schemas.microsoft.com/office/drawing/2014/main" id="{8FB49E5A-6036-454C-9D3D-A73BC799296D}"/>
+                </a:ext>
+              </a:extLst>
+            </p:cNvPr>
+            <p:cNvSpPr/>
+            <p:nvPr/>
+          </p:nvSpPr>
+          <p:spPr>
+            <a:xfrm>
+              <a:off x="543379" y="2821668"/>
+              <a:ext cx="2222500" cy="952500"/>
+            </a:xfrm>
+            <a:custGeom>
+              <a:avLst/>
+              <a:gdLst>
+                <a:gd name="connsiteX0" fmla="*/ 1905000 w 2222500"/>
+                <a:gd name="connsiteY0" fmla="*/ 635000 h 952500"/>
+                <a:gd name="connsiteX1" fmla="*/ 1825625 w 2222500"/>
+                <a:gd name="connsiteY1" fmla="*/ 555625 h 952500"/>
+                <a:gd name="connsiteX2" fmla="*/ 1905000 w 2222500"/>
+                <a:gd name="connsiteY2" fmla="*/ 476250 h 952500"/>
+                <a:gd name="connsiteX3" fmla="*/ 1984375 w 2222500"/>
+                <a:gd name="connsiteY3" fmla="*/ 555625 h 952500"/>
+                <a:gd name="connsiteX4" fmla="*/ 1905000 w 2222500"/>
+                <a:gd name="connsiteY4" fmla="*/ 635000 h 952500"/>
+                <a:gd name="connsiteX5" fmla="*/ 1111250 w 2222500"/>
+                <a:gd name="connsiteY5" fmla="*/ 317500 h 952500"/>
+                <a:gd name="connsiteX6" fmla="*/ 0 w 2222500"/>
+                <a:gd name="connsiteY6" fmla="*/ 0 h 952500"/>
+                <a:gd name="connsiteX7" fmla="*/ 0 w 2222500"/>
+                <a:gd name="connsiteY7" fmla="*/ 635000 h 952500"/>
+                <a:gd name="connsiteX8" fmla="*/ 1111250 w 2222500"/>
+                <a:gd name="connsiteY8" fmla="*/ 952500 h 952500"/>
+                <a:gd name="connsiteX9" fmla="*/ 2222500 w 2222500"/>
+                <a:gd name="connsiteY9" fmla="*/ 635000 h 952500"/>
+                <a:gd name="connsiteX10" fmla="*/ 2222500 w 2222500"/>
+                <a:gd name="connsiteY10" fmla="*/ 0 h 952500"/>
+                <a:gd name="connsiteX11" fmla="*/ 1111250 w 2222500"/>
+                <a:gd name="connsiteY11" fmla="*/ 317500 h 952500"/>
+              </a:gdLst>
+              <a:ahLst/>
+              <a:cxnLst>
+                <a:cxn ang="0">
+                  <a:pos x="connsiteX0" y="connsiteY0"/>
+                </a:cxn>
+                <a:cxn ang="0">
+                  <a:pos x="connsiteX1" y="connsiteY1"/>
+                </a:cxn>
+                <a:cxn ang="0">
+                  <a:pos x="connsiteX2" y="connsiteY2"/>
+                </a:cxn>
+                <a:cxn ang="0">
+                  <a:pos x="connsiteX3" y="connsiteY3"/>
+                </a:cxn>
+                <a:cxn ang="0">
+                  <a:pos x="connsiteX4" y="connsiteY4"/>
+                </a:cxn>
+                <a:cxn ang="0">
+                  <a:pos x="connsiteX5" y="connsiteY5"/>
+                </a:cxn>
+                <a:cxn ang="0">
+                  <a:pos x="connsiteX6" y="connsiteY6"/>
+                </a:cxn>
+                <a:cxn ang="0">
+                  <a:pos x="connsiteX7" y="connsiteY7"/>
+                </a:cxn>
+                <a:cxn ang="0">
+                  <a:pos x="connsiteX8" y="connsiteY8"/>
+                </a:cxn>
+                <a:cxn ang="0">
+                  <a:pos x="connsiteX9" y="connsiteY9"/>
+                </a:cxn>
+                <a:cxn ang="0">
+                  <a:pos x="connsiteX10" y="connsiteY10"/>
+                </a:cxn>
+                <a:cxn ang="0">
+                  <a:pos x="connsiteX11" y="connsiteY11"/>
+                </a:cxn>
+              </a:cxnLst>
+              <a:rect l="l" t="t" r="r" b="b"/>
+              <a:pathLst>
+                <a:path w="2222500" h="952500">
+                  <a:moveTo>
+                    <a:pt x="1905000" y="635000"/>
+                  </a:moveTo>
+                  <a:cubicBezTo>
+                    <a:pt x="1857375" y="635000"/>
+                    <a:pt x="1825625" y="603250"/>
+                    <a:pt x="1825625" y="555625"/>
+                  </a:cubicBezTo>
+                  <a:cubicBezTo>
+                    <a:pt x="1825625" y="508000"/>
+                    <a:pt x="1857375" y="476250"/>
+                    <a:pt x="1905000" y="476250"/>
+                  </a:cubicBezTo>
+                  <a:cubicBezTo>
+                    <a:pt x="1952625" y="476250"/>
+                    <a:pt x="1984375" y="508000"/>
+                    <a:pt x="1984375" y="555625"/>
+                  </a:cubicBezTo>
+                  <a:cubicBezTo>
+                    <a:pt x="1984375" y="603250"/>
+                    <a:pt x="1952625" y="635000"/>
+                    <a:pt x="1905000" y="635000"/>
+                  </a:cubicBezTo>
+                  <a:close/>
+                  <a:moveTo>
+                    <a:pt x="1111250" y="317500"/>
+                  </a:moveTo>
+                  <a:cubicBezTo>
+                    <a:pt x="500062" y="317500"/>
+                    <a:pt x="0" y="174625"/>
+                    <a:pt x="0" y="0"/>
+                  </a:cubicBezTo>
+                  <a:lnTo>
+                    <a:pt x="0" y="635000"/>
+                  </a:lnTo>
+                  <a:cubicBezTo>
+                    <a:pt x="0" y="809625"/>
+                    <a:pt x="500062" y="952500"/>
+                    <a:pt x="1111250" y="952500"/>
+                  </a:cubicBezTo>
+                  <a:cubicBezTo>
+                    <a:pt x="1722438" y="952500"/>
+                    <a:pt x="2222500" y="809625"/>
+                    <a:pt x="2222500" y="635000"/>
+                  </a:cubicBezTo>
+                  <a:lnTo>
+                    <a:pt x="2222500" y="0"/>
+                  </a:lnTo>
+                  <a:cubicBezTo>
+                    <a:pt x="2222500" y="174625"/>
+                    <a:pt x="1722438" y="317500"/>
+                    <a:pt x="1111250" y="317500"/>
+                  </a:cubicBezTo>
+                  <a:close/>
+                </a:path>
+              </a:pathLst>
+            </a:custGeom>
+            <a:solidFill>
+              <a:schemeClr val="accent2"/>
+            </a:solidFill>
+            <a:ln w="39688" cap="flat">
+              <a:noFill/>
+              <a:prstDash val="solid"/>
+              <a:miter/>
+            </a:ln>
+          </p:spPr>
+          <p:txBody>
+            <a:bodyPr rtlCol="0" anchor="ctr"/>
+            <a:lstStyle/>
+            <a:p>
+              <a:endParaRPr lang="en-US"/>
+            </a:p>
+          </p:txBody>
+        </p:sp>
+        <p:sp>
+          <p:nvSpPr>
+            <p:cNvPr id="16" name="Freeform 15">
+              <a:extLst>
+                <a:ext uri="{FF2B5EF4-FFF2-40B4-BE49-F238E27FC236}">
+                  <a16:creationId xmlns:a16="http://schemas.microsoft.com/office/drawing/2014/main" id="{CA6B04B3-21E4-1F49-B6D7-F901E9BC9920}"/>
+                </a:ext>
+              </a:extLst>
+            </p:cNvPr>
+            <p:cNvSpPr/>
+            <p:nvPr/>
+          </p:nvSpPr>
+          <p:spPr>
+            <a:xfrm>
+              <a:off x="543379" y="3615418"/>
+              <a:ext cx="2222500" cy="952500"/>
+            </a:xfrm>
+            <a:custGeom>
+              <a:avLst/>
+              <a:gdLst>
+                <a:gd name="connsiteX0" fmla="*/ 1905000 w 2222500"/>
+                <a:gd name="connsiteY0" fmla="*/ 635000 h 952500"/>
+                <a:gd name="connsiteX1" fmla="*/ 1825625 w 2222500"/>
+                <a:gd name="connsiteY1" fmla="*/ 555625 h 952500"/>
+                <a:gd name="connsiteX2" fmla="*/ 1905000 w 2222500"/>
+                <a:gd name="connsiteY2" fmla="*/ 476250 h 952500"/>
+                <a:gd name="connsiteX3" fmla="*/ 1984375 w 2222500"/>
+                <a:gd name="connsiteY3" fmla="*/ 555625 h 952500"/>
+                <a:gd name="connsiteX4" fmla="*/ 1905000 w 2222500"/>
+                <a:gd name="connsiteY4" fmla="*/ 635000 h 952500"/>
+                <a:gd name="connsiteX5" fmla="*/ 1111250 w 2222500"/>
+                <a:gd name="connsiteY5" fmla="*/ 317500 h 952500"/>
+                <a:gd name="connsiteX6" fmla="*/ 0 w 2222500"/>
+                <a:gd name="connsiteY6" fmla="*/ 0 h 952500"/>
+                <a:gd name="connsiteX7" fmla="*/ 0 w 2222500"/>
+                <a:gd name="connsiteY7" fmla="*/ 635000 h 952500"/>
+                <a:gd name="connsiteX8" fmla="*/ 1111250 w 2222500"/>
+                <a:gd name="connsiteY8" fmla="*/ 952500 h 952500"/>
+                <a:gd name="connsiteX9" fmla="*/ 2222500 w 2222500"/>
+                <a:gd name="connsiteY9" fmla="*/ 635000 h 952500"/>
+                <a:gd name="connsiteX10" fmla="*/ 2222500 w 2222500"/>
+                <a:gd name="connsiteY10" fmla="*/ 0 h 952500"/>
+                <a:gd name="connsiteX11" fmla="*/ 1111250 w 2222500"/>
+                <a:gd name="connsiteY11" fmla="*/ 317500 h 952500"/>
+              </a:gdLst>
+              <a:ahLst/>
+              <a:cxnLst>
+                <a:cxn ang="0">
+                  <a:pos x="connsiteX0" y="connsiteY0"/>
+                </a:cxn>
+                <a:cxn ang="0">
+                  <a:pos x="connsiteX1" y="connsiteY1"/>
+                </a:cxn>
+                <a:cxn ang="0">
+                  <a:pos x="connsiteX2" y="connsiteY2"/>
+                </a:cxn>
+                <a:cxn ang="0">
+                  <a:pos x="connsiteX3" y="connsiteY3"/>
+                </a:cxn>
+                <a:cxn ang="0">
+                  <a:pos x="connsiteX4" y="connsiteY4"/>
+                </a:cxn>
+                <a:cxn ang="0">
+                  <a:pos x="connsiteX5" y="connsiteY5"/>
+                </a:cxn>
+                <a:cxn ang="0">
+                  <a:pos x="connsiteX6" y="connsiteY6"/>
+                </a:cxn>
+                <a:cxn ang="0">
+                  <a:pos x="connsiteX7" y="connsiteY7"/>
+                </a:cxn>
+                <a:cxn ang="0">
+                  <a:pos x="connsiteX8" y="connsiteY8"/>
+                </a:cxn>
+                <a:cxn ang="0">
+                  <a:pos x="connsiteX9" y="connsiteY9"/>
+                </a:cxn>
+                <a:cxn ang="0">
+                  <a:pos x="connsiteX10" y="connsiteY10"/>
+                </a:cxn>
+                <a:cxn ang="0">
+                  <a:pos x="connsiteX11" y="connsiteY11"/>
+                </a:cxn>
+              </a:cxnLst>
+              <a:rect l="l" t="t" r="r" b="b"/>
+              <a:pathLst>
+                <a:path w="2222500" h="952500">
+                  <a:moveTo>
+                    <a:pt x="1905000" y="635000"/>
+                  </a:moveTo>
+                  <a:cubicBezTo>
+                    <a:pt x="1857375" y="635000"/>
+                    <a:pt x="1825625" y="603250"/>
+                    <a:pt x="1825625" y="555625"/>
+                  </a:cubicBezTo>
+                  <a:cubicBezTo>
+                    <a:pt x="1825625" y="508000"/>
+                    <a:pt x="1857375" y="476250"/>
+                    <a:pt x="1905000" y="476250"/>
+                  </a:cubicBezTo>
+                  <a:cubicBezTo>
+                    <a:pt x="1952625" y="476250"/>
+                    <a:pt x="1984375" y="508000"/>
+                    <a:pt x="1984375" y="555625"/>
+                  </a:cubicBezTo>
+                  <a:cubicBezTo>
+                    <a:pt x="1984375" y="603250"/>
+                    <a:pt x="1952625" y="635000"/>
+                    <a:pt x="1905000" y="635000"/>
+                  </a:cubicBezTo>
+                  <a:close/>
+                  <a:moveTo>
+                    <a:pt x="1111250" y="317500"/>
+                  </a:moveTo>
+                  <a:cubicBezTo>
+                    <a:pt x="500062" y="317500"/>
+                    <a:pt x="0" y="174625"/>
+                    <a:pt x="0" y="0"/>
+                  </a:cubicBezTo>
+                  <a:lnTo>
+                    <a:pt x="0" y="635000"/>
+                  </a:lnTo>
+                  <a:cubicBezTo>
+                    <a:pt x="0" y="809625"/>
+                    <a:pt x="500062" y="952500"/>
+                    <a:pt x="1111250" y="952500"/>
+                  </a:cubicBezTo>
+                  <a:cubicBezTo>
+                    <a:pt x="1722438" y="952500"/>
+                    <a:pt x="2222500" y="809625"/>
+                    <a:pt x="2222500" y="635000"/>
+                  </a:cubicBezTo>
+                  <a:lnTo>
+                    <a:pt x="2222500" y="0"/>
+                  </a:lnTo>
+                  <a:cubicBezTo>
+                    <a:pt x="2222500" y="174625"/>
+                    <a:pt x="1722438" y="317500"/>
+                    <a:pt x="1111250" y="317500"/>
+                  </a:cubicBezTo>
+                  <a:close/>
+                </a:path>
+              </a:pathLst>
+            </a:custGeom>
+            <a:solidFill>
+              <a:schemeClr val="accent1"/>
+            </a:solidFill>
+            <a:ln w="39688" cap="flat">
+              <a:noFill/>
+              <a:prstDash val="solid"/>
+              <a:miter/>
+            </a:ln>
+          </p:spPr>
+          <p:txBody>
+            <a:bodyPr rtlCol="0" anchor="ctr"/>
+            <a:lstStyle/>
+            <a:p>
+              <a:endParaRPr lang="en-US"/>
+            </a:p>
+          </p:txBody>
+        </p:sp>
+        <p:sp>
+          <p:nvSpPr>
+            <p:cNvPr id="17" name="Freeform 16">
+              <a:extLst>
+                <a:ext uri="{FF2B5EF4-FFF2-40B4-BE49-F238E27FC236}">
+                  <a16:creationId xmlns:a16="http://schemas.microsoft.com/office/drawing/2014/main" id="{033177C1-2E6A-F84D-9BC5-CF761BDB97B7}"/>
+                </a:ext>
+              </a:extLst>
+            </p:cNvPr>
+            <p:cNvSpPr/>
+            <p:nvPr/>
+          </p:nvSpPr>
+          <p:spPr>
+            <a:xfrm>
+              <a:off x="543379" y="4409168"/>
+              <a:ext cx="2222500" cy="952500"/>
+            </a:xfrm>
+            <a:custGeom>
+              <a:avLst/>
+              <a:gdLst>
+                <a:gd name="connsiteX0" fmla="*/ 1905000 w 2222500"/>
+                <a:gd name="connsiteY0" fmla="*/ 635000 h 952500"/>
+                <a:gd name="connsiteX1" fmla="*/ 1825625 w 2222500"/>
+                <a:gd name="connsiteY1" fmla="*/ 555625 h 952500"/>
+                <a:gd name="connsiteX2" fmla="*/ 1905000 w 2222500"/>
+                <a:gd name="connsiteY2" fmla="*/ 476250 h 952500"/>
+                <a:gd name="connsiteX3" fmla="*/ 1984375 w 2222500"/>
+                <a:gd name="connsiteY3" fmla="*/ 555625 h 952500"/>
+                <a:gd name="connsiteX4" fmla="*/ 1905000 w 2222500"/>
+                <a:gd name="connsiteY4" fmla="*/ 635000 h 952500"/>
+                <a:gd name="connsiteX5" fmla="*/ 1111250 w 2222500"/>
+                <a:gd name="connsiteY5" fmla="*/ 317500 h 952500"/>
+                <a:gd name="connsiteX6" fmla="*/ 0 w 2222500"/>
+                <a:gd name="connsiteY6" fmla="*/ 0 h 952500"/>
+                <a:gd name="connsiteX7" fmla="*/ 0 w 2222500"/>
+                <a:gd name="connsiteY7" fmla="*/ 635000 h 952500"/>
+                <a:gd name="connsiteX8" fmla="*/ 1111250 w 2222500"/>
+                <a:gd name="connsiteY8" fmla="*/ 952500 h 952500"/>
+                <a:gd name="connsiteX9" fmla="*/ 2222500 w 2222500"/>
+                <a:gd name="connsiteY9" fmla="*/ 635000 h 952500"/>
+                <a:gd name="connsiteX10" fmla="*/ 2222500 w 2222500"/>
+                <a:gd name="connsiteY10" fmla="*/ 0 h 952500"/>
+                <a:gd name="connsiteX11" fmla="*/ 1111250 w 2222500"/>
+                <a:gd name="connsiteY11" fmla="*/ 317500 h 952500"/>
+              </a:gdLst>
+              <a:ahLst/>
+              <a:cxnLst>
+                <a:cxn ang="0">
+                  <a:pos x="connsiteX0" y="connsiteY0"/>
+                </a:cxn>
+                <a:cxn ang="0">
+                  <a:pos x="connsiteX1" y="connsiteY1"/>
+                </a:cxn>
+                <a:cxn ang="0">
+                  <a:pos x="connsiteX2" y="connsiteY2"/>
+                </a:cxn>
+                <a:cxn ang="0">
+                  <a:pos x="connsiteX3" y="connsiteY3"/>
+                </a:cxn>
+                <a:cxn ang="0">
+                  <a:pos x="connsiteX4" y="connsiteY4"/>
+                </a:cxn>
+                <a:cxn ang="0">
+                  <a:pos x="connsiteX5" y="connsiteY5"/>
+                </a:cxn>
+                <a:cxn ang="0">
+                  <a:pos x="connsiteX6" y="connsiteY6"/>
+                </a:cxn>
+                <a:cxn ang="0">
+                  <a:pos x="connsiteX7" y="connsiteY7"/>
+                </a:cxn>
+                <a:cxn ang="0">
+                  <a:pos x="connsiteX8" y="connsiteY8"/>
+                </a:cxn>
+                <a:cxn ang="0">
+                  <a:pos x="connsiteX9" y="connsiteY9"/>
+                </a:cxn>
+                <a:cxn ang="0">
+                  <a:pos x="connsiteX10" y="connsiteY10"/>
+                </a:cxn>
+                <a:cxn ang="0">
+                  <a:pos x="connsiteX11" y="connsiteY11"/>
+                </a:cxn>
+              </a:cxnLst>
+              <a:rect l="l" t="t" r="r" b="b"/>
+              <a:pathLst>
+                <a:path w="2222500" h="952500">
+                  <a:moveTo>
+                    <a:pt x="1905000" y="635000"/>
+                  </a:moveTo>
+                  <a:cubicBezTo>
+                    <a:pt x="1857375" y="635000"/>
+                    <a:pt x="1825625" y="603250"/>
+                    <a:pt x="1825625" y="555625"/>
+                  </a:cubicBezTo>
+                  <a:cubicBezTo>
+                    <a:pt x="1825625" y="508000"/>
+                    <a:pt x="1857375" y="476250"/>
+                    <a:pt x="1905000" y="476250"/>
+                  </a:cubicBezTo>
+                  <a:cubicBezTo>
+                    <a:pt x="1952625" y="476250"/>
+                    <a:pt x="1984375" y="508000"/>
+                    <a:pt x="1984375" y="555625"/>
+                  </a:cubicBezTo>
+                  <a:cubicBezTo>
+                    <a:pt x="1984375" y="603250"/>
+                    <a:pt x="1952625" y="635000"/>
+                    <a:pt x="1905000" y="635000"/>
+                  </a:cubicBezTo>
+                  <a:close/>
+                  <a:moveTo>
+                    <a:pt x="1111250" y="317500"/>
+                  </a:moveTo>
+                  <a:cubicBezTo>
+                    <a:pt x="500062" y="317500"/>
+                    <a:pt x="0" y="174625"/>
+                    <a:pt x="0" y="0"/>
+                  </a:cubicBezTo>
+                  <a:lnTo>
+                    <a:pt x="0" y="635000"/>
+                  </a:lnTo>
+                  <a:cubicBezTo>
+                    <a:pt x="0" y="809625"/>
+                    <a:pt x="500062" y="952500"/>
+                    <a:pt x="1111250" y="952500"/>
+                  </a:cubicBezTo>
+                  <a:cubicBezTo>
+                    <a:pt x="1722438" y="952500"/>
+                    <a:pt x="2222500" y="809625"/>
+                    <a:pt x="2222500" y="635000"/>
+                  </a:cubicBezTo>
+                  <a:lnTo>
+                    <a:pt x="2222500" y="0"/>
+                  </a:lnTo>
+                  <a:cubicBezTo>
+                    <a:pt x="2222500" y="174625"/>
+                    <a:pt x="1722438" y="317500"/>
+                    <a:pt x="1111250" y="317500"/>
+                  </a:cubicBezTo>
+                  <a:close/>
+                </a:path>
+              </a:pathLst>
+            </a:custGeom>
+            <a:solidFill>
+              <a:srgbClr val="000000"/>
+            </a:solidFill>
+            <a:ln w="39688" cap="flat">
+              <a:noFill/>
+              <a:prstDash val="solid"/>
+              <a:miter/>
+            </a:ln>
+          </p:spPr>
+          <p:txBody>
+            <a:bodyPr rtlCol="0" anchor="ctr"/>
+            <a:lstStyle/>
+            <a:p>
+              <a:endParaRPr lang="en-US"/>
+            </a:p>
+          </p:txBody>
+        </p:sp>
+      </p:grpSp>
+      <p:sp>
+        <p:nvSpPr>
+          <p:cNvPr id="18" name="Freeform 17">
+            <a:extLst>
+              <a:ext uri="{FF2B5EF4-FFF2-40B4-BE49-F238E27FC236}">
+                <a16:creationId xmlns:a16="http://schemas.microsoft.com/office/drawing/2014/main" id="{E6035A93-E0AD-7140-94BC-B473DCD04E99}"/>
+              </a:ext>
+            </a:extLst>
+          </p:cNvPr>
+          <p:cNvSpPr/>
+          <p:nvPr/>
+        </p:nvSpPr>
+        <p:spPr>
+          <a:xfrm>
+            <a:off x="2079170" y="3278868"/>
+            <a:ext cx="999177" cy="408515"/>
+          </a:xfrm>
+          <a:custGeom>
+            <a:avLst/>
+            <a:gdLst>
+              <a:gd name="connsiteX0" fmla="*/ 1905000 w 2222500"/>
+              <a:gd name="connsiteY0" fmla="*/ 635000 h 952500"/>
+              <a:gd name="connsiteX1" fmla="*/ 1825625 w 2222500"/>
+              <a:gd name="connsiteY1" fmla="*/ 555625 h 952500"/>
+              <a:gd name="connsiteX2" fmla="*/ 1905000 w 2222500"/>
+              <a:gd name="connsiteY2" fmla="*/ 476250 h 952500"/>
+              <a:gd name="connsiteX3" fmla="*/ 1984375 w 2222500"/>
+              <a:gd name="connsiteY3" fmla="*/ 555625 h 952500"/>
+              <a:gd name="connsiteX4" fmla="*/ 1905000 w 2222500"/>
+              <a:gd name="connsiteY4" fmla="*/ 635000 h 952500"/>
+              <a:gd name="connsiteX5" fmla="*/ 1111250 w 2222500"/>
+              <a:gd name="connsiteY5" fmla="*/ 317500 h 952500"/>
+              <a:gd name="connsiteX6" fmla="*/ 0 w 2222500"/>
+              <a:gd name="connsiteY6" fmla="*/ 0 h 952500"/>
+              <a:gd name="connsiteX7" fmla="*/ 0 w 2222500"/>
+              <a:gd name="connsiteY7" fmla="*/ 635000 h 952500"/>
+              <a:gd name="connsiteX8" fmla="*/ 1111250 w 2222500"/>
+              <a:gd name="connsiteY8" fmla="*/ 952500 h 952500"/>
+              <a:gd name="connsiteX9" fmla="*/ 2222500 w 2222500"/>
+              <a:gd name="connsiteY9" fmla="*/ 635000 h 952500"/>
+              <a:gd name="connsiteX10" fmla="*/ 2222500 w 2222500"/>
+              <a:gd name="connsiteY10" fmla="*/ 0 h 952500"/>
+              <a:gd name="connsiteX11" fmla="*/ 1111250 w 2222500"/>
+              <a:gd name="connsiteY11" fmla="*/ 317500 h 952500"/>
+            </a:gdLst>
+            <a:ahLst/>
+            <a:cxnLst>
+              <a:cxn ang="0">
+                <a:pos x="connsiteX0" y="connsiteY0"/>
+              </a:cxn>
+              <a:cxn ang="0">
+                <a:pos x="connsiteX1" y="connsiteY1"/>
+              </a:cxn>
+              <a:cxn ang="0">
+                <a:pos x="connsiteX2" y="connsiteY2"/>
+              </a:cxn>
+              <a:cxn ang="0">
+                <a:pos x="connsiteX3" y="connsiteY3"/>
+              </a:cxn>
+              <a:cxn ang="0">
+                <a:pos x="connsiteX4" y="connsiteY4"/>
+              </a:cxn>
+              <a:cxn ang="0">
+                <a:pos x="connsiteX5" y="connsiteY5"/>
+              </a:cxn>
+              <a:cxn ang="0">
+                <a:pos x="connsiteX6" y="connsiteY6"/>
+              </a:cxn>
+              <a:cxn ang="0">
+                <a:pos x="connsiteX7" y="connsiteY7"/>
+              </a:cxn>
+              <a:cxn ang="0">
+                <a:pos x="connsiteX8" y="connsiteY8"/>
+              </a:cxn>
+              <a:cxn ang="0">
+                <a:pos x="connsiteX9" y="connsiteY9"/>
+              </a:cxn>
+              <a:cxn ang="0">
+                <a:pos x="connsiteX10" y="connsiteY10"/>
+              </a:cxn>
+              <a:cxn ang="0">
+                <a:pos x="connsiteX11" y="connsiteY11"/>
+              </a:cxn>
+            </a:cxnLst>
+            <a:rect l="l" t="t" r="r" b="b"/>
+            <a:pathLst>
+              <a:path w="2222500" h="952500">
+                <a:moveTo>
+                  <a:pt x="1905000" y="635000"/>
+                </a:moveTo>
+                <a:cubicBezTo>
+                  <a:pt x="1857375" y="635000"/>
+                  <a:pt x="1825625" y="603250"/>
+                  <a:pt x="1825625" y="555625"/>
+                </a:cubicBezTo>
+                <a:cubicBezTo>
+                  <a:pt x="1825625" y="508000"/>
+                  <a:pt x="1857375" y="476250"/>
+                  <a:pt x="1905000" y="476250"/>
+                </a:cubicBezTo>
+                <a:cubicBezTo>
+                  <a:pt x="1952625" y="476250"/>
+                  <a:pt x="1984375" y="508000"/>
+                  <a:pt x="1984375" y="555625"/>
+                </a:cubicBezTo>
+                <a:cubicBezTo>
+                  <a:pt x="1984375" y="603250"/>
+                  <a:pt x="1952625" y="635000"/>
+                  <a:pt x="1905000" y="635000"/>
+                </a:cubicBezTo>
+                <a:close/>
+                <a:moveTo>
+                  <a:pt x="1111250" y="317500"/>
+                </a:moveTo>
+                <a:cubicBezTo>
+                  <a:pt x="500062" y="317500"/>
+                  <a:pt x="0" y="174625"/>
+                  <a:pt x="0" y="0"/>
+                </a:cubicBezTo>
+                <a:lnTo>
+                  <a:pt x="0" y="635000"/>
+                </a:lnTo>
+                <a:cubicBezTo>
+                  <a:pt x="0" y="809625"/>
+                  <a:pt x="500062" y="952500"/>
+                  <a:pt x="1111250" y="952500"/>
+                </a:cubicBezTo>
+                <a:cubicBezTo>
+                  <a:pt x="1722438" y="952500"/>
+                  <a:pt x="2222500" y="809625"/>
+                  <a:pt x="2222500" y="635000"/>
+                </a:cubicBezTo>
+                <a:lnTo>
+                  <a:pt x="2222500" y="0"/>
+                </a:lnTo>
+                <a:cubicBezTo>
+                  <a:pt x="2222500" y="174625"/>
+                  <a:pt x="1722438" y="317500"/>
+                  <a:pt x="1111250" y="317500"/>
+                </a:cubicBezTo>
+                <a:close/>
+              </a:path>
+            </a:pathLst>
+          </a:custGeom>
+          <a:solidFill>
+            <a:schemeClr val="accent2"/>
+          </a:solidFill>
+          <a:ln w="39688" cap="flat">
+            <a:noFill/>
+            <a:prstDash val="solid"/>
+            <a:miter/>
+          </a:ln>
+        </p:spPr>
+        <p:txBody>
+          <a:bodyPr rtlCol="0" anchor="ctr"/>
+          <a:lstStyle/>
+          <a:p>
+            <a:endParaRPr lang="en-US"/>
+          </a:p>
+        </p:txBody>
+      </p:sp>
+      <p:grpSp>
+        <p:nvGrpSpPr>
+          <p:cNvPr id="25" name="Shape 690">
+            <a:extLst>
+              <a:ext uri="{FF2B5EF4-FFF2-40B4-BE49-F238E27FC236}">
+                <a16:creationId xmlns:a16="http://schemas.microsoft.com/office/drawing/2014/main" id="{21DCB170-AD8C-1C47-A39E-DBB566CFF898}"/>
+              </a:ext>
+            </a:extLst>
+          </p:cNvPr>
+          <p:cNvGrpSpPr/>
+          <p:nvPr/>
+        </p:nvGrpSpPr>
+        <p:grpSpPr>
+          <a:xfrm>
+            <a:off x="4230602" y="2730839"/>
+            <a:ext cx="2041317" cy="1396321"/>
+            <a:chOff x="4034275" y="836075"/>
+            <a:chExt cx="4609049" cy="3152724"/>
+          </a:xfrm>
+        </p:grpSpPr>
+        <p:sp>
+          <p:nvSpPr>
+            <p:cNvPr id="26" name="Shape 691">
+              <a:extLst>
+                <a:ext uri="{FF2B5EF4-FFF2-40B4-BE49-F238E27FC236}">
+                  <a16:creationId xmlns:a16="http://schemas.microsoft.com/office/drawing/2014/main" id="{F0A1F7C6-5C6D-E54D-B48C-020A7081262C}"/>
+                </a:ext>
+              </a:extLst>
+            </p:cNvPr>
+            <p:cNvSpPr/>
+            <p:nvPr/>
+          </p:nvSpPr>
+          <p:spPr>
+            <a:xfrm>
+              <a:off x="5315850" y="836075"/>
+              <a:ext cx="878400" cy="878400"/>
+            </a:xfrm>
+            <a:prstGeom prst="ellipse">
+              <a:avLst/>
+            </a:prstGeom>
+            <a:solidFill>
+              <a:schemeClr val="lt2"/>
+            </a:solidFill>
+            <a:ln w="9525" cap="flat" cmpd="sng">
+              <a:solidFill>
+                <a:schemeClr val="dk2"/>
+              </a:solidFill>
+              <a:prstDash val="solid"/>
+              <a:round/>
+              <a:headEnd type="none" w="med" len="med"/>
+              <a:tailEnd type="none" w="med" len="med"/>
+            </a:ln>
+          </p:spPr>
+          <p:txBody>
+            <a:bodyPr lIns="91425" tIns="91425" rIns="91425" bIns="91425" anchor="ctr" anchorCtr="0">
+              <a:noAutofit/>
+            </a:bodyPr>
+            <a:lstStyle/>
+            <a:p>
+              <a:pPr algn="ctr"/>
+              <a:endParaRPr sz="800">
+                <a:latin typeface="Open Sans"/>
+                <a:ea typeface="Open Sans"/>
+                <a:cs typeface="Open Sans"/>
+                <a:sym typeface="Open Sans"/>
+              </a:endParaRPr>
+            </a:p>
+          </p:txBody>
+        </p:sp>
+        <p:sp>
+          <p:nvSpPr>
+            <p:cNvPr id="27" name="Shape 692">
+              <a:extLst>
+                <a:ext uri="{FF2B5EF4-FFF2-40B4-BE49-F238E27FC236}">
+                  <a16:creationId xmlns:a16="http://schemas.microsoft.com/office/drawing/2014/main" id="{243553B8-2570-6445-A8FF-6776BF5B7801}"/>
+                </a:ext>
+              </a:extLst>
+            </p:cNvPr>
+            <p:cNvSpPr/>
+            <p:nvPr/>
+          </p:nvSpPr>
+          <p:spPr>
+            <a:xfrm>
+              <a:off x="4034275" y="2105475"/>
+              <a:ext cx="978899" cy="517199"/>
+            </a:xfrm>
+            <a:prstGeom prst="rect">
+              <a:avLst/>
+            </a:prstGeom>
+            <a:solidFill>
+              <a:schemeClr val="lt2"/>
+            </a:solidFill>
+            <a:ln w="9525" cap="flat" cmpd="sng">
+              <a:solidFill>
+                <a:schemeClr val="dk2"/>
+              </a:solidFill>
+              <a:prstDash val="solid"/>
+              <a:round/>
+              <a:headEnd type="none" w="med" len="med"/>
+              <a:tailEnd type="none" w="med" len="med"/>
+            </a:ln>
+          </p:spPr>
+          <p:txBody>
+            <a:bodyPr lIns="91425" tIns="91425" rIns="91425" bIns="91425" anchor="ctr" anchorCtr="0">
+              <a:noAutofit/>
+            </a:bodyPr>
+            <a:lstStyle/>
+            <a:p>
+              <a:pPr algn="ctr"/>
+              <a:endParaRPr sz="1000">
+                <a:latin typeface="Open Sans"/>
+                <a:ea typeface="Open Sans"/>
+                <a:cs typeface="Open Sans"/>
+                <a:sym typeface="Open Sans"/>
+              </a:endParaRPr>
+            </a:p>
+          </p:txBody>
+        </p:sp>
+        <p:cxnSp>
+          <p:nvCxnSpPr>
+            <p:cNvPr id="28" name="Shape 693">
+              <a:extLst>
+                <a:ext uri="{FF2B5EF4-FFF2-40B4-BE49-F238E27FC236}">
+                  <a16:creationId xmlns:a16="http://schemas.microsoft.com/office/drawing/2014/main" id="{1D45A23A-6DBE-274D-815E-4DA79CD95726}"/>
+                </a:ext>
+              </a:extLst>
+            </p:cNvPr>
+            <p:cNvCxnSpPr>
+              <a:stCxn id="26" idx="3"/>
+              <a:endCxn id="27" idx="0"/>
+            </p:cNvCxnSpPr>
+            <p:nvPr/>
+          </p:nvCxnSpPr>
+          <p:spPr>
+            <a:xfrm flipH="1">
+              <a:off x="4524388" y="1585836"/>
+              <a:ext cx="920100" cy="519000"/>
+            </a:xfrm>
+            <a:prstGeom prst="straightConnector1">
+              <a:avLst/>
+            </a:prstGeom>
+            <a:noFill/>
+            <a:ln w="9525" cap="flat" cmpd="sng">
+              <a:solidFill>
+                <a:schemeClr val="dk2"/>
+              </a:solidFill>
+              <a:prstDash val="solid"/>
+              <a:round/>
+              <a:headEnd type="none" w="lg" len="lg"/>
+              <a:tailEnd type="none" w="lg" len="lg"/>
+            </a:ln>
+          </p:spPr>
+        </p:cxnSp>
+        <p:cxnSp>
+          <p:nvCxnSpPr>
+            <p:cNvPr id="29" name="Shape 694">
+              <a:extLst>
+                <a:ext uri="{FF2B5EF4-FFF2-40B4-BE49-F238E27FC236}">
+                  <a16:creationId xmlns:a16="http://schemas.microsoft.com/office/drawing/2014/main" id="{8DEADA77-ECEF-1C4F-BF0D-D110A0F07A70}"/>
+                </a:ext>
+              </a:extLst>
+            </p:cNvPr>
+            <p:cNvCxnSpPr>
+              <a:stCxn id="26" idx="5"/>
+              <a:endCxn id="30" idx="1"/>
+            </p:cNvCxnSpPr>
+            <p:nvPr/>
+          </p:nvCxnSpPr>
+          <p:spPr>
+            <a:xfrm>
+              <a:off x="6065611" y="1585836"/>
+              <a:ext cx="626699" cy="468300"/>
+            </a:xfrm>
+            <a:prstGeom prst="straightConnector1">
+              <a:avLst/>
+            </a:prstGeom>
+            <a:noFill/>
+            <a:ln w="9525" cap="flat" cmpd="sng">
+              <a:solidFill>
+                <a:schemeClr val="dk2"/>
+              </a:solidFill>
+              <a:prstDash val="solid"/>
+              <a:round/>
+              <a:headEnd type="none" w="lg" len="lg"/>
+              <a:tailEnd type="none" w="lg" len="lg"/>
+            </a:ln>
+          </p:spPr>
+        </p:cxnSp>
+        <p:sp>
+          <p:nvSpPr>
+            <p:cNvPr id="30" name="Shape 695">
+              <a:extLst>
+                <a:ext uri="{FF2B5EF4-FFF2-40B4-BE49-F238E27FC236}">
+                  <a16:creationId xmlns:a16="http://schemas.microsoft.com/office/drawing/2014/main" id="{732A761A-425A-DB40-87A2-B84FBD40BEBC}"/>
+                </a:ext>
+              </a:extLst>
+            </p:cNvPr>
+            <p:cNvSpPr/>
+            <p:nvPr/>
+          </p:nvSpPr>
+          <p:spPr>
+            <a:xfrm>
+              <a:off x="6563075" y="1924875"/>
+              <a:ext cx="878400" cy="878400"/>
+            </a:xfrm>
+            <a:prstGeom prst="ellipse">
+              <a:avLst/>
+            </a:prstGeom>
+            <a:solidFill>
+              <a:schemeClr val="lt2"/>
+            </a:solidFill>
+            <a:ln w="9525" cap="flat" cmpd="sng">
+              <a:solidFill>
+                <a:schemeClr val="dk2"/>
+              </a:solidFill>
+              <a:prstDash val="solid"/>
+              <a:round/>
+              <a:headEnd type="none" w="med" len="med"/>
+              <a:tailEnd type="none" w="med" len="med"/>
+            </a:ln>
+          </p:spPr>
+          <p:txBody>
+            <a:bodyPr lIns="91425" tIns="91425" rIns="91425" bIns="91425" anchor="ctr" anchorCtr="0">
+              <a:noAutofit/>
+            </a:bodyPr>
+            <a:lstStyle/>
+            <a:p>
+              <a:pPr algn="ctr"/>
+              <a:endParaRPr sz="700">
+                <a:latin typeface="Open Sans"/>
+                <a:ea typeface="Open Sans"/>
+                <a:cs typeface="Open Sans"/>
+                <a:sym typeface="Open Sans"/>
+              </a:endParaRPr>
+            </a:p>
+          </p:txBody>
+        </p:sp>
+        <p:sp>
+          <p:nvSpPr>
+            <p:cNvPr id="31" name="Shape 696">
+              <a:extLst>
+                <a:ext uri="{FF2B5EF4-FFF2-40B4-BE49-F238E27FC236}">
+                  <a16:creationId xmlns:a16="http://schemas.microsoft.com/office/drawing/2014/main" id="{D1AE5CD6-54C4-1C44-8473-89001B79BFF9}"/>
+                </a:ext>
+              </a:extLst>
+            </p:cNvPr>
+            <p:cNvSpPr/>
+            <p:nvPr/>
+          </p:nvSpPr>
+          <p:spPr>
+            <a:xfrm>
+              <a:off x="5175425" y="3471600"/>
+              <a:ext cx="978899" cy="517199"/>
+            </a:xfrm>
+            <a:prstGeom prst="rect">
+              <a:avLst/>
+            </a:prstGeom>
+            <a:solidFill>
+              <a:schemeClr val="lt2"/>
+            </a:solidFill>
+            <a:ln w="9525" cap="flat" cmpd="sng">
+              <a:solidFill>
+                <a:schemeClr val="dk2"/>
+              </a:solidFill>
+              <a:prstDash val="solid"/>
+              <a:round/>
+              <a:headEnd type="none" w="med" len="med"/>
+              <a:tailEnd type="none" w="med" len="med"/>
+            </a:ln>
+          </p:spPr>
+          <p:txBody>
+            <a:bodyPr lIns="91425" tIns="91425" rIns="91425" bIns="91425" anchor="ctr" anchorCtr="0">
+              <a:noAutofit/>
+            </a:bodyPr>
+            <a:lstStyle/>
+            <a:p>
+              <a:pPr algn="ctr"/>
+              <a:endParaRPr sz="1000">
+                <a:latin typeface="Open Sans"/>
+                <a:ea typeface="Open Sans"/>
+                <a:cs typeface="Open Sans"/>
+                <a:sym typeface="Open Sans"/>
+              </a:endParaRPr>
+            </a:p>
+          </p:txBody>
+        </p:sp>
+        <p:cxnSp>
+          <p:nvCxnSpPr>
+            <p:cNvPr id="32" name="Shape 697">
+              <a:extLst>
+                <a:ext uri="{FF2B5EF4-FFF2-40B4-BE49-F238E27FC236}">
+                  <a16:creationId xmlns:a16="http://schemas.microsoft.com/office/drawing/2014/main" id="{19E9B73E-641F-F640-B8D6-A4FDB9D801BF}"/>
+                </a:ext>
+              </a:extLst>
+            </p:cNvPr>
+            <p:cNvCxnSpPr>
+              <a:stCxn id="30" idx="3"/>
+              <a:endCxn id="31" idx="0"/>
+            </p:cNvCxnSpPr>
+            <p:nvPr/>
+          </p:nvCxnSpPr>
+          <p:spPr>
+            <a:xfrm flipH="1">
+              <a:off x="5665113" y="2674636"/>
+              <a:ext cx="1026600" cy="796500"/>
+            </a:xfrm>
+            <a:prstGeom prst="straightConnector1">
+              <a:avLst/>
+            </a:prstGeom>
+            <a:noFill/>
+            <a:ln w="9525" cap="flat" cmpd="sng">
+              <a:solidFill>
+                <a:schemeClr val="dk2"/>
+              </a:solidFill>
+              <a:prstDash val="solid"/>
+              <a:round/>
+              <a:headEnd type="none" w="lg" len="lg"/>
+              <a:tailEnd type="none" w="lg" len="lg"/>
+            </a:ln>
+          </p:spPr>
+        </p:cxnSp>
+        <p:cxnSp>
+          <p:nvCxnSpPr>
+            <p:cNvPr id="33" name="Shape 698">
+              <a:extLst>
+                <a:ext uri="{FF2B5EF4-FFF2-40B4-BE49-F238E27FC236}">
+                  <a16:creationId xmlns:a16="http://schemas.microsoft.com/office/drawing/2014/main" id="{47A08272-58AF-404B-9954-30430F6099A3}"/>
+                </a:ext>
+              </a:extLst>
+            </p:cNvPr>
+            <p:cNvCxnSpPr>
+              <a:stCxn id="30" idx="5"/>
+              <a:endCxn id="34" idx="0"/>
+            </p:cNvCxnSpPr>
+            <p:nvPr/>
+          </p:nvCxnSpPr>
+          <p:spPr>
+            <a:xfrm>
+              <a:off x="7312836" y="2674636"/>
+              <a:ext cx="840600" cy="796500"/>
+            </a:xfrm>
+            <a:prstGeom prst="straightConnector1">
+              <a:avLst/>
+            </a:prstGeom>
+            <a:noFill/>
+            <a:ln w="9525" cap="flat" cmpd="sng">
+              <a:solidFill>
+                <a:schemeClr val="dk2"/>
+              </a:solidFill>
+              <a:prstDash val="solid"/>
+              <a:round/>
+              <a:headEnd type="none" w="lg" len="lg"/>
+              <a:tailEnd type="none" w="lg" len="lg"/>
+            </a:ln>
+          </p:spPr>
+        </p:cxnSp>
+        <p:sp>
+          <p:nvSpPr>
+            <p:cNvPr id="34" name="Shape 699">
+              <a:extLst>
+                <a:ext uri="{FF2B5EF4-FFF2-40B4-BE49-F238E27FC236}">
+                  <a16:creationId xmlns:a16="http://schemas.microsoft.com/office/drawing/2014/main" id="{4F083E07-3913-0345-9F1C-0FF6FDFEFF0F}"/>
+                </a:ext>
+              </a:extLst>
+            </p:cNvPr>
+            <p:cNvSpPr/>
+            <p:nvPr/>
+          </p:nvSpPr>
+          <p:spPr>
+            <a:xfrm>
+              <a:off x="7664425" y="3471600"/>
+              <a:ext cx="978899" cy="517199"/>
+            </a:xfrm>
+            <a:prstGeom prst="rect">
+              <a:avLst/>
+            </a:prstGeom>
+            <a:solidFill>
+              <a:schemeClr val="lt2"/>
+            </a:solidFill>
+            <a:ln w="9525" cap="flat" cmpd="sng">
+              <a:solidFill>
+                <a:schemeClr val="dk2"/>
+              </a:solidFill>
+              <a:prstDash val="solid"/>
+              <a:round/>
+              <a:headEnd type="none" w="med" len="med"/>
+              <a:tailEnd type="none" w="med" len="med"/>
+            </a:ln>
+          </p:spPr>
+          <p:txBody>
+            <a:bodyPr lIns="91425" tIns="91425" rIns="91425" bIns="91425" anchor="ctr" anchorCtr="0">
+              <a:noAutofit/>
+            </a:bodyPr>
+            <a:lstStyle/>
+            <a:p>
+              <a:pPr algn="ctr"/>
+              <a:endParaRPr sz="1000">
+                <a:latin typeface="Open Sans"/>
+                <a:ea typeface="Open Sans"/>
+                <a:cs typeface="Open Sans"/>
+                <a:sym typeface="Open Sans"/>
+              </a:endParaRPr>
+            </a:p>
+          </p:txBody>
+        </p:sp>
+      </p:grpSp>
+      <p:sp>
+        <p:nvSpPr>
+          <p:cNvPr id="35" name="Shape 730">
+            <a:extLst>
+              <a:ext uri="{FF2B5EF4-FFF2-40B4-BE49-F238E27FC236}">
+                <a16:creationId xmlns:a16="http://schemas.microsoft.com/office/drawing/2014/main" id="{637173C4-7AFE-9E4D-B702-6823DB5D9194}"/>
+              </a:ext>
+            </a:extLst>
+          </p:cNvPr>
+          <p:cNvSpPr txBox="1"/>
+          <p:nvPr/>
+        </p:nvSpPr>
+        <p:spPr>
+          <a:xfrm>
+            <a:off x="4744862" y="3851139"/>
+            <a:ext cx="421499" cy="296400"/>
+          </a:xfrm>
+          <a:prstGeom prst="rect">
+            <a:avLst/>
+          </a:prstGeom>
+          <a:solidFill>
+            <a:srgbClr val="FFFF00"/>
+          </a:solidFill>
+          <a:ln>
+            <a:noFill/>
+          </a:ln>
+        </p:spPr>
+        <p:txBody>
+          <a:bodyPr lIns="91425" tIns="91425" rIns="91425" bIns="91425" anchor="t" anchorCtr="0">
+            <a:noAutofit/>
+          </a:bodyPr>
+          <a:lstStyle/>
+          <a:p>
+            <a:pPr algn="ctr"/>
+            <a:r>
+              <a:rPr lang="en" sz="900" dirty="0">
+                <a:latin typeface="Open Sans"/>
+                <a:ea typeface="Open Sans"/>
+                <a:cs typeface="Open Sans"/>
+                <a:sym typeface="Open Sans"/>
+              </a:rPr>
+              <a:t>East</a:t>
+            </a:r>
+          </a:p>
+        </p:txBody>
+      </p:sp>
+      <p:sp>
+        <p:nvSpPr>
+          <p:cNvPr id="8" name="TextBox 7">
+            <a:extLst>
+              <a:ext uri="{FF2B5EF4-FFF2-40B4-BE49-F238E27FC236}">
+                <a16:creationId xmlns:a16="http://schemas.microsoft.com/office/drawing/2014/main" id="{777904EF-3DB0-CC40-B1F9-E47CD7706732}"/>
+              </a:ext>
+            </a:extLst>
+          </p:cNvPr>
+          <p:cNvSpPr txBox="1"/>
+          <p:nvPr/>
+        </p:nvSpPr>
+        <p:spPr>
+          <a:xfrm>
+            <a:off x="1992085" y="1513115"/>
+            <a:ext cx="1517082" cy="369332"/>
+          </a:xfrm>
+          <a:prstGeom prst="rect">
+            <a:avLst/>
+          </a:prstGeom>
+          <a:noFill/>
+        </p:spPr>
+        <p:txBody>
+          <a:bodyPr wrap="none" rtlCol="0">
+            <a:spAutoFit/>
+          </a:bodyPr>
+          <a:lstStyle/>
+          <a:p>
+            <a:r>
               <a:rPr lang="en-US" dirty="0"/>
-              <a:t>Kwartler CSCI -96</a:t>
+              <a:t>Random Rows</a:t>
+            </a:r>
+          </a:p>
+        </p:txBody>
+      </p:sp>
+      <p:sp>
+        <p:nvSpPr>
+          <p:cNvPr id="36" name="TextBox 35">
+            <a:extLst>
+              <a:ext uri="{FF2B5EF4-FFF2-40B4-BE49-F238E27FC236}">
+                <a16:creationId xmlns:a16="http://schemas.microsoft.com/office/drawing/2014/main" id="{A9B8E1F6-B34A-EF4D-948E-E2B9602D18F0}"/>
+              </a:ext>
+            </a:extLst>
+          </p:cNvPr>
+          <p:cNvSpPr txBox="1"/>
+          <p:nvPr/>
+        </p:nvSpPr>
+        <p:spPr>
+          <a:xfrm>
+            <a:off x="6437521" y="2405744"/>
+            <a:ext cx="2662935" cy="830997"/>
+          </a:xfrm>
+          <a:prstGeom prst="rect">
+            <a:avLst/>
+          </a:prstGeom>
+          <a:noFill/>
+        </p:spPr>
+        <p:txBody>
+          <a:bodyPr wrap="square" rtlCol="0">
+            <a:spAutoFit/>
+          </a:bodyPr>
+          <a:lstStyle/>
+          <a:p>
+            <a:r>
+              <a:rPr lang="en-US" sz="1200" dirty="0"/>
+              <a:t>How many variables do you want to build from is determined with </a:t>
+            </a:r>
+            <a:r>
+              <a:rPr lang="en-US" sz="1200" dirty="0" err="1">
+                <a:highlight>
+                  <a:srgbClr val="C0C0C0"/>
+                </a:highlight>
+                <a:latin typeface="Consolas" panose="020B0609020204030204" pitchFamily="49" charset="0"/>
+                <a:cs typeface="Consolas" panose="020B0609020204030204" pitchFamily="49" charset="0"/>
+              </a:rPr>
+              <a:t>mtry</a:t>
+            </a:r>
+            <a:r>
+              <a:rPr lang="en-US" sz="1200" dirty="0"/>
+              <a:t>.  The variables are randomly selected for each tree.</a:t>
+            </a:r>
+          </a:p>
+        </p:txBody>
+      </p:sp>
+      <p:sp>
+        <p:nvSpPr>
+          <p:cNvPr id="37" name="TextBox 36">
+            <a:extLst>
+              <a:ext uri="{FF2B5EF4-FFF2-40B4-BE49-F238E27FC236}">
+                <a16:creationId xmlns:a16="http://schemas.microsoft.com/office/drawing/2014/main" id="{25B1E2EF-5520-2347-9148-940C1EEC6284}"/>
+              </a:ext>
+            </a:extLst>
+          </p:cNvPr>
+          <p:cNvSpPr txBox="1"/>
+          <p:nvPr/>
+        </p:nvSpPr>
+        <p:spPr>
+          <a:xfrm>
+            <a:off x="6481065" y="4016830"/>
+            <a:ext cx="2662935" cy="830997"/>
+          </a:xfrm>
+          <a:prstGeom prst="rect">
+            <a:avLst/>
+          </a:prstGeom>
+          <a:noFill/>
+        </p:spPr>
+        <p:txBody>
+          <a:bodyPr wrap="square" rtlCol="0">
+            <a:spAutoFit/>
+          </a:bodyPr>
+          <a:lstStyle/>
+          <a:p>
+            <a:r>
+              <a:rPr lang="en-US" sz="1200" dirty="0"/>
+              <a:t>How many terminal nodes should be used (complexity of the tree)  </a:t>
+            </a:r>
+          </a:p>
+          <a:p>
+            <a:r>
+              <a:rPr lang="en-US" sz="1200" dirty="0" err="1">
+                <a:highlight>
+                  <a:srgbClr val="C0C0C0"/>
+                </a:highlight>
+                <a:latin typeface="Consolas" panose="020B0609020204030204" pitchFamily="49" charset="0"/>
+                <a:cs typeface="Consolas" panose="020B0609020204030204" pitchFamily="49" charset="0"/>
+              </a:rPr>
+              <a:t>nodesize</a:t>
+            </a:r>
+            <a:r>
+              <a:rPr lang="en-US" sz="1200" dirty="0"/>
+              <a:t> is the minimum number vs </a:t>
+            </a:r>
+            <a:r>
+              <a:rPr lang="en-US" sz="1200" dirty="0" err="1">
+                <a:highlight>
+                  <a:srgbClr val="C0C0C0"/>
+                </a:highlight>
+                <a:latin typeface="Consolas" panose="020B0609020204030204" pitchFamily="49" charset="0"/>
+                <a:cs typeface="Consolas" panose="020B0609020204030204" pitchFamily="49" charset="0"/>
+              </a:rPr>
+              <a:t>maxnode</a:t>
+            </a:r>
+            <a:endParaRPr lang="en-US" sz="1200" dirty="0">
+              <a:highlight>
+                <a:srgbClr val="C0C0C0"/>
+              </a:highlight>
+              <a:latin typeface="Consolas" panose="020B0609020204030204" pitchFamily="49" charset="0"/>
+              <a:cs typeface="Consolas" panose="020B0609020204030204" pitchFamily="49" charset="0"/>
+            </a:endParaRPr>
+          </a:p>
+        </p:txBody>
+      </p:sp>
+      <p:sp>
+        <p:nvSpPr>
+          <p:cNvPr id="38" name="TextBox 37">
+            <a:extLst>
+              <a:ext uri="{FF2B5EF4-FFF2-40B4-BE49-F238E27FC236}">
+                <a16:creationId xmlns:a16="http://schemas.microsoft.com/office/drawing/2014/main" id="{2DC28A97-0DDC-4D41-A15D-F970039B3954}"/>
+              </a:ext>
+            </a:extLst>
+          </p:cNvPr>
+          <p:cNvSpPr txBox="1"/>
+          <p:nvPr/>
+        </p:nvSpPr>
+        <p:spPr>
+          <a:xfrm>
+            <a:off x="4288971" y="1545772"/>
+            <a:ext cx="1485856" cy="369332"/>
+          </a:xfrm>
+          <a:prstGeom prst="rect">
+            <a:avLst/>
+          </a:prstGeom>
+          <a:noFill/>
+        </p:spPr>
+        <p:txBody>
+          <a:bodyPr wrap="none" rtlCol="0">
+            <a:spAutoFit/>
+          </a:bodyPr>
+          <a:lstStyle/>
+          <a:p>
+            <a:r>
+              <a:rPr lang="en-US" dirty="0"/>
+              <a:t>Weak Learner</a:t>
+            </a:r>
+          </a:p>
+        </p:txBody>
+      </p:sp>
+      <p:sp>
+        <p:nvSpPr>
+          <p:cNvPr id="39" name="TextBox 38">
+            <a:extLst>
+              <a:ext uri="{FF2B5EF4-FFF2-40B4-BE49-F238E27FC236}">
+                <a16:creationId xmlns:a16="http://schemas.microsoft.com/office/drawing/2014/main" id="{B8362C6C-738F-3F40-863C-EECE3C68C155}"/>
+              </a:ext>
+            </a:extLst>
+          </p:cNvPr>
+          <p:cNvSpPr txBox="1"/>
+          <p:nvPr/>
+        </p:nvSpPr>
+        <p:spPr>
+          <a:xfrm>
+            <a:off x="6651171" y="1545772"/>
+            <a:ext cx="1249316" cy="369332"/>
+          </a:xfrm>
+          <a:prstGeom prst="rect">
+            <a:avLst/>
+          </a:prstGeom>
+          <a:noFill/>
+        </p:spPr>
+        <p:txBody>
+          <a:bodyPr wrap="none" rtlCol="0">
+            <a:spAutoFit/>
+          </a:bodyPr>
+          <a:lstStyle/>
+          <a:p>
+            <a:r>
+              <a:rPr lang="en-US" dirty="0"/>
+              <a:t>Parameters</a:t>
             </a:r>
           </a:p>
         </p:txBody>
@@ -14291,7 +17724,7 @@
     </p:spTree>
     <p:extLst>
       <p:ext uri="{BB962C8B-B14F-4D97-AF65-F5344CB8AC3E}">
-        <p14:creationId xmlns:p14="http://schemas.microsoft.com/office/powerpoint/2010/main" val="2095895998"/>
+        <p14:creationId xmlns:p14="http://schemas.microsoft.com/office/powerpoint/2010/main" val="569488709"/>
       </p:ext>
     </p:extLst>
   </p:cSld>
@@ -14320,7 +17753,42 @@
       </p:grpSpPr>
       <p:sp>
         <p:nvSpPr>
-          <p:cNvPr id="41986" name="Rectangle 2"/>
+          <p:cNvPr id="2" name="Date Placeholder 1">
+            <a:extLst>
+              <a:ext uri="{FF2B5EF4-FFF2-40B4-BE49-F238E27FC236}">
+                <a16:creationId xmlns:a16="http://schemas.microsoft.com/office/drawing/2014/main" id="{59DFD399-7AB4-FA40-9005-8A97688FCF0B}"/>
+              </a:ext>
+            </a:extLst>
+          </p:cNvPr>
+          <p:cNvSpPr>
+            <a:spLocks noGrp="1"/>
+          </p:cNvSpPr>
+          <p:nvPr>
+            <p:ph type="dt" sz="half" idx="10"/>
+          </p:nvPr>
+        </p:nvSpPr>
+        <p:spPr/>
+        <p:txBody>
+          <a:bodyPr/>
+          <a:lstStyle/>
+          <a:p>
+            <a:fld id="{6700A58B-DD98-43D0-B791-721480A02982}" type="datetime1">
+              <a:rPr lang="en-US" smtClean="0"/>
+              <a:t>3/21/22</a:t>
+            </a:fld>
+            <a:endParaRPr lang="en-US"/>
+          </a:p>
+        </p:txBody>
+      </p:sp>
+      <p:sp>
+        <p:nvSpPr>
+          <p:cNvPr id="3" name="Title 2">
+            <a:extLst>
+              <a:ext uri="{FF2B5EF4-FFF2-40B4-BE49-F238E27FC236}">
+                <a16:creationId xmlns:a16="http://schemas.microsoft.com/office/drawing/2014/main" id="{EBD5C2A2-66D8-5F4D-BA8F-A8DB9E5B1DB0}"/>
+              </a:ext>
+            </a:extLst>
+          </p:cNvPr>
           <p:cNvSpPr>
             <a:spLocks noGrp="1"/>
           </p:cNvSpPr>
@@ -14333,22 +17801,27 @@
           <a:bodyPr/>
           <a:lstStyle/>
           <a:p>
-            <a:pPr eaLnBrk="1" hangingPunct="1"/>
-            <a:r>
-              <a:rPr lang="en-US" altLang="en-US"/>
-              <a:t>Summary</a:t>
+            <a:r>
+              <a:rPr lang="en-US" dirty="0"/>
+              <a:t>Parameter Review</a:t>
             </a:r>
           </a:p>
         </p:txBody>
       </p:sp>
       <p:sp>
         <p:nvSpPr>
-          <p:cNvPr id="41987" name="Rectangle 3"/>
+          <p:cNvPr id="4" name="Slide Number Placeholder 3">
+            <a:extLst>
+              <a:ext uri="{FF2B5EF4-FFF2-40B4-BE49-F238E27FC236}">
+                <a16:creationId xmlns:a16="http://schemas.microsoft.com/office/drawing/2014/main" id="{B1620550-AFA4-FE47-BFA2-E632C498BC0F}"/>
+              </a:ext>
+            </a:extLst>
+          </p:cNvPr>
           <p:cNvSpPr>
             <a:spLocks noGrp="1"/>
           </p:cNvSpPr>
           <p:nvPr>
-            <p:ph type="body" idx="1"/>
+            <p:ph type="sldNum" sz="quarter" idx="12"/>
           </p:nvPr>
         </p:nvSpPr>
         <p:spPr/>
@@ -14356,97 +17829,23 @@
           <a:bodyPr/>
           <a:lstStyle/>
           <a:p>
-            <a:pPr eaLnBrk="1" hangingPunct="1">
-              <a:lnSpc>
-                <a:spcPct val="90000"/>
-              </a:lnSpc>
-            </a:pPr>
-            <a:r>
-              <a:rPr lang="en-US" altLang="en-US" dirty="0"/>
-              <a:t>Classification and Regression Trees are an easily understandable and transparent method for predicting or classifying new records</a:t>
-            </a:r>
-          </a:p>
-          <a:p>
-            <a:pPr eaLnBrk="1" hangingPunct="1">
-              <a:lnSpc>
-                <a:spcPct val="90000"/>
-              </a:lnSpc>
-            </a:pPr>
-            <a:r>
-              <a:rPr lang="en-US" altLang="en-US" dirty="0"/>
-              <a:t>A single tree is a graphical representation of a set of rules</a:t>
-            </a:r>
-          </a:p>
-          <a:p>
-            <a:pPr eaLnBrk="1" hangingPunct="1">
-              <a:lnSpc>
-                <a:spcPct val="90000"/>
-              </a:lnSpc>
-            </a:pPr>
-            <a:r>
-              <a:rPr lang="en-US" altLang="en-US" dirty="0"/>
-              <a:t>Tree growth must be stopped to avoid overfitting of the training data – cross-validation (CV) helps you pick the right </a:t>
-            </a:r>
-            <a:r>
-              <a:rPr lang="en-US" altLang="en-US" dirty="0">
-                <a:latin typeface="Courier New" pitchFamily="49" charset="0"/>
-                <a:cs typeface="Courier New" pitchFamily="49" charset="0"/>
-              </a:rPr>
-              <a:t>cp</a:t>
-            </a:r>
-            <a:r>
-              <a:rPr lang="en-US" altLang="en-US" dirty="0"/>
-              <a:t> level to stop tree growth – </a:t>
-            </a:r>
-            <a:r>
-              <a:rPr lang="en-US" altLang="en-US" i="1" dirty="0"/>
-              <a:t>will cover CV later in the course</a:t>
-            </a:r>
-          </a:p>
-          <a:p>
-            <a:pPr eaLnBrk="1" hangingPunct="1">
-              <a:lnSpc>
-                <a:spcPct val="90000"/>
-              </a:lnSpc>
-            </a:pPr>
-            <a:r>
-              <a:rPr lang="en-US" altLang="en-US" dirty="0"/>
-              <a:t>Ensembles (random forests, &amp; boosting) improve predictive performance, but you lose interpretability and the rules embodied in a single tree</a:t>
-            </a:r>
+            <a:fld id="{37290FF7-652B-4475-AEAB-8B1A5D23AE09}" type="slidenum">
+              <a:rPr lang="en-US" smtClean="0"/>
+              <a:t>9</a:t>
+            </a:fld>
+            <a:endParaRPr lang="en-US"/>
           </a:p>
         </p:txBody>
       </p:sp>
       <p:sp>
         <p:nvSpPr>
-          <p:cNvPr id="4" name="Date Placeholder 4"/>
-          <p:cNvSpPr>
-            <a:spLocks noGrp="1"/>
-          </p:cNvSpPr>
-          <p:nvPr>
-            <p:ph type="dt" sz="half" idx="10"/>
-          </p:nvPr>
-        </p:nvSpPr>
-        <p:spPr>
-          <a:xfrm>
-            <a:off x="628650" y="6356351"/>
-            <a:ext cx="2057400" cy="365125"/>
-          </a:xfrm>
-        </p:spPr>
-        <p:txBody>
-          <a:bodyPr/>
-          <a:lstStyle/>
-          <a:p>
-            <a:fld id="{9B19E99B-5349-415A-8E56-8E989211A366}" type="datetime1">
-              <a:rPr lang="en-US" smtClean="0"/>
-              <a:t>3/22/21</a:t>
-            </a:fld>
-            <a:endParaRPr lang="en-US"/>
-          </a:p>
-        </p:txBody>
-      </p:sp>
-      <p:sp>
-        <p:nvSpPr>
-          <p:cNvPr id="5" name="Footer Placeholder 5"/>
+          <p:cNvPr id="5" name="Footer Placeholder 4">
+            <a:extLst>
+              <a:ext uri="{FF2B5EF4-FFF2-40B4-BE49-F238E27FC236}">
+                <a16:creationId xmlns:a16="http://schemas.microsoft.com/office/drawing/2014/main" id="{21FCA42E-D061-F64E-9D9B-5217E1EDFCF3}"/>
+              </a:ext>
+            </a:extLst>
+          </p:cNvPr>
           <p:cNvSpPr>
             <a:spLocks noGrp="1"/>
           </p:cNvSpPr>
@@ -14454,53 +17853,583 @@
             <p:ph type="ftr" sz="quarter" idx="3"/>
           </p:nvPr>
         </p:nvSpPr>
-        <p:spPr>
-          <a:xfrm>
-            <a:off x="3028950" y="6356351"/>
-            <a:ext cx="3086100" cy="365125"/>
-          </a:xfrm>
-        </p:spPr>
+        <p:spPr/>
         <p:txBody>
-          <a:bodyPr vert="horz" lIns="91440" tIns="45720" rIns="91440" bIns="45720" rtlCol="0" anchor="ctr"/>
+          <a:bodyPr/>
           <a:lstStyle/>
           <a:p>
-            <a:pPr algn="ctr" defTabSz="914400"/>
-            <a:r>
-              <a:rPr lang="en-US" sz="900" dirty="0">
-                <a:solidFill>
-                  <a:schemeClr val="tx1">
-                    <a:tint val="75000"/>
-                  </a:schemeClr>
-                </a:solidFill>
-              </a:rPr>
-              <a:t>Kwartler CSCI -96</a:t>
-            </a:r>
+            <a:r>
+              <a:rPr lang="en-US"/>
+              <a:t>Kwartler CSCI-96</a:t>
+            </a:r>
+            <a:endParaRPr lang="en-US" dirty="0"/>
           </a:p>
         </p:txBody>
       </p:sp>
       <p:sp>
         <p:nvSpPr>
-          <p:cNvPr id="6" name="Slide Number Placeholder 6"/>
-          <p:cNvSpPr>
-            <a:spLocks noGrp="1"/>
-          </p:cNvSpPr>
-          <p:nvPr>
-            <p:ph type="sldNum" sz="quarter" idx="12"/>
-          </p:nvPr>
+          <p:cNvPr id="36" name="TextBox 35">
+            <a:extLst>
+              <a:ext uri="{FF2B5EF4-FFF2-40B4-BE49-F238E27FC236}">
+                <a16:creationId xmlns:a16="http://schemas.microsoft.com/office/drawing/2014/main" id="{A9B8E1F6-B34A-EF4D-948E-E2B9602D18F0}"/>
+              </a:ext>
+            </a:extLst>
+          </p:cNvPr>
+          <p:cNvSpPr txBox="1"/>
+          <p:nvPr/>
         </p:nvSpPr>
         <p:spPr>
           <a:xfrm>
-            <a:off x="6457950" y="6356351"/>
-            <a:ext cx="857250" cy="365125"/>
+            <a:off x="700753" y="2476888"/>
+            <a:ext cx="2662935" cy="830997"/>
           </a:xfrm>
+          <a:prstGeom prst="rect">
+            <a:avLst/>
+          </a:prstGeom>
+          <a:noFill/>
         </p:spPr>
         <p:txBody>
-          <a:bodyPr/>
+          <a:bodyPr wrap="square" rtlCol="0">
+            <a:spAutoFit/>
+          </a:bodyPr>
           <a:lstStyle/>
           <a:p>
             <a:r>
-              <a:rPr lang="en-US" dirty="0"/>
-              <a:t>77</a:t>
+              <a:rPr lang="en-US" sz="1200" dirty="0"/>
+              <a:t>How many variables do you want to build from is determined with </a:t>
+            </a:r>
+            <a:r>
+              <a:rPr lang="en-US" sz="1200" dirty="0" err="1">
+                <a:highlight>
+                  <a:srgbClr val="C0C0C0"/>
+                </a:highlight>
+                <a:latin typeface="Consolas" panose="020B0609020204030204" pitchFamily="49" charset="0"/>
+                <a:cs typeface="Consolas" panose="020B0609020204030204" pitchFamily="49" charset="0"/>
+              </a:rPr>
+              <a:t>mtry</a:t>
+            </a:r>
+            <a:r>
+              <a:rPr lang="en-US" sz="1200" dirty="0"/>
+              <a:t>.  The variables are randomly selected for each tree.</a:t>
+            </a:r>
+          </a:p>
+        </p:txBody>
+      </p:sp>
+      <p:sp>
+        <p:nvSpPr>
+          <p:cNvPr id="37" name="TextBox 36">
+            <a:extLst>
+              <a:ext uri="{FF2B5EF4-FFF2-40B4-BE49-F238E27FC236}">
+                <a16:creationId xmlns:a16="http://schemas.microsoft.com/office/drawing/2014/main" id="{25B1E2EF-5520-2347-9148-940C1EEC6284}"/>
+              </a:ext>
+            </a:extLst>
+          </p:cNvPr>
+          <p:cNvSpPr txBox="1"/>
+          <p:nvPr/>
+        </p:nvSpPr>
+        <p:spPr>
+          <a:xfrm>
+            <a:off x="700753" y="4120239"/>
+            <a:ext cx="2662935" cy="830997"/>
+          </a:xfrm>
+          <a:prstGeom prst="rect">
+            <a:avLst/>
+          </a:prstGeom>
+          <a:noFill/>
+        </p:spPr>
+        <p:txBody>
+          <a:bodyPr wrap="square" rtlCol="0">
+            <a:spAutoFit/>
+          </a:bodyPr>
+          <a:lstStyle/>
+          <a:p>
+            <a:r>
+              <a:rPr lang="en-US" sz="1200" dirty="0"/>
+              <a:t>How many terminal nodes should be used (complexity of the tree)  </a:t>
+            </a:r>
+          </a:p>
+          <a:p>
+            <a:r>
+              <a:rPr lang="en-US" sz="1200" dirty="0" err="1">
+                <a:highlight>
+                  <a:srgbClr val="C0C0C0"/>
+                </a:highlight>
+                <a:latin typeface="Consolas" panose="020B0609020204030204" pitchFamily="49" charset="0"/>
+                <a:cs typeface="Consolas" panose="020B0609020204030204" pitchFamily="49" charset="0"/>
+              </a:rPr>
+              <a:t>nodesize</a:t>
+            </a:r>
+            <a:r>
+              <a:rPr lang="en-US" sz="1200" dirty="0"/>
+              <a:t> is the minimum number vs </a:t>
+            </a:r>
+            <a:r>
+              <a:rPr lang="en-US" sz="1200" dirty="0" err="1">
+                <a:highlight>
+                  <a:srgbClr val="C0C0C0"/>
+                </a:highlight>
+                <a:latin typeface="Consolas" panose="020B0609020204030204" pitchFamily="49" charset="0"/>
+                <a:cs typeface="Consolas" panose="020B0609020204030204" pitchFamily="49" charset="0"/>
+              </a:rPr>
+              <a:t>maxnode</a:t>
+            </a:r>
+            <a:endParaRPr lang="en-US" sz="1200" dirty="0">
+              <a:highlight>
+                <a:srgbClr val="C0C0C0"/>
+              </a:highlight>
+              <a:latin typeface="Consolas" panose="020B0609020204030204" pitchFamily="49" charset="0"/>
+              <a:cs typeface="Consolas" panose="020B0609020204030204" pitchFamily="49" charset="0"/>
+            </a:endParaRPr>
+          </a:p>
+        </p:txBody>
+      </p:sp>
+      <p:sp>
+        <p:nvSpPr>
+          <p:cNvPr id="41" name="TextBox 40">
+            <a:extLst>
+              <a:ext uri="{FF2B5EF4-FFF2-40B4-BE49-F238E27FC236}">
+                <a16:creationId xmlns:a16="http://schemas.microsoft.com/office/drawing/2014/main" id="{52FE8D3B-4B4B-C144-AB96-B2E5846B6D51}"/>
+              </a:ext>
+            </a:extLst>
+          </p:cNvPr>
+          <p:cNvSpPr txBox="1"/>
+          <p:nvPr/>
+        </p:nvSpPr>
+        <p:spPr>
+          <a:xfrm>
+            <a:off x="5131239" y="2661554"/>
+            <a:ext cx="2662935" cy="461665"/>
+          </a:xfrm>
+          <a:prstGeom prst="rect">
+            <a:avLst/>
+          </a:prstGeom>
+          <a:noFill/>
+        </p:spPr>
+        <p:txBody>
+          <a:bodyPr wrap="square" rtlCol="0">
+            <a:spAutoFit/>
+          </a:bodyPr>
+          <a:lstStyle/>
+          <a:p>
+            <a:r>
+              <a:rPr lang="en-US" sz="1200" dirty="0"/>
+              <a:t>I leave this small, and prefer to have more trees.  This is my preference.</a:t>
+            </a:r>
+          </a:p>
+        </p:txBody>
+      </p:sp>
+      <p:sp>
+        <p:nvSpPr>
+          <p:cNvPr id="42" name="TextBox 41">
+            <a:extLst>
+              <a:ext uri="{FF2B5EF4-FFF2-40B4-BE49-F238E27FC236}">
+                <a16:creationId xmlns:a16="http://schemas.microsoft.com/office/drawing/2014/main" id="{F5AC65EA-1AD8-7E48-8862-DE95D0715466}"/>
+              </a:ext>
+            </a:extLst>
+          </p:cNvPr>
+          <p:cNvSpPr txBox="1"/>
+          <p:nvPr/>
+        </p:nvSpPr>
+        <p:spPr>
+          <a:xfrm>
+            <a:off x="5131239" y="4120239"/>
+            <a:ext cx="2662935" cy="830997"/>
+          </a:xfrm>
+          <a:prstGeom prst="rect">
+            <a:avLst/>
+          </a:prstGeom>
+          <a:noFill/>
+        </p:spPr>
+        <p:txBody>
+          <a:bodyPr wrap="square" rtlCol="0">
+            <a:spAutoFit/>
+          </a:bodyPr>
+          <a:lstStyle/>
+          <a:p>
+            <a:r>
+              <a:rPr lang="en-US" sz="1200" dirty="0"/>
+              <a:t>I accept the minimum default classification </a:t>
+            </a:r>
+            <a:r>
+              <a:rPr lang="en-US" sz="1200" dirty="0" err="1">
+                <a:highlight>
+                  <a:srgbClr val="C0C0C0"/>
+                </a:highlight>
+                <a:latin typeface="Consolas" panose="020B0609020204030204" pitchFamily="49" charset="0"/>
+                <a:cs typeface="Consolas" panose="020B0609020204030204" pitchFamily="49" charset="0"/>
+              </a:rPr>
+              <a:t>nodesize</a:t>
+            </a:r>
+            <a:r>
+              <a:rPr lang="en-US" sz="1200" dirty="0"/>
+              <a:t> = 1, and regression/continuous </a:t>
+            </a:r>
+            <a:r>
+              <a:rPr lang="en-US" sz="1200" dirty="0" err="1">
+                <a:highlight>
+                  <a:srgbClr val="C0C0C0"/>
+                </a:highlight>
+                <a:latin typeface="Consolas" panose="020B0609020204030204" pitchFamily="49" charset="0"/>
+                <a:cs typeface="Consolas" panose="020B0609020204030204" pitchFamily="49" charset="0"/>
+              </a:rPr>
+              <a:t>nodesize</a:t>
+            </a:r>
+            <a:r>
+              <a:rPr lang="en-US" sz="1200" dirty="0"/>
+              <a:t> = 5.</a:t>
+            </a:r>
+          </a:p>
+          <a:p>
+            <a:r>
+              <a:rPr lang="en-US" sz="1200" dirty="0" err="1"/>
+              <a:t>Maxnode</a:t>
+            </a:r>
+            <a:r>
+              <a:rPr lang="en-US" sz="1200" dirty="0"/>
+              <a:t> default is NULL. </a:t>
+            </a:r>
+          </a:p>
+        </p:txBody>
+      </p:sp>
+      <p:sp>
+        <p:nvSpPr>
+          <p:cNvPr id="43" name="TextBox 42">
+            <a:extLst>
+              <a:ext uri="{FF2B5EF4-FFF2-40B4-BE49-F238E27FC236}">
+                <a16:creationId xmlns:a16="http://schemas.microsoft.com/office/drawing/2014/main" id="{6C9DAFB6-9D5E-8247-B01B-F82AF4281990}"/>
+              </a:ext>
+            </a:extLst>
+          </p:cNvPr>
+          <p:cNvSpPr txBox="1"/>
+          <p:nvPr/>
+        </p:nvSpPr>
+        <p:spPr>
+          <a:xfrm>
+            <a:off x="304799" y="5562600"/>
+            <a:ext cx="8729545" cy="641351"/>
+          </a:xfrm>
+          <a:prstGeom prst="rect">
+            <a:avLst/>
+          </a:prstGeom>
+          <a:solidFill>
+            <a:schemeClr val="accent3"/>
+          </a:solidFill>
+          <a:ln>
+            <a:noFill/>
+          </a:ln>
+        </p:spPr>
+        <p:style>
+          <a:lnRef idx="2">
+            <a:schemeClr val="accent1">
+              <a:shade val="50000"/>
+            </a:schemeClr>
+          </a:lnRef>
+          <a:fillRef idx="1">
+            <a:schemeClr val="accent1"/>
+          </a:fillRef>
+          <a:effectRef idx="0">
+            <a:schemeClr val="accent1"/>
+          </a:effectRef>
+          <a:fontRef idx="minor">
+            <a:schemeClr val="lt1"/>
+          </a:fontRef>
+        </p:style>
+        <p:txBody>
+          <a:bodyPr rtlCol="0" anchor="ctr"/>
+          <a:lstStyle>
+            <a:defPPr>
+              <a:defRPr lang="en-US"/>
+            </a:defPPr>
+            <a:lvl1pPr algn="ctr">
+              <a:defRPr sz="1400" i="1">
+                <a:solidFill>
+                  <a:schemeClr val="lt1"/>
+                </a:solidFill>
+              </a:defRPr>
+            </a:lvl1pPr>
+            <a:lvl2pPr>
+              <a:defRPr>
+                <a:solidFill>
+                  <a:schemeClr val="lt1"/>
+                </a:solidFill>
+              </a:defRPr>
+            </a:lvl2pPr>
+            <a:lvl3pPr>
+              <a:defRPr>
+                <a:solidFill>
+                  <a:schemeClr val="lt1"/>
+                </a:solidFill>
+              </a:defRPr>
+            </a:lvl3pPr>
+            <a:lvl4pPr>
+              <a:defRPr>
+                <a:solidFill>
+                  <a:schemeClr val="lt1"/>
+                </a:solidFill>
+              </a:defRPr>
+            </a:lvl4pPr>
+            <a:lvl5pPr>
+              <a:defRPr>
+                <a:solidFill>
+                  <a:schemeClr val="lt1"/>
+                </a:solidFill>
+              </a:defRPr>
+            </a:lvl5pPr>
+            <a:lvl6pPr>
+              <a:defRPr>
+                <a:solidFill>
+                  <a:schemeClr val="lt1"/>
+                </a:solidFill>
+              </a:defRPr>
+            </a:lvl6pPr>
+            <a:lvl7pPr>
+              <a:defRPr>
+                <a:solidFill>
+                  <a:schemeClr val="lt1"/>
+                </a:solidFill>
+              </a:defRPr>
+            </a:lvl7pPr>
+            <a:lvl8pPr>
+              <a:defRPr>
+                <a:solidFill>
+                  <a:schemeClr val="lt1"/>
+                </a:solidFill>
+              </a:defRPr>
+            </a:lvl8pPr>
+            <a:lvl9pPr>
+              <a:defRPr>
+                <a:solidFill>
+                  <a:schemeClr val="lt1"/>
+                </a:solidFill>
+              </a:defRPr>
+            </a:lvl9pPr>
+          </a:lstStyle>
+          <a:p>
+            <a:r>
+              <a:rPr lang="en-US" i="0" dirty="0"/>
+              <a:t>You are encouraged to explore these and other parameters of the random forest to learn your own preferences.</a:t>
+            </a:r>
+          </a:p>
+        </p:txBody>
+      </p:sp>
+      <p:sp>
+        <p:nvSpPr>
+          <p:cNvPr id="44" name="TextBox 43">
+            <a:extLst>
+              <a:ext uri="{FF2B5EF4-FFF2-40B4-BE49-F238E27FC236}">
+                <a16:creationId xmlns:a16="http://schemas.microsoft.com/office/drawing/2014/main" id="{52FEB517-1A37-DB44-8F3D-2BAA49CDA3A0}"/>
+              </a:ext>
+            </a:extLst>
+          </p:cNvPr>
+          <p:cNvSpPr txBox="1"/>
+          <p:nvPr/>
+        </p:nvSpPr>
+        <p:spPr>
+          <a:xfrm>
+            <a:off x="700753" y="1529243"/>
+            <a:ext cx="2662935" cy="461665"/>
+          </a:xfrm>
+          <a:prstGeom prst="rect">
+            <a:avLst/>
+          </a:prstGeom>
+          <a:noFill/>
+        </p:spPr>
+        <p:txBody>
+          <a:bodyPr wrap="square" rtlCol="0">
+            <a:spAutoFit/>
+          </a:bodyPr>
+          <a:lstStyle/>
+          <a:p>
+            <a:r>
+              <a:rPr lang="en-US" sz="1200" dirty="0"/>
+              <a:t>How many bags/trees to make is in </a:t>
+            </a:r>
+            <a:r>
+              <a:rPr lang="en-US" sz="1200" dirty="0" err="1">
+                <a:highlight>
+                  <a:srgbClr val="C0C0C0"/>
+                </a:highlight>
+                <a:latin typeface="Consolas" panose="020B0609020204030204" pitchFamily="49" charset="0"/>
+                <a:cs typeface="Consolas" panose="020B0609020204030204" pitchFamily="49" charset="0"/>
+              </a:rPr>
+              <a:t>ntree</a:t>
+            </a:r>
+            <a:r>
+              <a:rPr lang="en-US" sz="1200" dirty="0"/>
+              <a:t>.</a:t>
+            </a:r>
+          </a:p>
+        </p:txBody>
+      </p:sp>
+      <p:sp>
+        <p:nvSpPr>
+          <p:cNvPr id="45" name="Triangle 44">
+            <a:extLst>
+              <a:ext uri="{FF2B5EF4-FFF2-40B4-BE49-F238E27FC236}">
+                <a16:creationId xmlns:a16="http://schemas.microsoft.com/office/drawing/2014/main" id="{DFD1BED1-C075-AA42-84EF-2795E6DEF448}"/>
+              </a:ext>
+            </a:extLst>
+          </p:cNvPr>
+          <p:cNvSpPr/>
+          <p:nvPr/>
+        </p:nvSpPr>
+        <p:spPr>
+          <a:xfrm rot="5400000">
+            <a:off x="4054927" y="1504261"/>
+            <a:ext cx="522518" cy="511628"/>
+          </a:xfrm>
+          <a:prstGeom prst="triangle">
+            <a:avLst/>
+          </a:prstGeom>
+        </p:spPr>
+        <p:style>
+          <a:lnRef idx="2">
+            <a:schemeClr val="accent1">
+              <a:shade val="50000"/>
+            </a:schemeClr>
+          </a:lnRef>
+          <a:fillRef idx="1">
+            <a:schemeClr val="accent1"/>
+          </a:fillRef>
+          <a:effectRef idx="0">
+            <a:schemeClr val="accent1"/>
+          </a:effectRef>
+          <a:fontRef idx="minor">
+            <a:schemeClr val="lt1"/>
+          </a:fontRef>
+        </p:style>
+        <p:txBody>
+          <a:bodyPr rtlCol="0" anchor="ctr"/>
+          <a:lstStyle/>
+          <a:p>
+            <a:pPr algn="ctr"/>
+            <a:endParaRPr lang="en-US"/>
+          </a:p>
+        </p:txBody>
+      </p:sp>
+      <p:sp>
+        <p:nvSpPr>
+          <p:cNvPr id="46" name="Triangle 45">
+            <a:extLst>
+              <a:ext uri="{FF2B5EF4-FFF2-40B4-BE49-F238E27FC236}">
+                <a16:creationId xmlns:a16="http://schemas.microsoft.com/office/drawing/2014/main" id="{6A3CE512-7E35-4849-8DF1-6AA38135186C}"/>
+              </a:ext>
+            </a:extLst>
+          </p:cNvPr>
+          <p:cNvSpPr/>
+          <p:nvPr/>
+        </p:nvSpPr>
+        <p:spPr>
+          <a:xfrm rot="5400000">
+            <a:off x="4054927" y="2636572"/>
+            <a:ext cx="522518" cy="511628"/>
+          </a:xfrm>
+          <a:prstGeom prst="triangle">
+            <a:avLst/>
+          </a:prstGeom>
+        </p:spPr>
+        <p:style>
+          <a:lnRef idx="2">
+            <a:schemeClr val="accent1">
+              <a:shade val="50000"/>
+            </a:schemeClr>
+          </a:lnRef>
+          <a:fillRef idx="1">
+            <a:schemeClr val="accent1"/>
+          </a:fillRef>
+          <a:effectRef idx="0">
+            <a:schemeClr val="accent1"/>
+          </a:effectRef>
+          <a:fontRef idx="minor">
+            <a:schemeClr val="lt1"/>
+          </a:fontRef>
+        </p:style>
+        <p:txBody>
+          <a:bodyPr rtlCol="0" anchor="ctr"/>
+          <a:lstStyle/>
+          <a:p>
+            <a:pPr algn="ctr"/>
+            <a:endParaRPr lang="en-US"/>
+          </a:p>
+        </p:txBody>
+      </p:sp>
+      <p:sp>
+        <p:nvSpPr>
+          <p:cNvPr id="47" name="Triangle 46">
+            <a:extLst>
+              <a:ext uri="{FF2B5EF4-FFF2-40B4-BE49-F238E27FC236}">
+                <a16:creationId xmlns:a16="http://schemas.microsoft.com/office/drawing/2014/main" id="{26F35D39-1A9B-214A-A5EF-D5C61E6362BF}"/>
+              </a:ext>
+            </a:extLst>
+          </p:cNvPr>
+          <p:cNvSpPr/>
+          <p:nvPr/>
+        </p:nvSpPr>
+        <p:spPr>
+          <a:xfrm rot="5400000">
+            <a:off x="4054927" y="4279923"/>
+            <a:ext cx="522518" cy="511628"/>
+          </a:xfrm>
+          <a:prstGeom prst="triangle">
+            <a:avLst/>
+          </a:prstGeom>
+        </p:spPr>
+        <p:style>
+          <a:lnRef idx="2">
+            <a:schemeClr val="accent1">
+              <a:shade val="50000"/>
+            </a:schemeClr>
+          </a:lnRef>
+          <a:fillRef idx="1">
+            <a:schemeClr val="accent1"/>
+          </a:fillRef>
+          <a:effectRef idx="0">
+            <a:schemeClr val="accent1"/>
+          </a:effectRef>
+          <a:fontRef idx="minor">
+            <a:schemeClr val="lt1"/>
+          </a:fontRef>
+        </p:style>
+        <p:txBody>
+          <a:bodyPr rtlCol="0" anchor="ctr"/>
+          <a:lstStyle/>
+          <a:p>
+            <a:pPr algn="ctr"/>
+            <a:endParaRPr lang="en-US"/>
+          </a:p>
+        </p:txBody>
+      </p:sp>
+      <p:sp>
+        <p:nvSpPr>
+          <p:cNvPr id="48" name="TextBox 47">
+            <a:extLst>
+              <a:ext uri="{FF2B5EF4-FFF2-40B4-BE49-F238E27FC236}">
+                <a16:creationId xmlns:a16="http://schemas.microsoft.com/office/drawing/2014/main" id="{5141CC6E-79AB-F54C-A5B7-62000F82AA80}"/>
+              </a:ext>
+            </a:extLst>
+          </p:cNvPr>
+          <p:cNvSpPr txBox="1"/>
+          <p:nvPr/>
+        </p:nvSpPr>
+        <p:spPr>
+          <a:xfrm>
+            <a:off x="5131239" y="1436910"/>
+            <a:ext cx="2662935" cy="646331"/>
+          </a:xfrm>
+          <a:prstGeom prst="rect">
+            <a:avLst/>
+          </a:prstGeom>
+          <a:noFill/>
+        </p:spPr>
+        <p:txBody>
+          <a:bodyPr wrap="square" rtlCol="0">
+            <a:spAutoFit/>
+          </a:bodyPr>
+          <a:lstStyle/>
+          <a:p>
+            <a:r>
+              <a:rPr lang="en-US" sz="1200" dirty="0"/>
+              <a:t>I run a few hundred then review the OOB visual and choose as part of evaluation.</a:t>
             </a:r>
           </a:p>
         </p:txBody>
@@ -14508,7 +18437,7 @@
     </p:spTree>
     <p:extLst>
       <p:ext uri="{BB962C8B-B14F-4D97-AF65-F5344CB8AC3E}">
-        <p14:creationId xmlns:p14="http://schemas.microsoft.com/office/powerpoint/2010/main" val="2420561352"/>
+        <p14:creationId xmlns:p14="http://schemas.microsoft.com/office/powerpoint/2010/main" val="3555580859"/>
       </p:ext>
     </p:extLst>
   </p:cSld>
